--- a/image/flowchart.pptx
+++ b/image/flowchart.pptx
@@ -104,6 +104,11 @@
       </a:defRPr>
     </a:lvl9pPr>
   </p:defaultTextStyle>
+  <p:extLst>
+    <p:ext uri="{EFAFB233-063F-42B5-8137-9DF3F51BA10A}">
+      <p15:sldGuideLst xmlns:p15="http://schemas.microsoft.com/office/powerpoint/2012/main"/>
+    </p:ext>
+  </p:extLst>
 </p:presentation>
 </file>
 
@@ -254,7 +259,7 @@
           <a:p>
             <a:fld id="{60C89CFB-3BD4-45D4-8FCC-79850387BF7C}" type="datetimeFigureOut">
               <a:rPr kumimoji="1" lang="ja-JP" altLang="en-US" smtClean="0"/>
-              <a:t>2025/10/25</a:t>
+              <a:t>2025/10/27</a:t>
             </a:fld>
             <a:endParaRPr kumimoji="1" lang="ja-JP" altLang="en-US"/>
           </a:p>
@@ -484,7 +489,7 @@
           <a:p>
             <a:fld id="{60C89CFB-3BD4-45D4-8FCC-79850387BF7C}" type="datetimeFigureOut">
               <a:rPr kumimoji="1" lang="ja-JP" altLang="en-US" smtClean="0"/>
-              <a:t>2025/10/25</a:t>
+              <a:t>2025/10/27</a:t>
             </a:fld>
             <a:endParaRPr kumimoji="1" lang="ja-JP" altLang="en-US"/>
           </a:p>
@@ -724,7 +729,7 @@
           <a:p>
             <a:fld id="{60C89CFB-3BD4-45D4-8FCC-79850387BF7C}" type="datetimeFigureOut">
               <a:rPr kumimoji="1" lang="ja-JP" altLang="en-US" smtClean="0"/>
-              <a:t>2025/10/25</a:t>
+              <a:t>2025/10/27</a:t>
             </a:fld>
             <a:endParaRPr kumimoji="1" lang="ja-JP" altLang="en-US"/>
           </a:p>
@@ -954,7 +959,7 @@
           <a:p>
             <a:fld id="{60C89CFB-3BD4-45D4-8FCC-79850387BF7C}" type="datetimeFigureOut">
               <a:rPr kumimoji="1" lang="ja-JP" altLang="en-US" smtClean="0"/>
-              <a:t>2025/10/25</a:t>
+              <a:t>2025/10/27</a:t>
             </a:fld>
             <a:endParaRPr kumimoji="1" lang="ja-JP" altLang="en-US"/>
           </a:p>
@@ -1229,7 +1234,7 @@
           <a:p>
             <a:fld id="{60C89CFB-3BD4-45D4-8FCC-79850387BF7C}" type="datetimeFigureOut">
               <a:rPr kumimoji="1" lang="ja-JP" altLang="en-US" smtClean="0"/>
-              <a:t>2025/10/25</a:t>
+              <a:t>2025/10/27</a:t>
             </a:fld>
             <a:endParaRPr kumimoji="1" lang="ja-JP" altLang="en-US"/>
           </a:p>
@@ -1558,7 +1563,7 @@
           <a:p>
             <a:fld id="{60C89CFB-3BD4-45D4-8FCC-79850387BF7C}" type="datetimeFigureOut">
               <a:rPr kumimoji="1" lang="ja-JP" altLang="en-US" smtClean="0"/>
-              <a:t>2025/10/25</a:t>
+              <a:t>2025/10/27</a:t>
             </a:fld>
             <a:endParaRPr kumimoji="1" lang="ja-JP" altLang="en-US"/>
           </a:p>
@@ -2034,7 +2039,7 @@
           <a:p>
             <a:fld id="{60C89CFB-3BD4-45D4-8FCC-79850387BF7C}" type="datetimeFigureOut">
               <a:rPr kumimoji="1" lang="ja-JP" altLang="en-US" smtClean="0"/>
-              <a:t>2025/10/25</a:t>
+              <a:t>2025/10/27</a:t>
             </a:fld>
             <a:endParaRPr kumimoji="1" lang="ja-JP" altLang="en-US"/>
           </a:p>
@@ -2175,7 +2180,7 @@
           <a:p>
             <a:fld id="{60C89CFB-3BD4-45D4-8FCC-79850387BF7C}" type="datetimeFigureOut">
               <a:rPr kumimoji="1" lang="ja-JP" altLang="en-US" smtClean="0"/>
-              <a:t>2025/10/25</a:t>
+              <a:t>2025/10/27</a:t>
             </a:fld>
             <a:endParaRPr kumimoji="1" lang="ja-JP" altLang="en-US"/>
           </a:p>
@@ -2288,7 +2293,7 @@
           <a:p>
             <a:fld id="{60C89CFB-3BD4-45D4-8FCC-79850387BF7C}" type="datetimeFigureOut">
               <a:rPr kumimoji="1" lang="ja-JP" altLang="en-US" smtClean="0"/>
-              <a:t>2025/10/25</a:t>
+              <a:t>2025/10/27</a:t>
             </a:fld>
             <a:endParaRPr kumimoji="1" lang="ja-JP" altLang="en-US"/>
           </a:p>
@@ -2631,7 +2636,7 @@
           <a:p>
             <a:fld id="{60C89CFB-3BD4-45D4-8FCC-79850387BF7C}" type="datetimeFigureOut">
               <a:rPr kumimoji="1" lang="ja-JP" altLang="en-US" smtClean="0"/>
-              <a:t>2025/10/25</a:t>
+              <a:t>2025/10/27</a:t>
             </a:fld>
             <a:endParaRPr kumimoji="1" lang="ja-JP" altLang="en-US"/>
           </a:p>
@@ -2919,7 +2924,7 @@
           <a:p>
             <a:fld id="{60C89CFB-3BD4-45D4-8FCC-79850387BF7C}" type="datetimeFigureOut">
               <a:rPr kumimoji="1" lang="ja-JP" altLang="en-US" smtClean="0"/>
-              <a:t>2025/10/25</a:t>
+              <a:t>2025/10/27</a:t>
             </a:fld>
             <a:endParaRPr kumimoji="1" lang="ja-JP" altLang="en-US"/>
           </a:p>
@@ -3192,7 +3197,7 @@
           <a:p>
             <a:fld id="{60C89CFB-3BD4-45D4-8FCC-79850387BF7C}" type="datetimeFigureOut">
               <a:rPr kumimoji="1" lang="ja-JP" altLang="en-US" smtClean="0"/>
-              <a:t>2025/10/25</a:t>
+              <a:t>2025/10/27</a:t>
             </a:fld>
             <a:endParaRPr kumimoji="1" lang="ja-JP" altLang="en-US"/>
           </a:p>
@@ -3875,7 +3880,27 @@
                   <a:latin typeface="Times New Roman" panose="02020603050405020304" pitchFamily="18" charset="0"/>
                   <a:cs typeface="Times New Roman" panose="02020603050405020304" pitchFamily="18" charset="0"/>
                 </a:rPr>
-                <a:t>A physician selected up to 10 matched donors from the list of candidates provided by JMDP.</a:t>
+                <a:t>A physician selected up to 10 matched donors</a:t>
+              </a:r>
+              <a:r>
+                <a:rPr lang="ja-JP" altLang="en-US" dirty="0">
+                  <a:solidFill>
+                    <a:schemeClr val="tx1"/>
+                  </a:solidFill>
+                  <a:latin typeface="Times New Roman" panose="02020603050405020304" pitchFamily="18" charset="0"/>
+                  <a:cs typeface="Times New Roman" panose="02020603050405020304" pitchFamily="18" charset="0"/>
+                </a:rPr>
+                <a:t> </a:t>
+              </a:r>
+              <a:r>
+                <a:rPr lang="en-US" altLang="ja-JP" dirty="0">
+                  <a:solidFill>
+                    <a:schemeClr val="tx1"/>
+                  </a:solidFill>
+                  <a:latin typeface="Times New Roman" panose="02020603050405020304" pitchFamily="18" charset="0"/>
+                  <a:cs typeface="Times New Roman" panose="02020603050405020304" pitchFamily="18" charset="0"/>
+                </a:rPr>
+                <a:t>per a patient from the list of candidates provided by JMDP.</a:t>
               </a:r>
             </a:p>
           </p:txBody>

--- a/image/flowchart.pptx
+++ b/image/flowchart.pptx
@@ -2,19 +2,22 @@
 <file path=ppt/presentation.xml><?xml version="1.0" encoding="utf-8"?>
 <p:presentation xmlns:a="http://schemas.openxmlformats.org/drawingml/2006/main" xmlns:r="http://schemas.openxmlformats.org/officeDocument/2006/relationships" xmlns:p="http://schemas.openxmlformats.org/presentationml/2006/main" saveSubsetFonts="1">
   <p:sldMasterIdLst>
-    <p:sldMasterId id="2147483648" r:id="rId1"/>
+    <p:sldMasterId id="2147483660" r:id="rId1"/>
   </p:sldMasterIdLst>
+  <p:notesMasterIdLst>
+    <p:notesMasterId r:id="rId3"/>
+  </p:notesMasterIdLst>
   <p:sldIdLst>
     <p:sldId id="256" r:id="rId2"/>
   </p:sldIdLst>
-  <p:sldSz cx="12192000" cy="6858000"/>
+  <p:sldSz cx="9144000" cy="6858000" type="screen4x3"/>
   <p:notesSz cx="6858000" cy="9144000"/>
   <p:defaultTextStyle>
     <a:defPPr>
-      <a:defRPr lang="ja-JP"/>
+      <a:defRPr lang="en-US"/>
     </a:defPPr>
-    <a:lvl1pPr marL="0" algn="l" defTabSz="914400" rtl="0" eaLnBrk="1" latinLnBrk="0" hangingPunct="1">
-      <a:defRPr kumimoji="1" sz="1800" kern="1200">
+    <a:lvl1pPr marL="0" algn="l" defTabSz="457200" rtl="0" eaLnBrk="1" latinLnBrk="0" hangingPunct="1">
+      <a:defRPr sz="1800" kern="1200">
         <a:solidFill>
           <a:schemeClr val="tx1"/>
         </a:solidFill>
@@ -23,8 +26,8 @@
         <a:cs typeface="+mn-cs"/>
       </a:defRPr>
     </a:lvl1pPr>
-    <a:lvl2pPr marL="457200" algn="l" defTabSz="914400" rtl="0" eaLnBrk="1" latinLnBrk="0" hangingPunct="1">
-      <a:defRPr kumimoji="1" sz="1800" kern="1200">
+    <a:lvl2pPr marL="457200" algn="l" defTabSz="457200" rtl="0" eaLnBrk="1" latinLnBrk="0" hangingPunct="1">
+      <a:defRPr sz="1800" kern="1200">
         <a:solidFill>
           <a:schemeClr val="tx1"/>
         </a:solidFill>
@@ -33,8 +36,8 @@
         <a:cs typeface="+mn-cs"/>
       </a:defRPr>
     </a:lvl2pPr>
-    <a:lvl3pPr marL="914400" algn="l" defTabSz="914400" rtl="0" eaLnBrk="1" latinLnBrk="0" hangingPunct="1">
-      <a:defRPr kumimoji="1" sz="1800" kern="1200">
+    <a:lvl3pPr marL="914400" algn="l" defTabSz="457200" rtl="0" eaLnBrk="1" latinLnBrk="0" hangingPunct="1">
+      <a:defRPr sz="1800" kern="1200">
         <a:solidFill>
           <a:schemeClr val="tx1"/>
         </a:solidFill>
@@ -43,8 +46,8 @@
         <a:cs typeface="+mn-cs"/>
       </a:defRPr>
     </a:lvl3pPr>
-    <a:lvl4pPr marL="1371600" algn="l" defTabSz="914400" rtl="0" eaLnBrk="1" latinLnBrk="0" hangingPunct="1">
-      <a:defRPr kumimoji="1" sz="1800" kern="1200">
+    <a:lvl4pPr marL="1371600" algn="l" defTabSz="457200" rtl="0" eaLnBrk="1" latinLnBrk="0" hangingPunct="1">
+      <a:defRPr sz="1800" kern="1200">
         <a:solidFill>
           <a:schemeClr val="tx1"/>
         </a:solidFill>
@@ -53,8 +56,8 @@
         <a:cs typeface="+mn-cs"/>
       </a:defRPr>
     </a:lvl4pPr>
-    <a:lvl5pPr marL="1828800" algn="l" defTabSz="914400" rtl="0" eaLnBrk="1" latinLnBrk="0" hangingPunct="1">
-      <a:defRPr kumimoji="1" sz="1800" kern="1200">
+    <a:lvl5pPr marL="1828800" algn="l" defTabSz="457200" rtl="0" eaLnBrk="1" latinLnBrk="0" hangingPunct="1">
+      <a:defRPr sz="1800" kern="1200">
         <a:solidFill>
           <a:schemeClr val="tx1"/>
         </a:solidFill>
@@ -63,8 +66,8 @@
         <a:cs typeface="+mn-cs"/>
       </a:defRPr>
     </a:lvl5pPr>
-    <a:lvl6pPr marL="2286000" algn="l" defTabSz="914400" rtl="0" eaLnBrk="1" latinLnBrk="0" hangingPunct="1">
-      <a:defRPr kumimoji="1" sz="1800" kern="1200">
+    <a:lvl6pPr marL="2286000" algn="l" defTabSz="457200" rtl="0" eaLnBrk="1" latinLnBrk="0" hangingPunct="1">
+      <a:defRPr sz="1800" kern="1200">
         <a:solidFill>
           <a:schemeClr val="tx1"/>
         </a:solidFill>
@@ -73,8 +76,8 @@
         <a:cs typeface="+mn-cs"/>
       </a:defRPr>
     </a:lvl6pPr>
-    <a:lvl7pPr marL="2743200" algn="l" defTabSz="914400" rtl="0" eaLnBrk="1" latinLnBrk="0" hangingPunct="1">
-      <a:defRPr kumimoji="1" sz="1800" kern="1200">
+    <a:lvl7pPr marL="2743200" algn="l" defTabSz="457200" rtl="0" eaLnBrk="1" latinLnBrk="0" hangingPunct="1">
+      <a:defRPr sz="1800" kern="1200">
         <a:solidFill>
           <a:schemeClr val="tx1"/>
         </a:solidFill>
@@ -83,8 +86,8 @@
         <a:cs typeface="+mn-cs"/>
       </a:defRPr>
     </a:lvl7pPr>
-    <a:lvl8pPr marL="3200400" algn="l" defTabSz="914400" rtl="0" eaLnBrk="1" latinLnBrk="0" hangingPunct="1">
-      <a:defRPr kumimoji="1" sz="1800" kern="1200">
+    <a:lvl8pPr marL="3200400" algn="l" defTabSz="457200" rtl="0" eaLnBrk="1" latinLnBrk="0" hangingPunct="1">
+      <a:defRPr sz="1800" kern="1200">
         <a:solidFill>
           <a:schemeClr val="tx1"/>
         </a:solidFill>
@@ -93,8 +96,8 @@
         <a:cs typeface="+mn-cs"/>
       </a:defRPr>
     </a:lvl8pPr>
-    <a:lvl9pPr marL="3657600" algn="l" defTabSz="914400" rtl="0" eaLnBrk="1" latinLnBrk="0" hangingPunct="1">
-      <a:defRPr kumimoji="1" sz="1800" kern="1200">
+    <a:lvl9pPr marL="3657600" algn="l" defTabSz="457200" rtl="0" eaLnBrk="1" latinLnBrk="0" hangingPunct="1">
+      <a:defRPr sz="1800" kern="1200">
         <a:solidFill>
           <a:schemeClr val="tx1"/>
         </a:solidFill>
@@ -110,6 +113,471 @@
     </p:ext>
   </p:extLst>
 </p:presentation>
+</file>
+
+<file path=ppt/notesMasters/notesMaster1.xml><?xml version="1.0" encoding="utf-8"?>
+<p:notesMaster xmlns:a="http://schemas.openxmlformats.org/drawingml/2006/main" xmlns:r="http://schemas.openxmlformats.org/officeDocument/2006/relationships" xmlns:p="http://schemas.openxmlformats.org/presentationml/2006/main">
+  <p:cSld>
+    <p:bg>
+      <p:bgRef idx="1001">
+        <a:schemeClr val="bg1"/>
+      </p:bgRef>
+    </p:bg>
+    <p:spTree>
+      <p:nvGrpSpPr>
+        <p:cNvPr id="1" name=""/>
+        <p:cNvGrpSpPr/>
+        <p:nvPr/>
+      </p:nvGrpSpPr>
+      <p:grpSpPr>
+        <a:xfrm>
+          <a:off x="0" y="0"/>
+          <a:ext cx="0" cy="0"/>
+          <a:chOff x="0" y="0"/>
+          <a:chExt cx="0" cy="0"/>
+        </a:xfrm>
+      </p:grpSpPr>
+      <p:sp>
+        <p:nvSpPr>
+          <p:cNvPr id="2" name="ヘッダー プレースホルダー 1"/>
+          <p:cNvSpPr>
+            <a:spLocks noGrp="1"/>
+          </p:cNvSpPr>
+          <p:nvPr>
+            <p:ph type="hdr" sz="quarter"/>
+          </p:nvPr>
+        </p:nvSpPr>
+        <p:spPr>
+          <a:xfrm>
+            <a:off x="0" y="0"/>
+            <a:ext cx="2971800" cy="458788"/>
+          </a:xfrm>
+          <a:prstGeom prst="rect">
+            <a:avLst/>
+          </a:prstGeom>
+        </p:spPr>
+        <p:txBody>
+          <a:bodyPr vert="horz" lIns="91440" tIns="45720" rIns="91440" bIns="45720" rtlCol="0"/>
+          <a:lstStyle>
+            <a:lvl1pPr algn="l">
+              <a:defRPr sz="1200"/>
+            </a:lvl1pPr>
+          </a:lstStyle>
+          <a:p>
+            <a:endParaRPr kumimoji="1" lang="ja-JP" altLang="en-US"/>
+          </a:p>
+        </p:txBody>
+      </p:sp>
+      <p:sp>
+        <p:nvSpPr>
+          <p:cNvPr id="3" name="日付プレースホルダー 2"/>
+          <p:cNvSpPr>
+            <a:spLocks noGrp="1"/>
+          </p:cNvSpPr>
+          <p:nvPr>
+            <p:ph type="dt" idx="1"/>
+          </p:nvPr>
+        </p:nvSpPr>
+        <p:spPr>
+          <a:xfrm>
+            <a:off x="3884613" y="0"/>
+            <a:ext cx="2971800" cy="458788"/>
+          </a:xfrm>
+          <a:prstGeom prst="rect">
+            <a:avLst/>
+          </a:prstGeom>
+        </p:spPr>
+        <p:txBody>
+          <a:bodyPr vert="horz" lIns="91440" tIns="45720" rIns="91440" bIns="45720" rtlCol="0"/>
+          <a:lstStyle>
+            <a:lvl1pPr algn="r">
+              <a:defRPr sz="1200"/>
+            </a:lvl1pPr>
+          </a:lstStyle>
+          <a:p>
+            <a:fld id="{AE391BAF-91F8-4B50-BA74-917754362F3D}" type="datetimeFigureOut">
+              <a:rPr kumimoji="1" lang="ja-JP" altLang="en-US" smtClean="0"/>
+              <a:t>2025/10/28</a:t>
+            </a:fld>
+            <a:endParaRPr kumimoji="1" lang="ja-JP" altLang="en-US"/>
+          </a:p>
+        </p:txBody>
+      </p:sp>
+      <p:sp>
+        <p:nvSpPr>
+          <p:cNvPr id="4" name="スライド イメージ プレースホルダー 3"/>
+          <p:cNvSpPr>
+            <a:spLocks noGrp="1" noRot="1" noChangeAspect="1"/>
+          </p:cNvSpPr>
+          <p:nvPr>
+            <p:ph type="sldImg" idx="2"/>
+          </p:nvPr>
+        </p:nvSpPr>
+        <p:spPr>
+          <a:xfrm>
+            <a:off x="1371600" y="1143000"/>
+            <a:ext cx="4114800" cy="3086100"/>
+          </a:xfrm>
+          <a:prstGeom prst="rect">
+            <a:avLst/>
+          </a:prstGeom>
+          <a:noFill/>
+          <a:ln w="12700">
+            <a:solidFill>
+              <a:prstClr val="black"/>
+            </a:solidFill>
+          </a:ln>
+        </p:spPr>
+        <p:txBody>
+          <a:bodyPr vert="horz" lIns="91440" tIns="45720" rIns="91440" bIns="45720" rtlCol="0" anchor="ctr"/>
+          <a:lstStyle/>
+          <a:p>
+            <a:endParaRPr lang="ja-JP" altLang="en-US"/>
+          </a:p>
+        </p:txBody>
+      </p:sp>
+      <p:sp>
+        <p:nvSpPr>
+          <p:cNvPr id="5" name="ノート プレースホルダー 4"/>
+          <p:cNvSpPr>
+            <a:spLocks noGrp="1"/>
+          </p:cNvSpPr>
+          <p:nvPr>
+            <p:ph type="body" sz="quarter" idx="3"/>
+          </p:nvPr>
+        </p:nvSpPr>
+        <p:spPr>
+          <a:xfrm>
+            <a:off x="685800" y="4400550"/>
+            <a:ext cx="5486400" cy="3600450"/>
+          </a:xfrm>
+          <a:prstGeom prst="rect">
+            <a:avLst/>
+          </a:prstGeom>
+        </p:spPr>
+        <p:txBody>
+          <a:bodyPr vert="horz" lIns="91440" tIns="45720" rIns="91440" bIns="45720" rtlCol="0"/>
+          <a:lstStyle/>
+          <a:p>
+            <a:pPr lvl="0"/>
+            <a:r>
+              <a:rPr kumimoji="1" lang="ja-JP" altLang="en-US"/>
+              <a:t>マスター テキストの書式設定</a:t>
+            </a:r>
+          </a:p>
+          <a:p>
+            <a:pPr lvl="1"/>
+            <a:r>
+              <a:rPr kumimoji="1" lang="ja-JP" altLang="en-US"/>
+              <a:t>第 </a:t>
+            </a:r>
+            <a:r>
+              <a:rPr kumimoji="1" lang="en-US" altLang="ja-JP"/>
+              <a:t>2 </a:t>
+            </a:r>
+            <a:r>
+              <a:rPr kumimoji="1" lang="ja-JP" altLang="en-US"/>
+              <a:t>レベル</a:t>
+            </a:r>
+          </a:p>
+          <a:p>
+            <a:pPr lvl="2"/>
+            <a:r>
+              <a:rPr kumimoji="1" lang="ja-JP" altLang="en-US"/>
+              <a:t>第 </a:t>
+            </a:r>
+            <a:r>
+              <a:rPr kumimoji="1" lang="en-US" altLang="ja-JP"/>
+              <a:t>3 </a:t>
+            </a:r>
+            <a:r>
+              <a:rPr kumimoji="1" lang="ja-JP" altLang="en-US"/>
+              <a:t>レベル</a:t>
+            </a:r>
+          </a:p>
+          <a:p>
+            <a:pPr lvl="3"/>
+            <a:r>
+              <a:rPr kumimoji="1" lang="ja-JP" altLang="en-US"/>
+              <a:t>第 </a:t>
+            </a:r>
+            <a:r>
+              <a:rPr kumimoji="1" lang="en-US" altLang="ja-JP"/>
+              <a:t>4 </a:t>
+            </a:r>
+            <a:r>
+              <a:rPr kumimoji="1" lang="ja-JP" altLang="en-US"/>
+              <a:t>レベル</a:t>
+            </a:r>
+          </a:p>
+          <a:p>
+            <a:pPr lvl="4"/>
+            <a:r>
+              <a:rPr kumimoji="1" lang="ja-JP" altLang="en-US"/>
+              <a:t>第 </a:t>
+            </a:r>
+            <a:r>
+              <a:rPr kumimoji="1" lang="en-US" altLang="ja-JP"/>
+              <a:t>5 </a:t>
+            </a:r>
+            <a:r>
+              <a:rPr kumimoji="1" lang="ja-JP" altLang="en-US"/>
+              <a:t>レベル</a:t>
+            </a:r>
+          </a:p>
+        </p:txBody>
+      </p:sp>
+      <p:sp>
+        <p:nvSpPr>
+          <p:cNvPr id="6" name="フッター プレースホルダー 5"/>
+          <p:cNvSpPr>
+            <a:spLocks noGrp="1"/>
+          </p:cNvSpPr>
+          <p:nvPr>
+            <p:ph type="ftr" sz="quarter" idx="4"/>
+          </p:nvPr>
+        </p:nvSpPr>
+        <p:spPr>
+          <a:xfrm>
+            <a:off x="0" y="8685213"/>
+            <a:ext cx="2971800" cy="458787"/>
+          </a:xfrm>
+          <a:prstGeom prst="rect">
+            <a:avLst/>
+          </a:prstGeom>
+        </p:spPr>
+        <p:txBody>
+          <a:bodyPr vert="horz" lIns="91440" tIns="45720" rIns="91440" bIns="45720" rtlCol="0" anchor="b"/>
+          <a:lstStyle>
+            <a:lvl1pPr algn="l">
+              <a:defRPr sz="1200"/>
+            </a:lvl1pPr>
+          </a:lstStyle>
+          <a:p>
+            <a:endParaRPr kumimoji="1" lang="ja-JP" altLang="en-US"/>
+          </a:p>
+        </p:txBody>
+      </p:sp>
+      <p:sp>
+        <p:nvSpPr>
+          <p:cNvPr id="7" name="スライド番号プレースホルダー 6"/>
+          <p:cNvSpPr>
+            <a:spLocks noGrp="1"/>
+          </p:cNvSpPr>
+          <p:nvPr>
+            <p:ph type="sldNum" sz="quarter" idx="5"/>
+          </p:nvPr>
+        </p:nvSpPr>
+        <p:spPr>
+          <a:xfrm>
+            <a:off x="3884613" y="8685213"/>
+            <a:ext cx="2971800" cy="458787"/>
+          </a:xfrm>
+          <a:prstGeom prst="rect">
+            <a:avLst/>
+          </a:prstGeom>
+        </p:spPr>
+        <p:txBody>
+          <a:bodyPr vert="horz" lIns="91440" tIns="45720" rIns="91440" bIns="45720" rtlCol="0" anchor="b"/>
+          <a:lstStyle>
+            <a:lvl1pPr algn="r">
+              <a:defRPr sz="1200"/>
+            </a:lvl1pPr>
+          </a:lstStyle>
+          <a:p>
+            <a:fld id="{695D87F4-97C9-4383-8A27-105553533FF5}" type="slidenum">
+              <a:rPr kumimoji="1" lang="ja-JP" altLang="en-US" smtClean="0"/>
+              <a:t>‹#›</a:t>
+            </a:fld>
+            <a:endParaRPr kumimoji="1" lang="ja-JP" altLang="en-US"/>
+          </a:p>
+        </p:txBody>
+      </p:sp>
+    </p:spTree>
+    <p:extLst>
+      <p:ext uri="{BB962C8B-B14F-4D97-AF65-F5344CB8AC3E}">
+        <p14:creationId xmlns:p14="http://schemas.microsoft.com/office/powerpoint/2010/main" val="2122007192"/>
+      </p:ext>
+    </p:extLst>
+  </p:cSld>
+  <p:clrMap bg1="lt1" tx1="dk1" bg2="lt2" tx2="dk2" accent1="accent1" accent2="accent2" accent3="accent3" accent4="accent4" accent5="accent5" accent6="accent6" hlink="hlink" folHlink="folHlink"/>
+  <p:notesStyle>
+    <a:lvl1pPr marL="0" algn="l" defTabSz="914400" rtl="0" eaLnBrk="1" latinLnBrk="0" hangingPunct="1">
+      <a:defRPr kumimoji="1" sz="1200" kern="1200">
+        <a:solidFill>
+          <a:schemeClr val="tx1"/>
+        </a:solidFill>
+        <a:latin typeface="+mn-lt"/>
+        <a:ea typeface="+mn-ea"/>
+        <a:cs typeface="+mn-cs"/>
+      </a:defRPr>
+    </a:lvl1pPr>
+    <a:lvl2pPr marL="457200" algn="l" defTabSz="914400" rtl="0" eaLnBrk="1" latinLnBrk="0" hangingPunct="1">
+      <a:defRPr kumimoji="1" sz="1200" kern="1200">
+        <a:solidFill>
+          <a:schemeClr val="tx1"/>
+        </a:solidFill>
+        <a:latin typeface="+mn-lt"/>
+        <a:ea typeface="+mn-ea"/>
+        <a:cs typeface="+mn-cs"/>
+      </a:defRPr>
+    </a:lvl2pPr>
+    <a:lvl3pPr marL="914400" algn="l" defTabSz="914400" rtl="0" eaLnBrk="1" latinLnBrk="0" hangingPunct="1">
+      <a:defRPr kumimoji="1" sz="1200" kern="1200">
+        <a:solidFill>
+          <a:schemeClr val="tx1"/>
+        </a:solidFill>
+        <a:latin typeface="+mn-lt"/>
+        <a:ea typeface="+mn-ea"/>
+        <a:cs typeface="+mn-cs"/>
+      </a:defRPr>
+    </a:lvl3pPr>
+    <a:lvl4pPr marL="1371600" algn="l" defTabSz="914400" rtl="0" eaLnBrk="1" latinLnBrk="0" hangingPunct="1">
+      <a:defRPr kumimoji="1" sz="1200" kern="1200">
+        <a:solidFill>
+          <a:schemeClr val="tx1"/>
+        </a:solidFill>
+        <a:latin typeface="+mn-lt"/>
+        <a:ea typeface="+mn-ea"/>
+        <a:cs typeface="+mn-cs"/>
+      </a:defRPr>
+    </a:lvl4pPr>
+    <a:lvl5pPr marL="1828800" algn="l" defTabSz="914400" rtl="0" eaLnBrk="1" latinLnBrk="0" hangingPunct="1">
+      <a:defRPr kumimoji="1" sz="1200" kern="1200">
+        <a:solidFill>
+          <a:schemeClr val="tx1"/>
+        </a:solidFill>
+        <a:latin typeface="+mn-lt"/>
+        <a:ea typeface="+mn-ea"/>
+        <a:cs typeface="+mn-cs"/>
+      </a:defRPr>
+    </a:lvl5pPr>
+    <a:lvl6pPr marL="2286000" algn="l" defTabSz="914400" rtl="0" eaLnBrk="1" latinLnBrk="0" hangingPunct="1">
+      <a:defRPr kumimoji="1" sz="1200" kern="1200">
+        <a:solidFill>
+          <a:schemeClr val="tx1"/>
+        </a:solidFill>
+        <a:latin typeface="+mn-lt"/>
+        <a:ea typeface="+mn-ea"/>
+        <a:cs typeface="+mn-cs"/>
+      </a:defRPr>
+    </a:lvl6pPr>
+    <a:lvl7pPr marL="2743200" algn="l" defTabSz="914400" rtl="0" eaLnBrk="1" latinLnBrk="0" hangingPunct="1">
+      <a:defRPr kumimoji="1" sz="1200" kern="1200">
+        <a:solidFill>
+          <a:schemeClr val="tx1"/>
+        </a:solidFill>
+        <a:latin typeface="+mn-lt"/>
+        <a:ea typeface="+mn-ea"/>
+        <a:cs typeface="+mn-cs"/>
+      </a:defRPr>
+    </a:lvl7pPr>
+    <a:lvl8pPr marL="3200400" algn="l" defTabSz="914400" rtl="0" eaLnBrk="1" latinLnBrk="0" hangingPunct="1">
+      <a:defRPr kumimoji="1" sz="1200" kern="1200">
+        <a:solidFill>
+          <a:schemeClr val="tx1"/>
+        </a:solidFill>
+        <a:latin typeface="+mn-lt"/>
+        <a:ea typeface="+mn-ea"/>
+        <a:cs typeface="+mn-cs"/>
+      </a:defRPr>
+    </a:lvl8pPr>
+    <a:lvl9pPr marL="3657600" algn="l" defTabSz="914400" rtl="0" eaLnBrk="1" latinLnBrk="0" hangingPunct="1">
+      <a:defRPr kumimoji="1" sz="1200" kern="1200">
+        <a:solidFill>
+          <a:schemeClr val="tx1"/>
+        </a:solidFill>
+        <a:latin typeface="+mn-lt"/>
+        <a:ea typeface="+mn-ea"/>
+        <a:cs typeface="+mn-cs"/>
+      </a:defRPr>
+    </a:lvl9pPr>
+  </p:notesStyle>
+</p:notesMaster>
+</file>
+
+<file path=ppt/notesSlides/notesSlide1.xml><?xml version="1.0" encoding="utf-8"?>
+<p:notes xmlns:a="http://schemas.openxmlformats.org/drawingml/2006/main" xmlns:r="http://schemas.openxmlformats.org/officeDocument/2006/relationships" xmlns:p="http://schemas.openxmlformats.org/presentationml/2006/main">
+  <p:cSld>
+    <p:spTree>
+      <p:nvGrpSpPr>
+        <p:cNvPr id="1" name=""/>
+        <p:cNvGrpSpPr/>
+        <p:nvPr/>
+      </p:nvGrpSpPr>
+      <p:grpSpPr>
+        <a:xfrm>
+          <a:off x="0" y="0"/>
+          <a:ext cx="0" cy="0"/>
+          <a:chOff x="0" y="0"/>
+          <a:chExt cx="0" cy="0"/>
+        </a:xfrm>
+      </p:grpSpPr>
+      <p:sp>
+        <p:nvSpPr>
+          <p:cNvPr id="2" name="スライド イメージ プレースホルダー 1"/>
+          <p:cNvSpPr>
+            <a:spLocks noGrp="1" noRot="1" noChangeAspect="1"/>
+          </p:cNvSpPr>
+          <p:nvPr>
+            <p:ph type="sldImg"/>
+          </p:nvPr>
+        </p:nvSpPr>
+        <p:spPr/>
+      </p:sp>
+      <p:sp>
+        <p:nvSpPr>
+          <p:cNvPr id="3" name="ノート プレースホルダー 2"/>
+          <p:cNvSpPr>
+            <a:spLocks noGrp="1"/>
+          </p:cNvSpPr>
+          <p:nvPr>
+            <p:ph type="body" idx="1"/>
+          </p:nvPr>
+        </p:nvSpPr>
+        <p:spPr/>
+        <p:txBody>
+          <a:bodyPr/>
+          <a:lstStyle/>
+          <a:p>
+            <a:endParaRPr kumimoji="1" lang="ja-JP" altLang="en-US" dirty="0"/>
+          </a:p>
+        </p:txBody>
+      </p:sp>
+      <p:sp>
+        <p:nvSpPr>
+          <p:cNvPr id="4" name="スライド番号プレースホルダー 3"/>
+          <p:cNvSpPr>
+            <a:spLocks noGrp="1"/>
+          </p:cNvSpPr>
+          <p:nvPr>
+            <p:ph type="sldNum" sz="quarter" idx="5"/>
+          </p:nvPr>
+        </p:nvSpPr>
+        <p:spPr/>
+        <p:txBody>
+          <a:bodyPr/>
+          <a:lstStyle/>
+          <a:p>
+            <a:fld id="{695D87F4-97C9-4383-8A27-105553533FF5}" type="slidenum">
+              <a:rPr kumimoji="1" lang="ja-JP" altLang="en-US" smtClean="0"/>
+              <a:t>1</a:t>
+            </a:fld>
+            <a:endParaRPr kumimoji="1" lang="ja-JP" altLang="en-US"/>
+          </a:p>
+        </p:txBody>
+      </p:sp>
+    </p:spTree>
+    <p:extLst>
+      <p:ext uri="{BB962C8B-B14F-4D97-AF65-F5344CB8AC3E}">
+        <p14:creationId xmlns:p14="http://schemas.microsoft.com/office/powerpoint/2010/main" val="588158435"/>
+      </p:ext>
+    </p:extLst>
+  </p:cSld>
+  <p:clrMapOvr>
+    <a:masterClrMapping/>
+  </p:clrMapOvr>
+</p:notes>
 </file>
 
 <file path=ppt/slideLayouts/slideLayout1.xml><?xml version="1.0" encoding="utf-8"?>
@@ -131,13 +599,7 @@
       </p:grpSpPr>
       <p:sp>
         <p:nvSpPr>
-          <p:cNvPr id="2" name="タイトル 1">
-            <a:extLst>
-              <a:ext uri="{FF2B5EF4-FFF2-40B4-BE49-F238E27FC236}">
-                <a16:creationId xmlns:a16="http://schemas.microsoft.com/office/drawing/2014/main" id="{5AA93B77-0FB9-7D02-9BB6-DACBED5406F5}"/>
-              </a:ext>
-            </a:extLst>
-          </p:cNvPr>
+          <p:cNvPr id="2" name="Title 1"/>
           <p:cNvSpPr>
             <a:spLocks noGrp="1"/>
           </p:cNvSpPr>
@@ -147,8 +609,8 @@
         </p:nvSpPr>
         <p:spPr>
           <a:xfrm>
-            <a:off x="1524000" y="1122363"/>
-            <a:ext cx="9144000" cy="2387600"/>
+            <a:off x="685800" y="1122363"/>
+            <a:ext cx="7772400" cy="2387600"/>
           </a:xfrm>
         </p:spPr>
         <p:txBody>
@@ -160,21 +622,16 @@
           </a:lstStyle>
           <a:p>
             <a:r>
-              <a:rPr kumimoji="1" lang="ja-JP" altLang="en-US"/>
+              <a:rPr lang="ja-JP" altLang="en-US"/>
               <a:t>マスター タイトルの書式設定</a:t>
             </a:r>
-          </a:p>
-        </p:txBody>
-      </p:sp>
-      <p:sp>
-        <p:nvSpPr>
-          <p:cNvPr id="3" name="字幕 2">
-            <a:extLst>
-              <a:ext uri="{FF2B5EF4-FFF2-40B4-BE49-F238E27FC236}">
-                <a16:creationId xmlns:a16="http://schemas.microsoft.com/office/drawing/2014/main" id="{D8A22F37-0897-ECE2-8B38-465A72E501E9}"/>
-              </a:ext>
-            </a:extLst>
-          </p:cNvPr>
+            <a:endParaRPr lang="en-US" dirty="0"/>
+          </a:p>
+        </p:txBody>
+      </p:sp>
+      <p:sp>
+        <p:nvSpPr>
+          <p:cNvPr id="3" name="Subtitle 2"/>
           <p:cNvSpPr>
             <a:spLocks noGrp="1"/>
           </p:cNvSpPr>
@@ -184,8 +641,8 @@
         </p:nvSpPr>
         <p:spPr>
           <a:xfrm>
-            <a:off x="1524000" y="3602038"/>
-            <a:ext cx="9144000" cy="1655762"/>
+            <a:off x="1143000" y="3602038"/>
+            <a:ext cx="6858000" cy="1655762"/>
           </a:xfrm>
         </p:spPr>
         <p:txBody>
@@ -230,21 +687,16 @@
           </a:lstStyle>
           <a:p>
             <a:r>
-              <a:rPr kumimoji="1" lang="ja-JP" altLang="en-US"/>
+              <a:rPr lang="ja-JP" altLang="en-US"/>
               <a:t>マスター サブタイトルの書式設定</a:t>
             </a:r>
-          </a:p>
-        </p:txBody>
-      </p:sp>
-      <p:sp>
-        <p:nvSpPr>
-          <p:cNvPr id="4" name="日付プレースホルダー 3">
-            <a:extLst>
-              <a:ext uri="{FF2B5EF4-FFF2-40B4-BE49-F238E27FC236}">
-                <a16:creationId xmlns:a16="http://schemas.microsoft.com/office/drawing/2014/main" id="{419693A6-B427-1D3F-22BF-59EE26E70350}"/>
-              </a:ext>
-            </a:extLst>
-          </p:cNvPr>
+            <a:endParaRPr lang="en-US" dirty="0"/>
+          </a:p>
+        </p:txBody>
+      </p:sp>
+      <p:sp>
+        <p:nvSpPr>
+          <p:cNvPr id="4" name="Date Placeholder 3"/>
           <p:cNvSpPr>
             <a:spLocks noGrp="1"/>
           </p:cNvSpPr>
@@ -259,7 +711,7 @@
           <a:p>
             <a:fld id="{60C89CFB-3BD4-45D4-8FCC-79850387BF7C}" type="datetimeFigureOut">
               <a:rPr kumimoji="1" lang="ja-JP" altLang="en-US" smtClean="0"/>
-              <a:t>2025/10/27</a:t>
+              <a:t>2025/10/28</a:t>
             </a:fld>
             <a:endParaRPr kumimoji="1" lang="ja-JP" altLang="en-US"/>
           </a:p>
@@ -267,13 +719,7 @@
       </p:sp>
       <p:sp>
         <p:nvSpPr>
-          <p:cNvPr id="5" name="フッター プレースホルダー 4">
-            <a:extLst>
-              <a:ext uri="{FF2B5EF4-FFF2-40B4-BE49-F238E27FC236}">
-                <a16:creationId xmlns:a16="http://schemas.microsoft.com/office/drawing/2014/main" id="{8C016C2E-85C0-9E12-AB6D-F25D63701468}"/>
-              </a:ext>
-            </a:extLst>
-          </p:cNvPr>
+          <p:cNvPr id="5" name="Footer Placeholder 4"/>
           <p:cNvSpPr>
             <a:spLocks noGrp="1"/>
           </p:cNvSpPr>
@@ -292,13 +738,7 @@
       </p:sp>
       <p:sp>
         <p:nvSpPr>
-          <p:cNvPr id="6" name="スライド番号プレースホルダー 5">
-            <a:extLst>
-              <a:ext uri="{FF2B5EF4-FFF2-40B4-BE49-F238E27FC236}">
-                <a16:creationId xmlns:a16="http://schemas.microsoft.com/office/drawing/2014/main" id="{11766003-5666-EB49-31F5-E8BD959A171D}"/>
-              </a:ext>
-            </a:extLst>
-          </p:cNvPr>
+          <p:cNvPr id="6" name="Slide Number Placeholder 5"/>
           <p:cNvSpPr>
             <a:spLocks noGrp="1"/>
           </p:cNvSpPr>
@@ -322,7 +762,7 @@
     </p:spTree>
     <p:extLst>
       <p:ext uri="{BB962C8B-B14F-4D97-AF65-F5344CB8AC3E}">
-        <p14:creationId xmlns:p14="http://schemas.microsoft.com/office/powerpoint/2010/main" val="2743908256"/>
+        <p14:creationId xmlns:p14="http://schemas.microsoft.com/office/powerpoint/2010/main" val="313908066"/>
       </p:ext>
     </p:extLst>
   </p:cSld>
@@ -351,13 +791,7 @@
       </p:grpSpPr>
       <p:sp>
         <p:nvSpPr>
-          <p:cNvPr id="2" name="タイトル 1">
-            <a:extLst>
-              <a:ext uri="{FF2B5EF4-FFF2-40B4-BE49-F238E27FC236}">
-                <a16:creationId xmlns:a16="http://schemas.microsoft.com/office/drawing/2014/main" id="{8F7A1139-2618-DC0E-5398-3388FC7B19B2}"/>
-              </a:ext>
-            </a:extLst>
-          </p:cNvPr>
+          <p:cNvPr id="2" name="Title 1"/>
           <p:cNvSpPr>
             <a:spLocks noGrp="1"/>
           </p:cNvSpPr>
@@ -371,21 +805,16 @@
           <a:lstStyle/>
           <a:p>
             <a:r>
-              <a:rPr kumimoji="1" lang="ja-JP" altLang="en-US"/>
+              <a:rPr lang="ja-JP" altLang="en-US"/>
               <a:t>マスター タイトルの書式設定</a:t>
             </a:r>
-          </a:p>
-        </p:txBody>
-      </p:sp>
-      <p:sp>
-        <p:nvSpPr>
-          <p:cNvPr id="3" name="縦書きテキスト プレースホルダー 2">
-            <a:extLst>
-              <a:ext uri="{FF2B5EF4-FFF2-40B4-BE49-F238E27FC236}">
-                <a16:creationId xmlns:a16="http://schemas.microsoft.com/office/drawing/2014/main" id="{02F78F55-B4BE-9AC9-6178-01BE22B90BB9}"/>
-              </a:ext>
-            </a:extLst>
-          </p:cNvPr>
+            <a:endParaRPr lang="en-US" dirty="0"/>
+          </a:p>
+        </p:txBody>
+      </p:sp>
+      <p:sp>
+        <p:nvSpPr>
+          <p:cNvPr id="3" name="Vertical Text Placeholder 2"/>
           <p:cNvSpPr>
             <a:spLocks noGrp="1"/>
           </p:cNvSpPr>
@@ -400,81 +829,76 @@
           <a:p>
             <a:pPr lvl="0"/>
             <a:r>
-              <a:rPr kumimoji="1" lang="ja-JP" altLang="en-US"/>
+              <a:rPr lang="ja-JP" altLang="en-US"/>
               <a:t>マスター テキストの書式設定</a:t>
             </a:r>
           </a:p>
           <a:p>
             <a:pPr lvl="1"/>
             <a:r>
-              <a:rPr kumimoji="1" lang="ja-JP" altLang="en-US"/>
+              <a:rPr lang="ja-JP" altLang="en-US"/>
               <a:t>第 </a:t>
             </a:r>
             <a:r>
-              <a:rPr kumimoji="1" lang="en-US" altLang="ja-JP"/>
+              <a:rPr lang="en-US" altLang="ja-JP"/>
               <a:t>2 </a:t>
             </a:r>
             <a:r>
-              <a:rPr kumimoji="1" lang="ja-JP" altLang="en-US"/>
+              <a:rPr lang="ja-JP" altLang="en-US"/>
               <a:t>レベル</a:t>
             </a:r>
           </a:p>
           <a:p>
             <a:pPr lvl="2"/>
             <a:r>
-              <a:rPr kumimoji="1" lang="ja-JP" altLang="en-US"/>
+              <a:rPr lang="ja-JP" altLang="en-US"/>
               <a:t>第 </a:t>
             </a:r>
             <a:r>
-              <a:rPr kumimoji="1" lang="en-US" altLang="ja-JP"/>
+              <a:rPr lang="en-US" altLang="ja-JP"/>
               <a:t>3 </a:t>
             </a:r>
             <a:r>
-              <a:rPr kumimoji="1" lang="ja-JP" altLang="en-US"/>
+              <a:rPr lang="ja-JP" altLang="en-US"/>
               <a:t>レベル</a:t>
             </a:r>
           </a:p>
           <a:p>
             <a:pPr lvl="3"/>
             <a:r>
-              <a:rPr kumimoji="1" lang="ja-JP" altLang="en-US"/>
+              <a:rPr lang="ja-JP" altLang="en-US"/>
               <a:t>第 </a:t>
             </a:r>
             <a:r>
-              <a:rPr kumimoji="1" lang="en-US" altLang="ja-JP"/>
+              <a:rPr lang="en-US" altLang="ja-JP"/>
               <a:t>4 </a:t>
             </a:r>
             <a:r>
-              <a:rPr kumimoji="1" lang="ja-JP" altLang="en-US"/>
+              <a:rPr lang="ja-JP" altLang="en-US"/>
               <a:t>レベル</a:t>
             </a:r>
           </a:p>
           <a:p>
             <a:pPr lvl="4"/>
             <a:r>
-              <a:rPr kumimoji="1" lang="ja-JP" altLang="en-US"/>
+              <a:rPr lang="ja-JP" altLang="en-US"/>
               <a:t>第 </a:t>
             </a:r>
             <a:r>
-              <a:rPr kumimoji="1" lang="en-US" altLang="ja-JP"/>
+              <a:rPr lang="en-US" altLang="ja-JP"/>
               <a:t>5 </a:t>
             </a:r>
             <a:r>
-              <a:rPr kumimoji="1" lang="ja-JP" altLang="en-US"/>
+              <a:rPr lang="ja-JP" altLang="en-US"/>
               <a:t>レベル</a:t>
             </a:r>
-          </a:p>
-        </p:txBody>
-      </p:sp>
-      <p:sp>
-        <p:nvSpPr>
-          <p:cNvPr id="4" name="日付プレースホルダー 3">
-            <a:extLst>
-              <a:ext uri="{FF2B5EF4-FFF2-40B4-BE49-F238E27FC236}">
-                <a16:creationId xmlns:a16="http://schemas.microsoft.com/office/drawing/2014/main" id="{B118B545-BC32-A0B0-57AD-4776C205BE0F}"/>
-              </a:ext>
-            </a:extLst>
-          </p:cNvPr>
+            <a:endParaRPr lang="en-US" dirty="0"/>
+          </a:p>
+        </p:txBody>
+      </p:sp>
+      <p:sp>
+        <p:nvSpPr>
+          <p:cNvPr id="4" name="Date Placeholder 3"/>
           <p:cNvSpPr>
             <a:spLocks noGrp="1"/>
           </p:cNvSpPr>
@@ -489,7 +913,7 @@
           <a:p>
             <a:fld id="{60C89CFB-3BD4-45D4-8FCC-79850387BF7C}" type="datetimeFigureOut">
               <a:rPr kumimoji="1" lang="ja-JP" altLang="en-US" smtClean="0"/>
-              <a:t>2025/10/27</a:t>
+              <a:t>2025/10/28</a:t>
             </a:fld>
             <a:endParaRPr kumimoji="1" lang="ja-JP" altLang="en-US"/>
           </a:p>
@@ -497,13 +921,7 @@
       </p:sp>
       <p:sp>
         <p:nvSpPr>
-          <p:cNvPr id="5" name="フッター プレースホルダー 4">
-            <a:extLst>
-              <a:ext uri="{FF2B5EF4-FFF2-40B4-BE49-F238E27FC236}">
-                <a16:creationId xmlns:a16="http://schemas.microsoft.com/office/drawing/2014/main" id="{70B93AE1-6D0D-3C17-7C57-02AE55951610}"/>
-              </a:ext>
-            </a:extLst>
-          </p:cNvPr>
+          <p:cNvPr id="5" name="Footer Placeholder 4"/>
           <p:cNvSpPr>
             <a:spLocks noGrp="1"/>
           </p:cNvSpPr>
@@ -522,13 +940,7 @@
       </p:sp>
       <p:sp>
         <p:nvSpPr>
-          <p:cNvPr id="6" name="スライド番号プレースホルダー 5">
-            <a:extLst>
-              <a:ext uri="{FF2B5EF4-FFF2-40B4-BE49-F238E27FC236}">
-                <a16:creationId xmlns:a16="http://schemas.microsoft.com/office/drawing/2014/main" id="{E6107917-12AE-D83E-A980-64EA31DC5C49}"/>
-              </a:ext>
-            </a:extLst>
-          </p:cNvPr>
+          <p:cNvPr id="6" name="Slide Number Placeholder 5"/>
           <p:cNvSpPr>
             <a:spLocks noGrp="1"/>
           </p:cNvSpPr>
@@ -552,7 +964,7 @@
     </p:spTree>
     <p:extLst>
       <p:ext uri="{BB962C8B-B14F-4D97-AF65-F5344CB8AC3E}">
-        <p14:creationId xmlns:p14="http://schemas.microsoft.com/office/powerpoint/2010/main" val="1210963500"/>
+        <p14:creationId xmlns:p14="http://schemas.microsoft.com/office/powerpoint/2010/main" val="2891145598"/>
       </p:ext>
     </p:extLst>
   </p:cSld>
@@ -581,13 +993,7 @@
       </p:grpSpPr>
       <p:sp>
         <p:nvSpPr>
-          <p:cNvPr id="2" name="縦書きタイトル 1">
-            <a:extLst>
-              <a:ext uri="{FF2B5EF4-FFF2-40B4-BE49-F238E27FC236}">
-                <a16:creationId xmlns:a16="http://schemas.microsoft.com/office/drawing/2014/main" id="{7440BE14-0F11-D55F-5F3F-0C7F4910F873}"/>
-              </a:ext>
-            </a:extLst>
-          </p:cNvPr>
+          <p:cNvPr id="2" name="Vertical Title 1"/>
           <p:cNvSpPr>
             <a:spLocks noGrp="1"/>
           </p:cNvSpPr>
@@ -597,8 +1003,8 @@
         </p:nvSpPr>
         <p:spPr>
           <a:xfrm>
-            <a:off x="8724900" y="365125"/>
-            <a:ext cx="2628900" cy="5811838"/>
+            <a:off x="6543675" y="365125"/>
+            <a:ext cx="1971675" cy="5811838"/>
           </a:xfrm>
         </p:spPr>
         <p:txBody>
@@ -606,21 +1012,16 @@
           <a:lstStyle/>
           <a:p>
             <a:r>
-              <a:rPr kumimoji="1" lang="ja-JP" altLang="en-US"/>
+              <a:rPr lang="ja-JP" altLang="en-US"/>
               <a:t>マスター タイトルの書式設定</a:t>
             </a:r>
-          </a:p>
-        </p:txBody>
-      </p:sp>
-      <p:sp>
-        <p:nvSpPr>
-          <p:cNvPr id="3" name="縦書きテキスト プレースホルダー 2">
-            <a:extLst>
-              <a:ext uri="{FF2B5EF4-FFF2-40B4-BE49-F238E27FC236}">
-                <a16:creationId xmlns:a16="http://schemas.microsoft.com/office/drawing/2014/main" id="{FB35CAAC-2854-6B65-D146-BF63C35D9839}"/>
-              </a:ext>
-            </a:extLst>
-          </p:cNvPr>
+            <a:endParaRPr lang="en-US" dirty="0"/>
+          </a:p>
+        </p:txBody>
+      </p:sp>
+      <p:sp>
+        <p:nvSpPr>
+          <p:cNvPr id="3" name="Vertical Text Placeholder 2"/>
           <p:cNvSpPr>
             <a:spLocks noGrp="1"/>
           </p:cNvSpPr>
@@ -630,8 +1031,8 @@
         </p:nvSpPr>
         <p:spPr>
           <a:xfrm>
-            <a:off x="838200" y="365125"/>
-            <a:ext cx="7734300" cy="5811838"/>
+            <a:off x="628650" y="365125"/>
+            <a:ext cx="5800725" cy="5811838"/>
           </a:xfrm>
         </p:spPr>
         <p:txBody>
@@ -640,81 +1041,76 @@
           <a:p>
             <a:pPr lvl="0"/>
             <a:r>
-              <a:rPr kumimoji="1" lang="ja-JP" altLang="en-US"/>
+              <a:rPr lang="ja-JP" altLang="en-US"/>
               <a:t>マスター テキストの書式設定</a:t>
             </a:r>
           </a:p>
           <a:p>
             <a:pPr lvl="1"/>
             <a:r>
-              <a:rPr kumimoji="1" lang="ja-JP" altLang="en-US"/>
+              <a:rPr lang="ja-JP" altLang="en-US"/>
               <a:t>第 </a:t>
             </a:r>
             <a:r>
-              <a:rPr kumimoji="1" lang="en-US" altLang="ja-JP"/>
+              <a:rPr lang="en-US" altLang="ja-JP"/>
               <a:t>2 </a:t>
             </a:r>
             <a:r>
-              <a:rPr kumimoji="1" lang="ja-JP" altLang="en-US"/>
+              <a:rPr lang="ja-JP" altLang="en-US"/>
               <a:t>レベル</a:t>
             </a:r>
           </a:p>
           <a:p>
             <a:pPr lvl="2"/>
             <a:r>
-              <a:rPr kumimoji="1" lang="ja-JP" altLang="en-US"/>
+              <a:rPr lang="ja-JP" altLang="en-US"/>
               <a:t>第 </a:t>
             </a:r>
             <a:r>
-              <a:rPr kumimoji="1" lang="en-US" altLang="ja-JP"/>
+              <a:rPr lang="en-US" altLang="ja-JP"/>
               <a:t>3 </a:t>
             </a:r>
             <a:r>
-              <a:rPr kumimoji="1" lang="ja-JP" altLang="en-US"/>
+              <a:rPr lang="ja-JP" altLang="en-US"/>
               <a:t>レベル</a:t>
             </a:r>
           </a:p>
           <a:p>
             <a:pPr lvl="3"/>
             <a:r>
-              <a:rPr kumimoji="1" lang="ja-JP" altLang="en-US"/>
+              <a:rPr lang="ja-JP" altLang="en-US"/>
               <a:t>第 </a:t>
             </a:r>
             <a:r>
-              <a:rPr kumimoji="1" lang="en-US" altLang="ja-JP"/>
+              <a:rPr lang="en-US" altLang="ja-JP"/>
               <a:t>4 </a:t>
             </a:r>
             <a:r>
-              <a:rPr kumimoji="1" lang="ja-JP" altLang="en-US"/>
+              <a:rPr lang="ja-JP" altLang="en-US"/>
               <a:t>レベル</a:t>
             </a:r>
           </a:p>
           <a:p>
             <a:pPr lvl="4"/>
             <a:r>
-              <a:rPr kumimoji="1" lang="ja-JP" altLang="en-US"/>
+              <a:rPr lang="ja-JP" altLang="en-US"/>
               <a:t>第 </a:t>
             </a:r>
             <a:r>
-              <a:rPr kumimoji="1" lang="en-US" altLang="ja-JP"/>
+              <a:rPr lang="en-US" altLang="ja-JP"/>
               <a:t>5 </a:t>
             </a:r>
             <a:r>
-              <a:rPr kumimoji="1" lang="ja-JP" altLang="en-US"/>
+              <a:rPr lang="ja-JP" altLang="en-US"/>
               <a:t>レベル</a:t>
             </a:r>
-          </a:p>
-        </p:txBody>
-      </p:sp>
-      <p:sp>
-        <p:nvSpPr>
-          <p:cNvPr id="4" name="日付プレースホルダー 3">
-            <a:extLst>
-              <a:ext uri="{FF2B5EF4-FFF2-40B4-BE49-F238E27FC236}">
-                <a16:creationId xmlns:a16="http://schemas.microsoft.com/office/drawing/2014/main" id="{61811BE6-7A1D-30D3-93EB-D171E582394A}"/>
-              </a:ext>
-            </a:extLst>
-          </p:cNvPr>
+            <a:endParaRPr lang="en-US" dirty="0"/>
+          </a:p>
+        </p:txBody>
+      </p:sp>
+      <p:sp>
+        <p:nvSpPr>
+          <p:cNvPr id="4" name="Date Placeholder 3"/>
           <p:cNvSpPr>
             <a:spLocks noGrp="1"/>
           </p:cNvSpPr>
@@ -729,7 +1125,7 @@
           <a:p>
             <a:fld id="{60C89CFB-3BD4-45D4-8FCC-79850387BF7C}" type="datetimeFigureOut">
               <a:rPr kumimoji="1" lang="ja-JP" altLang="en-US" smtClean="0"/>
-              <a:t>2025/10/27</a:t>
+              <a:t>2025/10/28</a:t>
             </a:fld>
             <a:endParaRPr kumimoji="1" lang="ja-JP" altLang="en-US"/>
           </a:p>
@@ -737,13 +1133,7 @@
       </p:sp>
       <p:sp>
         <p:nvSpPr>
-          <p:cNvPr id="5" name="フッター プレースホルダー 4">
-            <a:extLst>
-              <a:ext uri="{FF2B5EF4-FFF2-40B4-BE49-F238E27FC236}">
-                <a16:creationId xmlns:a16="http://schemas.microsoft.com/office/drawing/2014/main" id="{7C7964F6-2044-2B64-20AC-8EB7C19C6687}"/>
-              </a:ext>
-            </a:extLst>
-          </p:cNvPr>
+          <p:cNvPr id="5" name="Footer Placeholder 4"/>
           <p:cNvSpPr>
             <a:spLocks noGrp="1"/>
           </p:cNvSpPr>
@@ -762,13 +1152,7 @@
       </p:sp>
       <p:sp>
         <p:nvSpPr>
-          <p:cNvPr id="6" name="スライド番号プレースホルダー 5">
-            <a:extLst>
-              <a:ext uri="{FF2B5EF4-FFF2-40B4-BE49-F238E27FC236}">
-                <a16:creationId xmlns:a16="http://schemas.microsoft.com/office/drawing/2014/main" id="{6073E299-9783-733A-718F-69668CEB530E}"/>
-              </a:ext>
-            </a:extLst>
-          </p:cNvPr>
+          <p:cNvPr id="6" name="Slide Number Placeholder 5"/>
           <p:cNvSpPr>
             <a:spLocks noGrp="1"/>
           </p:cNvSpPr>
@@ -792,7 +1176,7 @@
     </p:spTree>
     <p:extLst>
       <p:ext uri="{BB962C8B-B14F-4D97-AF65-F5344CB8AC3E}">
-        <p14:creationId xmlns:p14="http://schemas.microsoft.com/office/powerpoint/2010/main" val="387478167"/>
+        <p14:creationId xmlns:p14="http://schemas.microsoft.com/office/powerpoint/2010/main" val="1092418524"/>
       </p:ext>
     </p:extLst>
   </p:cSld>
@@ -821,13 +1205,7 @@
       </p:grpSpPr>
       <p:sp>
         <p:nvSpPr>
-          <p:cNvPr id="2" name="タイトル 1">
-            <a:extLst>
-              <a:ext uri="{FF2B5EF4-FFF2-40B4-BE49-F238E27FC236}">
-                <a16:creationId xmlns:a16="http://schemas.microsoft.com/office/drawing/2014/main" id="{D5412E1B-C792-E6FB-7F76-0F3FF3557EEA}"/>
-              </a:ext>
-            </a:extLst>
-          </p:cNvPr>
+          <p:cNvPr id="2" name="Title 1"/>
           <p:cNvSpPr>
             <a:spLocks noGrp="1"/>
           </p:cNvSpPr>
@@ -841,21 +1219,16 @@
           <a:lstStyle/>
           <a:p>
             <a:r>
-              <a:rPr kumimoji="1" lang="ja-JP" altLang="en-US"/>
+              <a:rPr lang="ja-JP" altLang="en-US"/>
               <a:t>マスター タイトルの書式設定</a:t>
             </a:r>
-          </a:p>
-        </p:txBody>
-      </p:sp>
-      <p:sp>
-        <p:nvSpPr>
-          <p:cNvPr id="3" name="コンテンツ プレースホルダー 2">
-            <a:extLst>
-              <a:ext uri="{FF2B5EF4-FFF2-40B4-BE49-F238E27FC236}">
-                <a16:creationId xmlns:a16="http://schemas.microsoft.com/office/drawing/2014/main" id="{995D31BB-A106-909D-2018-1ADF52819D37}"/>
-              </a:ext>
-            </a:extLst>
-          </p:cNvPr>
+            <a:endParaRPr lang="en-US" dirty="0"/>
+          </a:p>
+        </p:txBody>
+      </p:sp>
+      <p:sp>
+        <p:nvSpPr>
+          <p:cNvPr id="3" name="Content Placeholder 2"/>
           <p:cNvSpPr>
             <a:spLocks noGrp="1"/>
           </p:cNvSpPr>
@@ -870,81 +1243,76 @@
           <a:p>
             <a:pPr lvl="0"/>
             <a:r>
-              <a:rPr kumimoji="1" lang="ja-JP" altLang="en-US"/>
+              <a:rPr lang="ja-JP" altLang="en-US"/>
               <a:t>マスター テキストの書式設定</a:t>
             </a:r>
           </a:p>
           <a:p>
             <a:pPr lvl="1"/>
             <a:r>
-              <a:rPr kumimoji="1" lang="ja-JP" altLang="en-US"/>
+              <a:rPr lang="ja-JP" altLang="en-US"/>
               <a:t>第 </a:t>
             </a:r>
             <a:r>
-              <a:rPr kumimoji="1" lang="en-US" altLang="ja-JP"/>
+              <a:rPr lang="en-US" altLang="ja-JP"/>
               <a:t>2 </a:t>
             </a:r>
             <a:r>
-              <a:rPr kumimoji="1" lang="ja-JP" altLang="en-US"/>
+              <a:rPr lang="ja-JP" altLang="en-US"/>
               <a:t>レベル</a:t>
             </a:r>
           </a:p>
           <a:p>
             <a:pPr lvl="2"/>
             <a:r>
-              <a:rPr kumimoji="1" lang="ja-JP" altLang="en-US"/>
+              <a:rPr lang="ja-JP" altLang="en-US"/>
               <a:t>第 </a:t>
             </a:r>
             <a:r>
-              <a:rPr kumimoji="1" lang="en-US" altLang="ja-JP"/>
+              <a:rPr lang="en-US" altLang="ja-JP"/>
               <a:t>3 </a:t>
             </a:r>
             <a:r>
-              <a:rPr kumimoji="1" lang="ja-JP" altLang="en-US"/>
+              <a:rPr lang="ja-JP" altLang="en-US"/>
               <a:t>レベル</a:t>
             </a:r>
           </a:p>
           <a:p>
             <a:pPr lvl="3"/>
             <a:r>
-              <a:rPr kumimoji="1" lang="ja-JP" altLang="en-US"/>
+              <a:rPr lang="ja-JP" altLang="en-US"/>
               <a:t>第 </a:t>
             </a:r>
             <a:r>
-              <a:rPr kumimoji="1" lang="en-US" altLang="ja-JP"/>
+              <a:rPr lang="en-US" altLang="ja-JP"/>
               <a:t>4 </a:t>
             </a:r>
             <a:r>
-              <a:rPr kumimoji="1" lang="ja-JP" altLang="en-US"/>
+              <a:rPr lang="ja-JP" altLang="en-US"/>
               <a:t>レベル</a:t>
             </a:r>
           </a:p>
           <a:p>
             <a:pPr lvl="4"/>
             <a:r>
-              <a:rPr kumimoji="1" lang="ja-JP" altLang="en-US"/>
+              <a:rPr lang="ja-JP" altLang="en-US"/>
               <a:t>第 </a:t>
             </a:r>
             <a:r>
-              <a:rPr kumimoji="1" lang="en-US" altLang="ja-JP"/>
+              <a:rPr lang="en-US" altLang="ja-JP"/>
               <a:t>5 </a:t>
             </a:r>
             <a:r>
-              <a:rPr kumimoji="1" lang="ja-JP" altLang="en-US"/>
+              <a:rPr lang="ja-JP" altLang="en-US"/>
               <a:t>レベル</a:t>
             </a:r>
-          </a:p>
-        </p:txBody>
-      </p:sp>
-      <p:sp>
-        <p:nvSpPr>
-          <p:cNvPr id="4" name="日付プレースホルダー 3">
-            <a:extLst>
-              <a:ext uri="{FF2B5EF4-FFF2-40B4-BE49-F238E27FC236}">
-                <a16:creationId xmlns:a16="http://schemas.microsoft.com/office/drawing/2014/main" id="{120E3145-D4D8-77F7-168F-B2A0ACDD5F32}"/>
-              </a:ext>
-            </a:extLst>
-          </p:cNvPr>
+            <a:endParaRPr lang="en-US" dirty="0"/>
+          </a:p>
+        </p:txBody>
+      </p:sp>
+      <p:sp>
+        <p:nvSpPr>
+          <p:cNvPr id="4" name="Date Placeholder 3"/>
           <p:cNvSpPr>
             <a:spLocks noGrp="1"/>
           </p:cNvSpPr>
@@ -959,7 +1327,7 @@
           <a:p>
             <a:fld id="{60C89CFB-3BD4-45D4-8FCC-79850387BF7C}" type="datetimeFigureOut">
               <a:rPr kumimoji="1" lang="ja-JP" altLang="en-US" smtClean="0"/>
-              <a:t>2025/10/27</a:t>
+              <a:t>2025/10/28</a:t>
             </a:fld>
             <a:endParaRPr kumimoji="1" lang="ja-JP" altLang="en-US"/>
           </a:p>
@@ -967,13 +1335,7 @@
       </p:sp>
       <p:sp>
         <p:nvSpPr>
-          <p:cNvPr id="5" name="フッター プレースホルダー 4">
-            <a:extLst>
-              <a:ext uri="{FF2B5EF4-FFF2-40B4-BE49-F238E27FC236}">
-                <a16:creationId xmlns:a16="http://schemas.microsoft.com/office/drawing/2014/main" id="{3F3C4D6F-B5D8-74F4-87BB-0352EC926907}"/>
-              </a:ext>
-            </a:extLst>
-          </p:cNvPr>
+          <p:cNvPr id="5" name="Footer Placeholder 4"/>
           <p:cNvSpPr>
             <a:spLocks noGrp="1"/>
           </p:cNvSpPr>
@@ -992,13 +1354,7 @@
       </p:sp>
       <p:sp>
         <p:nvSpPr>
-          <p:cNvPr id="6" name="スライド番号プレースホルダー 5">
-            <a:extLst>
-              <a:ext uri="{FF2B5EF4-FFF2-40B4-BE49-F238E27FC236}">
-                <a16:creationId xmlns:a16="http://schemas.microsoft.com/office/drawing/2014/main" id="{C42CB4EB-2466-6300-C8EA-51B53E2D0A0A}"/>
-              </a:ext>
-            </a:extLst>
-          </p:cNvPr>
+          <p:cNvPr id="6" name="Slide Number Placeholder 5"/>
           <p:cNvSpPr>
             <a:spLocks noGrp="1"/>
           </p:cNvSpPr>
@@ -1022,7 +1378,7 @@
     </p:spTree>
     <p:extLst>
       <p:ext uri="{BB962C8B-B14F-4D97-AF65-F5344CB8AC3E}">
-        <p14:creationId xmlns:p14="http://schemas.microsoft.com/office/powerpoint/2010/main" val="2599140038"/>
+        <p14:creationId xmlns:p14="http://schemas.microsoft.com/office/powerpoint/2010/main" val="3099488871"/>
       </p:ext>
     </p:extLst>
   </p:cSld>
@@ -1051,13 +1407,7 @@
       </p:grpSpPr>
       <p:sp>
         <p:nvSpPr>
-          <p:cNvPr id="2" name="タイトル 1">
-            <a:extLst>
-              <a:ext uri="{FF2B5EF4-FFF2-40B4-BE49-F238E27FC236}">
-                <a16:creationId xmlns:a16="http://schemas.microsoft.com/office/drawing/2014/main" id="{713225C2-DC6D-B6C1-161F-55B43874DED6}"/>
-              </a:ext>
-            </a:extLst>
-          </p:cNvPr>
+          <p:cNvPr id="2" name="Title 1"/>
           <p:cNvSpPr>
             <a:spLocks noGrp="1"/>
           </p:cNvSpPr>
@@ -1067,8 +1417,8 @@
         </p:nvSpPr>
         <p:spPr>
           <a:xfrm>
-            <a:off x="831850" y="1709738"/>
-            <a:ext cx="10515600" cy="2852737"/>
+            <a:off x="623888" y="1709739"/>
+            <a:ext cx="7886700" cy="2852737"/>
           </a:xfrm>
         </p:spPr>
         <p:txBody>
@@ -1080,21 +1430,16 @@
           </a:lstStyle>
           <a:p>
             <a:r>
-              <a:rPr kumimoji="1" lang="ja-JP" altLang="en-US"/>
+              <a:rPr lang="ja-JP" altLang="en-US"/>
               <a:t>マスター タイトルの書式設定</a:t>
             </a:r>
-          </a:p>
-        </p:txBody>
-      </p:sp>
-      <p:sp>
-        <p:nvSpPr>
-          <p:cNvPr id="3" name="テキスト プレースホルダー 2">
-            <a:extLst>
-              <a:ext uri="{FF2B5EF4-FFF2-40B4-BE49-F238E27FC236}">
-                <a16:creationId xmlns:a16="http://schemas.microsoft.com/office/drawing/2014/main" id="{23C02F6F-886A-FC78-4FC7-3D018B959202}"/>
-              </a:ext>
-            </a:extLst>
-          </p:cNvPr>
+            <a:endParaRPr lang="en-US" dirty="0"/>
+          </a:p>
+        </p:txBody>
+      </p:sp>
+      <p:sp>
+        <p:nvSpPr>
+          <p:cNvPr id="3" name="Text Placeholder 2"/>
           <p:cNvSpPr>
             <a:spLocks noGrp="1"/>
           </p:cNvSpPr>
@@ -1104,8 +1449,8 @@
         </p:nvSpPr>
         <p:spPr>
           <a:xfrm>
-            <a:off x="831850" y="4589463"/>
-            <a:ext cx="10515600" cy="1500187"/>
+            <a:off x="623888" y="4589464"/>
+            <a:ext cx="7886700" cy="1500187"/>
           </a:xfrm>
         </p:spPr>
         <p:txBody>
@@ -1205,7 +1550,7 @@
           <a:p>
             <a:pPr lvl="0"/>
             <a:r>
-              <a:rPr kumimoji="1" lang="ja-JP" altLang="en-US"/>
+              <a:rPr lang="ja-JP" altLang="en-US"/>
               <a:t>マスター テキストの書式設定</a:t>
             </a:r>
           </a:p>
@@ -1213,13 +1558,7 @@
       </p:sp>
       <p:sp>
         <p:nvSpPr>
-          <p:cNvPr id="4" name="日付プレースホルダー 3">
-            <a:extLst>
-              <a:ext uri="{FF2B5EF4-FFF2-40B4-BE49-F238E27FC236}">
-                <a16:creationId xmlns:a16="http://schemas.microsoft.com/office/drawing/2014/main" id="{BCF206F7-47F8-FA78-A8D4-DDC390DF47DC}"/>
-              </a:ext>
-            </a:extLst>
-          </p:cNvPr>
+          <p:cNvPr id="4" name="Date Placeholder 3"/>
           <p:cNvSpPr>
             <a:spLocks noGrp="1"/>
           </p:cNvSpPr>
@@ -1234,7 +1573,7 @@
           <a:p>
             <a:fld id="{60C89CFB-3BD4-45D4-8FCC-79850387BF7C}" type="datetimeFigureOut">
               <a:rPr kumimoji="1" lang="ja-JP" altLang="en-US" smtClean="0"/>
-              <a:t>2025/10/27</a:t>
+              <a:t>2025/10/28</a:t>
             </a:fld>
             <a:endParaRPr kumimoji="1" lang="ja-JP" altLang="en-US"/>
           </a:p>
@@ -1242,13 +1581,7 @@
       </p:sp>
       <p:sp>
         <p:nvSpPr>
-          <p:cNvPr id="5" name="フッター プレースホルダー 4">
-            <a:extLst>
-              <a:ext uri="{FF2B5EF4-FFF2-40B4-BE49-F238E27FC236}">
-                <a16:creationId xmlns:a16="http://schemas.microsoft.com/office/drawing/2014/main" id="{E8DEAE88-10B5-916F-6D67-7E99A1C69358}"/>
-              </a:ext>
-            </a:extLst>
-          </p:cNvPr>
+          <p:cNvPr id="5" name="Footer Placeholder 4"/>
           <p:cNvSpPr>
             <a:spLocks noGrp="1"/>
           </p:cNvSpPr>
@@ -1267,13 +1600,7 @@
       </p:sp>
       <p:sp>
         <p:nvSpPr>
-          <p:cNvPr id="6" name="スライド番号プレースホルダー 5">
-            <a:extLst>
-              <a:ext uri="{FF2B5EF4-FFF2-40B4-BE49-F238E27FC236}">
-                <a16:creationId xmlns:a16="http://schemas.microsoft.com/office/drawing/2014/main" id="{C7ED371E-B395-AF89-BEF3-9A54F31BFE25}"/>
-              </a:ext>
-            </a:extLst>
-          </p:cNvPr>
+          <p:cNvPr id="6" name="Slide Number Placeholder 5"/>
           <p:cNvSpPr>
             <a:spLocks noGrp="1"/>
           </p:cNvSpPr>
@@ -1297,7 +1624,7 @@
     </p:spTree>
     <p:extLst>
       <p:ext uri="{BB962C8B-B14F-4D97-AF65-F5344CB8AC3E}">
-        <p14:creationId xmlns:p14="http://schemas.microsoft.com/office/powerpoint/2010/main" val="243797835"/>
+        <p14:creationId xmlns:p14="http://schemas.microsoft.com/office/powerpoint/2010/main" val="496908228"/>
       </p:ext>
     </p:extLst>
   </p:cSld>
@@ -1326,13 +1653,7 @@
       </p:grpSpPr>
       <p:sp>
         <p:nvSpPr>
-          <p:cNvPr id="2" name="タイトル 1">
-            <a:extLst>
-              <a:ext uri="{FF2B5EF4-FFF2-40B4-BE49-F238E27FC236}">
-                <a16:creationId xmlns:a16="http://schemas.microsoft.com/office/drawing/2014/main" id="{6885EB2B-9DF6-C763-CAD3-7CF1588CF41E}"/>
-              </a:ext>
-            </a:extLst>
-          </p:cNvPr>
+          <p:cNvPr id="2" name="Title 1"/>
           <p:cNvSpPr>
             <a:spLocks noGrp="1"/>
           </p:cNvSpPr>
@@ -1346,21 +1667,16 @@
           <a:lstStyle/>
           <a:p>
             <a:r>
-              <a:rPr kumimoji="1" lang="ja-JP" altLang="en-US"/>
+              <a:rPr lang="ja-JP" altLang="en-US"/>
               <a:t>マスター タイトルの書式設定</a:t>
             </a:r>
-          </a:p>
-        </p:txBody>
-      </p:sp>
-      <p:sp>
-        <p:nvSpPr>
-          <p:cNvPr id="3" name="コンテンツ プレースホルダー 2">
-            <a:extLst>
-              <a:ext uri="{FF2B5EF4-FFF2-40B4-BE49-F238E27FC236}">
-                <a16:creationId xmlns:a16="http://schemas.microsoft.com/office/drawing/2014/main" id="{11247784-58BC-A6AD-D816-0BC4FEDC55BC}"/>
-              </a:ext>
-            </a:extLst>
-          </p:cNvPr>
+            <a:endParaRPr lang="en-US" dirty="0"/>
+          </a:p>
+        </p:txBody>
+      </p:sp>
+      <p:sp>
+        <p:nvSpPr>
+          <p:cNvPr id="3" name="Content Placeholder 2"/>
           <p:cNvSpPr>
             <a:spLocks noGrp="1"/>
           </p:cNvSpPr>
@@ -1370,8 +1686,8 @@
         </p:nvSpPr>
         <p:spPr>
           <a:xfrm>
-            <a:off x="838200" y="1825625"/>
-            <a:ext cx="5181600" cy="4351338"/>
+            <a:off x="628650" y="1825625"/>
+            <a:ext cx="3886200" cy="4351338"/>
           </a:xfrm>
         </p:spPr>
         <p:txBody>
@@ -1380,81 +1696,76 @@
           <a:p>
             <a:pPr lvl="0"/>
             <a:r>
-              <a:rPr kumimoji="1" lang="ja-JP" altLang="en-US"/>
+              <a:rPr lang="ja-JP" altLang="en-US"/>
               <a:t>マスター テキストの書式設定</a:t>
             </a:r>
           </a:p>
           <a:p>
             <a:pPr lvl="1"/>
             <a:r>
-              <a:rPr kumimoji="1" lang="ja-JP" altLang="en-US"/>
+              <a:rPr lang="ja-JP" altLang="en-US"/>
               <a:t>第 </a:t>
             </a:r>
             <a:r>
-              <a:rPr kumimoji="1" lang="en-US" altLang="ja-JP"/>
+              <a:rPr lang="en-US" altLang="ja-JP"/>
               <a:t>2 </a:t>
             </a:r>
             <a:r>
-              <a:rPr kumimoji="1" lang="ja-JP" altLang="en-US"/>
+              <a:rPr lang="ja-JP" altLang="en-US"/>
               <a:t>レベル</a:t>
             </a:r>
           </a:p>
           <a:p>
             <a:pPr lvl="2"/>
             <a:r>
-              <a:rPr kumimoji="1" lang="ja-JP" altLang="en-US"/>
+              <a:rPr lang="ja-JP" altLang="en-US"/>
               <a:t>第 </a:t>
             </a:r>
             <a:r>
-              <a:rPr kumimoji="1" lang="en-US" altLang="ja-JP"/>
+              <a:rPr lang="en-US" altLang="ja-JP"/>
               <a:t>3 </a:t>
             </a:r>
             <a:r>
-              <a:rPr kumimoji="1" lang="ja-JP" altLang="en-US"/>
+              <a:rPr lang="ja-JP" altLang="en-US"/>
               <a:t>レベル</a:t>
             </a:r>
           </a:p>
           <a:p>
             <a:pPr lvl="3"/>
             <a:r>
-              <a:rPr kumimoji="1" lang="ja-JP" altLang="en-US"/>
+              <a:rPr lang="ja-JP" altLang="en-US"/>
               <a:t>第 </a:t>
             </a:r>
             <a:r>
-              <a:rPr kumimoji="1" lang="en-US" altLang="ja-JP"/>
+              <a:rPr lang="en-US" altLang="ja-JP"/>
               <a:t>4 </a:t>
             </a:r>
             <a:r>
-              <a:rPr kumimoji="1" lang="ja-JP" altLang="en-US"/>
+              <a:rPr lang="ja-JP" altLang="en-US"/>
               <a:t>レベル</a:t>
             </a:r>
           </a:p>
           <a:p>
             <a:pPr lvl="4"/>
             <a:r>
-              <a:rPr kumimoji="1" lang="ja-JP" altLang="en-US"/>
+              <a:rPr lang="ja-JP" altLang="en-US"/>
               <a:t>第 </a:t>
             </a:r>
             <a:r>
-              <a:rPr kumimoji="1" lang="en-US" altLang="ja-JP"/>
+              <a:rPr lang="en-US" altLang="ja-JP"/>
               <a:t>5 </a:t>
             </a:r>
             <a:r>
-              <a:rPr kumimoji="1" lang="ja-JP" altLang="en-US"/>
+              <a:rPr lang="ja-JP" altLang="en-US"/>
               <a:t>レベル</a:t>
             </a:r>
-          </a:p>
-        </p:txBody>
-      </p:sp>
-      <p:sp>
-        <p:nvSpPr>
-          <p:cNvPr id="4" name="コンテンツ プレースホルダー 3">
-            <a:extLst>
-              <a:ext uri="{FF2B5EF4-FFF2-40B4-BE49-F238E27FC236}">
-                <a16:creationId xmlns:a16="http://schemas.microsoft.com/office/drawing/2014/main" id="{499B13E4-0CB7-A551-02EF-AE9AF6608457}"/>
-              </a:ext>
-            </a:extLst>
-          </p:cNvPr>
+            <a:endParaRPr lang="en-US" dirty="0"/>
+          </a:p>
+        </p:txBody>
+      </p:sp>
+      <p:sp>
+        <p:nvSpPr>
+          <p:cNvPr id="4" name="Content Placeholder 3"/>
           <p:cNvSpPr>
             <a:spLocks noGrp="1"/>
           </p:cNvSpPr>
@@ -1464,8 +1775,8 @@
         </p:nvSpPr>
         <p:spPr>
           <a:xfrm>
-            <a:off x="6172200" y="1825625"/>
-            <a:ext cx="5181600" cy="4351338"/>
+            <a:off x="4629150" y="1825625"/>
+            <a:ext cx="3886200" cy="4351338"/>
           </a:xfrm>
         </p:spPr>
         <p:txBody>
@@ -1474,81 +1785,76 @@
           <a:p>
             <a:pPr lvl="0"/>
             <a:r>
-              <a:rPr kumimoji="1" lang="ja-JP" altLang="en-US"/>
+              <a:rPr lang="ja-JP" altLang="en-US"/>
               <a:t>マスター テキストの書式設定</a:t>
             </a:r>
           </a:p>
           <a:p>
             <a:pPr lvl="1"/>
             <a:r>
-              <a:rPr kumimoji="1" lang="ja-JP" altLang="en-US"/>
+              <a:rPr lang="ja-JP" altLang="en-US"/>
               <a:t>第 </a:t>
             </a:r>
             <a:r>
-              <a:rPr kumimoji="1" lang="en-US" altLang="ja-JP"/>
+              <a:rPr lang="en-US" altLang="ja-JP"/>
               <a:t>2 </a:t>
             </a:r>
             <a:r>
-              <a:rPr kumimoji="1" lang="ja-JP" altLang="en-US"/>
+              <a:rPr lang="ja-JP" altLang="en-US"/>
               <a:t>レベル</a:t>
             </a:r>
           </a:p>
           <a:p>
             <a:pPr lvl="2"/>
             <a:r>
-              <a:rPr kumimoji="1" lang="ja-JP" altLang="en-US"/>
+              <a:rPr lang="ja-JP" altLang="en-US"/>
               <a:t>第 </a:t>
             </a:r>
             <a:r>
-              <a:rPr kumimoji="1" lang="en-US" altLang="ja-JP"/>
+              <a:rPr lang="en-US" altLang="ja-JP"/>
               <a:t>3 </a:t>
             </a:r>
             <a:r>
-              <a:rPr kumimoji="1" lang="ja-JP" altLang="en-US"/>
+              <a:rPr lang="ja-JP" altLang="en-US"/>
               <a:t>レベル</a:t>
             </a:r>
           </a:p>
           <a:p>
             <a:pPr lvl="3"/>
             <a:r>
-              <a:rPr kumimoji="1" lang="ja-JP" altLang="en-US"/>
+              <a:rPr lang="ja-JP" altLang="en-US"/>
               <a:t>第 </a:t>
             </a:r>
             <a:r>
-              <a:rPr kumimoji="1" lang="en-US" altLang="ja-JP"/>
+              <a:rPr lang="en-US" altLang="ja-JP"/>
               <a:t>4 </a:t>
             </a:r>
             <a:r>
-              <a:rPr kumimoji="1" lang="ja-JP" altLang="en-US"/>
+              <a:rPr lang="ja-JP" altLang="en-US"/>
               <a:t>レベル</a:t>
             </a:r>
           </a:p>
           <a:p>
             <a:pPr lvl="4"/>
             <a:r>
-              <a:rPr kumimoji="1" lang="ja-JP" altLang="en-US"/>
+              <a:rPr lang="ja-JP" altLang="en-US"/>
               <a:t>第 </a:t>
             </a:r>
             <a:r>
-              <a:rPr kumimoji="1" lang="en-US" altLang="ja-JP"/>
+              <a:rPr lang="en-US" altLang="ja-JP"/>
               <a:t>5 </a:t>
             </a:r>
             <a:r>
-              <a:rPr kumimoji="1" lang="ja-JP" altLang="en-US"/>
+              <a:rPr lang="ja-JP" altLang="en-US"/>
               <a:t>レベル</a:t>
             </a:r>
-          </a:p>
-        </p:txBody>
-      </p:sp>
-      <p:sp>
-        <p:nvSpPr>
-          <p:cNvPr id="5" name="日付プレースホルダー 4">
-            <a:extLst>
-              <a:ext uri="{FF2B5EF4-FFF2-40B4-BE49-F238E27FC236}">
-                <a16:creationId xmlns:a16="http://schemas.microsoft.com/office/drawing/2014/main" id="{7820F514-045E-3228-8FB4-56332DBA3B12}"/>
-              </a:ext>
-            </a:extLst>
-          </p:cNvPr>
+            <a:endParaRPr lang="en-US" dirty="0"/>
+          </a:p>
+        </p:txBody>
+      </p:sp>
+      <p:sp>
+        <p:nvSpPr>
+          <p:cNvPr id="5" name="Date Placeholder 4"/>
           <p:cNvSpPr>
             <a:spLocks noGrp="1"/>
           </p:cNvSpPr>
@@ -1563,7 +1869,7 @@
           <a:p>
             <a:fld id="{60C89CFB-3BD4-45D4-8FCC-79850387BF7C}" type="datetimeFigureOut">
               <a:rPr kumimoji="1" lang="ja-JP" altLang="en-US" smtClean="0"/>
-              <a:t>2025/10/27</a:t>
+              <a:t>2025/10/28</a:t>
             </a:fld>
             <a:endParaRPr kumimoji="1" lang="ja-JP" altLang="en-US"/>
           </a:p>
@@ -1571,13 +1877,7 @@
       </p:sp>
       <p:sp>
         <p:nvSpPr>
-          <p:cNvPr id="6" name="フッター プレースホルダー 5">
-            <a:extLst>
-              <a:ext uri="{FF2B5EF4-FFF2-40B4-BE49-F238E27FC236}">
-                <a16:creationId xmlns:a16="http://schemas.microsoft.com/office/drawing/2014/main" id="{7AD2C465-3476-6477-C298-D464CCD4A632}"/>
-              </a:ext>
-            </a:extLst>
-          </p:cNvPr>
+          <p:cNvPr id="6" name="Footer Placeholder 5"/>
           <p:cNvSpPr>
             <a:spLocks noGrp="1"/>
           </p:cNvSpPr>
@@ -1596,13 +1896,7 @@
       </p:sp>
       <p:sp>
         <p:nvSpPr>
-          <p:cNvPr id="7" name="スライド番号プレースホルダー 6">
-            <a:extLst>
-              <a:ext uri="{FF2B5EF4-FFF2-40B4-BE49-F238E27FC236}">
-                <a16:creationId xmlns:a16="http://schemas.microsoft.com/office/drawing/2014/main" id="{71005CC3-8795-3686-428E-D8CF2FFD37C8}"/>
-              </a:ext>
-            </a:extLst>
-          </p:cNvPr>
+          <p:cNvPr id="7" name="Slide Number Placeholder 6"/>
           <p:cNvSpPr>
             <a:spLocks noGrp="1"/>
           </p:cNvSpPr>
@@ -1626,7 +1920,7 @@
     </p:spTree>
     <p:extLst>
       <p:ext uri="{BB962C8B-B14F-4D97-AF65-F5344CB8AC3E}">
-        <p14:creationId xmlns:p14="http://schemas.microsoft.com/office/powerpoint/2010/main" val="262515260"/>
+        <p14:creationId xmlns:p14="http://schemas.microsoft.com/office/powerpoint/2010/main" val="168281847"/>
       </p:ext>
     </p:extLst>
   </p:cSld>
@@ -1655,13 +1949,7 @@
       </p:grpSpPr>
       <p:sp>
         <p:nvSpPr>
-          <p:cNvPr id="2" name="タイトル 1">
-            <a:extLst>
-              <a:ext uri="{FF2B5EF4-FFF2-40B4-BE49-F238E27FC236}">
-                <a16:creationId xmlns:a16="http://schemas.microsoft.com/office/drawing/2014/main" id="{3B50470A-C9ED-6A73-264C-FB84E21C1384}"/>
-              </a:ext>
-            </a:extLst>
-          </p:cNvPr>
+          <p:cNvPr id="2" name="Title 1"/>
           <p:cNvSpPr>
             <a:spLocks noGrp="1"/>
           </p:cNvSpPr>
@@ -1671,8 +1959,8 @@
         </p:nvSpPr>
         <p:spPr>
           <a:xfrm>
-            <a:off x="839788" y="365125"/>
-            <a:ext cx="10515600" cy="1325563"/>
+            <a:off x="629841" y="365126"/>
+            <a:ext cx="7886700" cy="1325563"/>
           </a:xfrm>
         </p:spPr>
         <p:txBody>
@@ -1680,21 +1968,16 @@
           <a:lstStyle/>
           <a:p>
             <a:r>
-              <a:rPr kumimoji="1" lang="ja-JP" altLang="en-US"/>
+              <a:rPr lang="ja-JP" altLang="en-US"/>
               <a:t>マスター タイトルの書式設定</a:t>
             </a:r>
-          </a:p>
-        </p:txBody>
-      </p:sp>
-      <p:sp>
-        <p:nvSpPr>
-          <p:cNvPr id="3" name="テキスト プレースホルダー 2">
-            <a:extLst>
-              <a:ext uri="{FF2B5EF4-FFF2-40B4-BE49-F238E27FC236}">
-                <a16:creationId xmlns:a16="http://schemas.microsoft.com/office/drawing/2014/main" id="{0D1ADEEB-0478-E5FC-D82E-4C674F6C3133}"/>
-              </a:ext>
-            </a:extLst>
-          </p:cNvPr>
+            <a:endParaRPr lang="en-US" dirty="0"/>
+          </a:p>
+        </p:txBody>
+      </p:sp>
+      <p:sp>
+        <p:nvSpPr>
+          <p:cNvPr id="3" name="Text Placeholder 2"/>
           <p:cNvSpPr>
             <a:spLocks noGrp="1"/>
           </p:cNvSpPr>
@@ -1704,8 +1987,8 @@
         </p:nvSpPr>
         <p:spPr>
           <a:xfrm>
-            <a:off x="839788" y="1681163"/>
-            <a:ext cx="5157787" cy="823912"/>
+            <a:off x="629842" y="1681163"/>
+            <a:ext cx="3868340" cy="823912"/>
           </a:xfrm>
         </p:spPr>
         <p:txBody>
@@ -1751,7 +2034,7 @@
           <a:p>
             <a:pPr lvl="0"/>
             <a:r>
-              <a:rPr kumimoji="1" lang="ja-JP" altLang="en-US"/>
+              <a:rPr lang="ja-JP" altLang="en-US"/>
               <a:t>マスター テキストの書式設定</a:t>
             </a:r>
           </a:p>
@@ -1759,13 +2042,7 @@
       </p:sp>
       <p:sp>
         <p:nvSpPr>
-          <p:cNvPr id="4" name="コンテンツ プレースホルダー 3">
-            <a:extLst>
-              <a:ext uri="{FF2B5EF4-FFF2-40B4-BE49-F238E27FC236}">
-                <a16:creationId xmlns:a16="http://schemas.microsoft.com/office/drawing/2014/main" id="{A6CD5506-99D9-7DE3-DEDC-099D1B03D93C}"/>
-              </a:ext>
-            </a:extLst>
-          </p:cNvPr>
+          <p:cNvPr id="4" name="Content Placeholder 3"/>
           <p:cNvSpPr>
             <a:spLocks noGrp="1"/>
           </p:cNvSpPr>
@@ -1775,8 +2052,8 @@
         </p:nvSpPr>
         <p:spPr>
           <a:xfrm>
-            <a:off x="839788" y="2505075"/>
-            <a:ext cx="5157787" cy="3684588"/>
+            <a:off x="629842" y="2505075"/>
+            <a:ext cx="3868340" cy="3684588"/>
           </a:xfrm>
         </p:spPr>
         <p:txBody>
@@ -1785,81 +2062,76 @@
           <a:p>
             <a:pPr lvl="0"/>
             <a:r>
-              <a:rPr kumimoji="1" lang="ja-JP" altLang="en-US"/>
+              <a:rPr lang="ja-JP" altLang="en-US"/>
               <a:t>マスター テキストの書式設定</a:t>
             </a:r>
           </a:p>
           <a:p>
             <a:pPr lvl="1"/>
             <a:r>
-              <a:rPr kumimoji="1" lang="ja-JP" altLang="en-US"/>
+              <a:rPr lang="ja-JP" altLang="en-US"/>
               <a:t>第 </a:t>
             </a:r>
             <a:r>
-              <a:rPr kumimoji="1" lang="en-US" altLang="ja-JP"/>
+              <a:rPr lang="en-US" altLang="ja-JP"/>
               <a:t>2 </a:t>
             </a:r>
             <a:r>
-              <a:rPr kumimoji="1" lang="ja-JP" altLang="en-US"/>
+              <a:rPr lang="ja-JP" altLang="en-US"/>
               <a:t>レベル</a:t>
             </a:r>
           </a:p>
           <a:p>
             <a:pPr lvl="2"/>
             <a:r>
-              <a:rPr kumimoji="1" lang="ja-JP" altLang="en-US"/>
+              <a:rPr lang="ja-JP" altLang="en-US"/>
               <a:t>第 </a:t>
             </a:r>
             <a:r>
-              <a:rPr kumimoji="1" lang="en-US" altLang="ja-JP"/>
+              <a:rPr lang="en-US" altLang="ja-JP"/>
               <a:t>3 </a:t>
             </a:r>
             <a:r>
-              <a:rPr kumimoji="1" lang="ja-JP" altLang="en-US"/>
+              <a:rPr lang="ja-JP" altLang="en-US"/>
               <a:t>レベル</a:t>
             </a:r>
           </a:p>
           <a:p>
             <a:pPr lvl="3"/>
             <a:r>
-              <a:rPr kumimoji="1" lang="ja-JP" altLang="en-US"/>
+              <a:rPr lang="ja-JP" altLang="en-US"/>
               <a:t>第 </a:t>
             </a:r>
             <a:r>
-              <a:rPr kumimoji="1" lang="en-US" altLang="ja-JP"/>
+              <a:rPr lang="en-US" altLang="ja-JP"/>
               <a:t>4 </a:t>
             </a:r>
             <a:r>
-              <a:rPr kumimoji="1" lang="ja-JP" altLang="en-US"/>
+              <a:rPr lang="ja-JP" altLang="en-US"/>
               <a:t>レベル</a:t>
             </a:r>
           </a:p>
           <a:p>
             <a:pPr lvl="4"/>
             <a:r>
-              <a:rPr kumimoji="1" lang="ja-JP" altLang="en-US"/>
+              <a:rPr lang="ja-JP" altLang="en-US"/>
               <a:t>第 </a:t>
             </a:r>
             <a:r>
-              <a:rPr kumimoji="1" lang="en-US" altLang="ja-JP"/>
+              <a:rPr lang="en-US" altLang="ja-JP"/>
               <a:t>5 </a:t>
             </a:r>
             <a:r>
-              <a:rPr kumimoji="1" lang="ja-JP" altLang="en-US"/>
+              <a:rPr lang="ja-JP" altLang="en-US"/>
               <a:t>レベル</a:t>
             </a:r>
-          </a:p>
-        </p:txBody>
-      </p:sp>
-      <p:sp>
-        <p:nvSpPr>
-          <p:cNvPr id="5" name="テキスト プレースホルダー 4">
-            <a:extLst>
-              <a:ext uri="{FF2B5EF4-FFF2-40B4-BE49-F238E27FC236}">
-                <a16:creationId xmlns:a16="http://schemas.microsoft.com/office/drawing/2014/main" id="{135ECECD-6136-B110-D53C-805CFBE0FF2D}"/>
-              </a:ext>
-            </a:extLst>
-          </p:cNvPr>
+            <a:endParaRPr lang="en-US" dirty="0"/>
+          </a:p>
+        </p:txBody>
+      </p:sp>
+      <p:sp>
+        <p:nvSpPr>
+          <p:cNvPr id="5" name="Text Placeholder 4"/>
           <p:cNvSpPr>
             <a:spLocks noGrp="1"/>
           </p:cNvSpPr>
@@ -1869,8 +2141,8 @@
         </p:nvSpPr>
         <p:spPr>
           <a:xfrm>
-            <a:off x="6172200" y="1681163"/>
-            <a:ext cx="5183188" cy="823912"/>
+            <a:off x="4629150" y="1681163"/>
+            <a:ext cx="3887391" cy="823912"/>
           </a:xfrm>
         </p:spPr>
         <p:txBody>
@@ -1916,7 +2188,7 @@
           <a:p>
             <a:pPr lvl="0"/>
             <a:r>
-              <a:rPr kumimoji="1" lang="ja-JP" altLang="en-US"/>
+              <a:rPr lang="ja-JP" altLang="en-US"/>
               <a:t>マスター テキストの書式設定</a:t>
             </a:r>
           </a:p>
@@ -1924,13 +2196,7 @@
       </p:sp>
       <p:sp>
         <p:nvSpPr>
-          <p:cNvPr id="6" name="コンテンツ プレースホルダー 5">
-            <a:extLst>
-              <a:ext uri="{FF2B5EF4-FFF2-40B4-BE49-F238E27FC236}">
-                <a16:creationId xmlns:a16="http://schemas.microsoft.com/office/drawing/2014/main" id="{49E5ED96-1B02-6E42-7185-A56CC6FFEDC0}"/>
-              </a:ext>
-            </a:extLst>
-          </p:cNvPr>
+          <p:cNvPr id="6" name="Content Placeholder 5"/>
           <p:cNvSpPr>
             <a:spLocks noGrp="1"/>
           </p:cNvSpPr>
@@ -1940,8 +2206,8 @@
         </p:nvSpPr>
         <p:spPr>
           <a:xfrm>
-            <a:off x="6172200" y="2505075"/>
-            <a:ext cx="5183188" cy="3684588"/>
+            <a:off x="4629150" y="2505075"/>
+            <a:ext cx="3887391" cy="3684588"/>
           </a:xfrm>
         </p:spPr>
         <p:txBody>
@@ -1950,81 +2216,76 @@
           <a:p>
             <a:pPr lvl="0"/>
             <a:r>
-              <a:rPr kumimoji="1" lang="ja-JP" altLang="en-US"/>
+              <a:rPr lang="ja-JP" altLang="en-US"/>
               <a:t>マスター テキストの書式設定</a:t>
             </a:r>
           </a:p>
           <a:p>
             <a:pPr lvl="1"/>
             <a:r>
-              <a:rPr kumimoji="1" lang="ja-JP" altLang="en-US"/>
+              <a:rPr lang="ja-JP" altLang="en-US"/>
               <a:t>第 </a:t>
             </a:r>
             <a:r>
-              <a:rPr kumimoji="1" lang="en-US" altLang="ja-JP"/>
+              <a:rPr lang="en-US" altLang="ja-JP"/>
               <a:t>2 </a:t>
             </a:r>
             <a:r>
-              <a:rPr kumimoji="1" lang="ja-JP" altLang="en-US"/>
+              <a:rPr lang="ja-JP" altLang="en-US"/>
               <a:t>レベル</a:t>
             </a:r>
           </a:p>
           <a:p>
             <a:pPr lvl="2"/>
             <a:r>
-              <a:rPr kumimoji="1" lang="ja-JP" altLang="en-US"/>
+              <a:rPr lang="ja-JP" altLang="en-US"/>
               <a:t>第 </a:t>
             </a:r>
             <a:r>
-              <a:rPr kumimoji="1" lang="en-US" altLang="ja-JP"/>
+              <a:rPr lang="en-US" altLang="ja-JP"/>
               <a:t>3 </a:t>
             </a:r>
             <a:r>
-              <a:rPr kumimoji="1" lang="ja-JP" altLang="en-US"/>
+              <a:rPr lang="ja-JP" altLang="en-US"/>
               <a:t>レベル</a:t>
             </a:r>
           </a:p>
           <a:p>
             <a:pPr lvl="3"/>
             <a:r>
-              <a:rPr kumimoji="1" lang="ja-JP" altLang="en-US"/>
+              <a:rPr lang="ja-JP" altLang="en-US"/>
               <a:t>第 </a:t>
             </a:r>
             <a:r>
-              <a:rPr kumimoji="1" lang="en-US" altLang="ja-JP"/>
+              <a:rPr lang="en-US" altLang="ja-JP"/>
               <a:t>4 </a:t>
             </a:r>
             <a:r>
-              <a:rPr kumimoji="1" lang="ja-JP" altLang="en-US"/>
+              <a:rPr lang="ja-JP" altLang="en-US"/>
               <a:t>レベル</a:t>
             </a:r>
           </a:p>
           <a:p>
             <a:pPr lvl="4"/>
             <a:r>
-              <a:rPr kumimoji="1" lang="ja-JP" altLang="en-US"/>
+              <a:rPr lang="ja-JP" altLang="en-US"/>
               <a:t>第 </a:t>
             </a:r>
             <a:r>
-              <a:rPr kumimoji="1" lang="en-US" altLang="ja-JP"/>
+              <a:rPr lang="en-US" altLang="ja-JP"/>
               <a:t>5 </a:t>
             </a:r>
             <a:r>
-              <a:rPr kumimoji="1" lang="ja-JP" altLang="en-US"/>
+              <a:rPr lang="ja-JP" altLang="en-US"/>
               <a:t>レベル</a:t>
             </a:r>
-          </a:p>
-        </p:txBody>
-      </p:sp>
-      <p:sp>
-        <p:nvSpPr>
-          <p:cNvPr id="7" name="日付プレースホルダー 6">
-            <a:extLst>
-              <a:ext uri="{FF2B5EF4-FFF2-40B4-BE49-F238E27FC236}">
-                <a16:creationId xmlns:a16="http://schemas.microsoft.com/office/drawing/2014/main" id="{86C1536E-8BBB-43BC-713A-F2755961ABCA}"/>
-              </a:ext>
-            </a:extLst>
-          </p:cNvPr>
+            <a:endParaRPr lang="en-US" dirty="0"/>
+          </a:p>
+        </p:txBody>
+      </p:sp>
+      <p:sp>
+        <p:nvSpPr>
+          <p:cNvPr id="7" name="Date Placeholder 6"/>
           <p:cNvSpPr>
             <a:spLocks noGrp="1"/>
           </p:cNvSpPr>
@@ -2039,7 +2300,7 @@
           <a:p>
             <a:fld id="{60C89CFB-3BD4-45D4-8FCC-79850387BF7C}" type="datetimeFigureOut">
               <a:rPr kumimoji="1" lang="ja-JP" altLang="en-US" smtClean="0"/>
-              <a:t>2025/10/27</a:t>
+              <a:t>2025/10/28</a:t>
             </a:fld>
             <a:endParaRPr kumimoji="1" lang="ja-JP" altLang="en-US"/>
           </a:p>
@@ -2047,13 +2308,7 @@
       </p:sp>
       <p:sp>
         <p:nvSpPr>
-          <p:cNvPr id="8" name="フッター プレースホルダー 7">
-            <a:extLst>
-              <a:ext uri="{FF2B5EF4-FFF2-40B4-BE49-F238E27FC236}">
-                <a16:creationId xmlns:a16="http://schemas.microsoft.com/office/drawing/2014/main" id="{346141C5-6293-30AC-4322-0EBFAD848A84}"/>
-              </a:ext>
-            </a:extLst>
-          </p:cNvPr>
+          <p:cNvPr id="8" name="Footer Placeholder 7"/>
           <p:cNvSpPr>
             <a:spLocks noGrp="1"/>
           </p:cNvSpPr>
@@ -2072,13 +2327,7 @@
       </p:sp>
       <p:sp>
         <p:nvSpPr>
-          <p:cNvPr id="9" name="スライド番号プレースホルダー 8">
-            <a:extLst>
-              <a:ext uri="{FF2B5EF4-FFF2-40B4-BE49-F238E27FC236}">
-                <a16:creationId xmlns:a16="http://schemas.microsoft.com/office/drawing/2014/main" id="{4AE58CDF-E48E-59EA-D594-F07D47A380CA}"/>
-              </a:ext>
-            </a:extLst>
-          </p:cNvPr>
+          <p:cNvPr id="9" name="Slide Number Placeholder 8"/>
           <p:cNvSpPr>
             <a:spLocks noGrp="1"/>
           </p:cNvSpPr>
@@ -2102,7 +2351,7 @@
     </p:spTree>
     <p:extLst>
       <p:ext uri="{BB962C8B-B14F-4D97-AF65-F5344CB8AC3E}">
-        <p14:creationId xmlns:p14="http://schemas.microsoft.com/office/powerpoint/2010/main" val="577298353"/>
+        <p14:creationId xmlns:p14="http://schemas.microsoft.com/office/powerpoint/2010/main" val="1671702146"/>
       </p:ext>
     </p:extLst>
   </p:cSld>
@@ -2131,13 +2380,7 @@
       </p:grpSpPr>
       <p:sp>
         <p:nvSpPr>
-          <p:cNvPr id="2" name="タイトル 1">
-            <a:extLst>
-              <a:ext uri="{FF2B5EF4-FFF2-40B4-BE49-F238E27FC236}">
-                <a16:creationId xmlns:a16="http://schemas.microsoft.com/office/drawing/2014/main" id="{7FBD1D72-D235-11A0-BE64-BFA1F5D2C469}"/>
-              </a:ext>
-            </a:extLst>
-          </p:cNvPr>
+          <p:cNvPr id="2" name="Title 1"/>
           <p:cNvSpPr>
             <a:spLocks noGrp="1"/>
           </p:cNvSpPr>
@@ -2151,21 +2394,16 @@
           <a:lstStyle/>
           <a:p>
             <a:r>
-              <a:rPr kumimoji="1" lang="ja-JP" altLang="en-US"/>
+              <a:rPr lang="ja-JP" altLang="en-US"/>
               <a:t>マスター タイトルの書式設定</a:t>
             </a:r>
-          </a:p>
-        </p:txBody>
-      </p:sp>
-      <p:sp>
-        <p:nvSpPr>
-          <p:cNvPr id="3" name="日付プレースホルダー 2">
-            <a:extLst>
-              <a:ext uri="{FF2B5EF4-FFF2-40B4-BE49-F238E27FC236}">
-                <a16:creationId xmlns:a16="http://schemas.microsoft.com/office/drawing/2014/main" id="{1C97AC50-0CBB-676A-E904-AB94364AD81E}"/>
-              </a:ext>
-            </a:extLst>
-          </p:cNvPr>
+            <a:endParaRPr lang="en-US" dirty="0"/>
+          </a:p>
+        </p:txBody>
+      </p:sp>
+      <p:sp>
+        <p:nvSpPr>
+          <p:cNvPr id="3" name="Date Placeholder 2"/>
           <p:cNvSpPr>
             <a:spLocks noGrp="1"/>
           </p:cNvSpPr>
@@ -2180,7 +2418,7 @@
           <a:p>
             <a:fld id="{60C89CFB-3BD4-45D4-8FCC-79850387BF7C}" type="datetimeFigureOut">
               <a:rPr kumimoji="1" lang="ja-JP" altLang="en-US" smtClean="0"/>
-              <a:t>2025/10/27</a:t>
+              <a:t>2025/10/28</a:t>
             </a:fld>
             <a:endParaRPr kumimoji="1" lang="ja-JP" altLang="en-US"/>
           </a:p>
@@ -2188,13 +2426,7 @@
       </p:sp>
       <p:sp>
         <p:nvSpPr>
-          <p:cNvPr id="4" name="フッター プレースホルダー 3">
-            <a:extLst>
-              <a:ext uri="{FF2B5EF4-FFF2-40B4-BE49-F238E27FC236}">
-                <a16:creationId xmlns:a16="http://schemas.microsoft.com/office/drawing/2014/main" id="{B7BCC646-17C9-5BD7-64AC-F478F22A73C9}"/>
-              </a:ext>
-            </a:extLst>
-          </p:cNvPr>
+          <p:cNvPr id="4" name="Footer Placeholder 3"/>
           <p:cNvSpPr>
             <a:spLocks noGrp="1"/>
           </p:cNvSpPr>
@@ -2213,13 +2445,7 @@
       </p:sp>
       <p:sp>
         <p:nvSpPr>
-          <p:cNvPr id="5" name="スライド番号プレースホルダー 4">
-            <a:extLst>
-              <a:ext uri="{FF2B5EF4-FFF2-40B4-BE49-F238E27FC236}">
-                <a16:creationId xmlns:a16="http://schemas.microsoft.com/office/drawing/2014/main" id="{51BBF2CC-8D84-9041-F130-23ECEFB41732}"/>
-              </a:ext>
-            </a:extLst>
-          </p:cNvPr>
+          <p:cNvPr id="5" name="Slide Number Placeholder 4"/>
           <p:cNvSpPr>
             <a:spLocks noGrp="1"/>
           </p:cNvSpPr>
@@ -2243,7 +2469,7 @@
     </p:spTree>
     <p:extLst>
       <p:ext uri="{BB962C8B-B14F-4D97-AF65-F5344CB8AC3E}">
-        <p14:creationId xmlns:p14="http://schemas.microsoft.com/office/powerpoint/2010/main" val="9183057"/>
+        <p14:creationId xmlns:p14="http://schemas.microsoft.com/office/powerpoint/2010/main" val="2613474498"/>
       </p:ext>
     </p:extLst>
   </p:cSld>
@@ -2272,13 +2498,7 @@
       </p:grpSpPr>
       <p:sp>
         <p:nvSpPr>
-          <p:cNvPr id="2" name="日付プレースホルダー 1">
-            <a:extLst>
-              <a:ext uri="{FF2B5EF4-FFF2-40B4-BE49-F238E27FC236}">
-                <a16:creationId xmlns:a16="http://schemas.microsoft.com/office/drawing/2014/main" id="{B7E56BDA-C5C2-766F-6876-E3B3371B60EE}"/>
-              </a:ext>
-            </a:extLst>
-          </p:cNvPr>
+          <p:cNvPr id="2" name="Date Placeholder 1"/>
           <p:cNvSpPr>
             <a:spLocks noGrp="1"/>
           </p:cNvSpPr>
@@ -2293,7 +2513,7 @@
           <a:p>
             <a:fld id="{60C89CFB-3BD4-45D4-8FCC-79850387BF7C}" type="datetimeFigureOut">
               <a:rPr kumimoji="1" lang="ja-JP" altLang="en-US" smtClean="0"/>
-              <a:t>2025/10/27</a:t>
+              <a:t>2025/10/28</a:t>
             </a:fld>
             <a:endParaRPr kumimoji="1" lang="ja-JP" altLang="en-US"/>
           </a:p>
@@ -2301,13 +2521,7 @@
       </p:sp>
       <p:sp>
         <p:nvSpPr>
-          <p:cNvPr id="3" name="フッター プレースホルダー 2">
-            <a:extLst>
-              <a:ext uri="{FF2B5EF4-FFF2-40B4-BE49-F238E27FC236}">
-                <a16:creationId xmlns:a16="http://schemas.microsoft.com/office/drawing/2014/main" id="{C959D7CA-2C2E-1893-73F1-123539C639D4}"/>
-              </a:ext>
-            </a:extLst>
-          </p:cNvPr>
+          <p:cNvPr id="3" name="Footer Placeholder 2"/>
           <p:cNvSpPr>
             <a:spLocks noGrp="1"/>
           </p:cNvSpPr>
@@ -2326,13 +2540,7 @@
       </p:sp>
       <p:sp>
         <p:nvSpPr>
-          <p:cNvPr id="4" name="スライド番号プレースホルダー 3">
-            <a:extLst>
-              <a:ext uri="{FF2B5EF4-FFF2-40B4-BE49-F238E27FC236}">
-                <a16:creationId xmlns:a16="http://schemas.microsoft.com/office/drawing/2014/main" id="{1CF12141-F7E9-99E0-2152-75DB29D64D3F}"/>
-              </a:ext>
-            </a:extLst>
-          </p:cNvPr>
+          <p:cNvPr id="4" name="Slide Number Placeholder 3"/>
           <p:cNvSpPr>
             <a:spLocks noGrp="1"/>
           </p:cNvSpPr>
@@ -2356,7 +2564,7 @@
     </p:spTree>
     <p:extLst>
       <p:ext uri="{BB962C8B-B14F-4D97-AF65-F5344CB8AC3E}">
-        <p14:creationId xmlns:p14="http://schemas.microsoft.com/office/powerpoint/2010/main" val="2539582909"/>
+        <p14:creationId xmlns:p14="http://schemas.microsoft.com/office/powerpoint/2010/main" val="3059175611"/>
       </p:ext>
     </p:extLst>
   </p:cSld>
@@ -2385,13 +2593,7 @@
       </p:grpSpPr>
       <p:sp>
         <p:nvSpPr>
-          <p:cNvPr id="2" name="タイトル 1">
-            <a:extLst>
-              <a:ext uri="{FF2B5EF4-FFF2-40B4-BE49-F238E27FC236}">
-                <a16:creationId xmlns:a16="http://schemas.microsoft.com/office/drawing/2014/main" id="{EB08578D-43D7-433C-0457-DBDAB33E4F12}"/>
-              </a:ext>
-            </a:extLst>
-          </p:cNvPr>
+          <p:cNvPr id="2" name="Title 1"/>
           <p:cNvSpPr>
             <a:spLocks noGrp="1"/>
           </p:cNvSpPr>
@@ -2401,8 +2603,8 @@
         </p:nvSpPr>
         <p:spPr>
           <a:xfrm>
-            <a:off x="839788" y="457200"/>
-            <a:ext cx="3932237" cy="1600200"/>
+            <a:off x="629841" y="457200"/>
+            <a:ext cx="2949178" cy="1600200"/>
           </a:xfrm>
         </p:spPr>
         <p:txBody>
@@ -2414,21 +2616,16 @@
           </a:lstStyle>
           <a:p>
             <a:r>
-              <a:rPr kumimoji="1" lang="ja-JP" altLang="en-US"/>
+              <a:rPr lang="ja-JP" altLang="en-US"/>
               <a:t>マスター タイトルの書式設定</a:t>
             </a:r>
-          </a:p>
-        </p:txBody>
-      </p:sp>
-      <p:sp>
-        <p:nvSpPr>
-          <p:cNvPr id="3" name="コンテンツ プレースホルダー 2">
-            <a:extLst>
-              <a:ext uri="{FF2B5EF4-FFF2-40B4-BE49-F238E27FC236}">
-                <a16:creationId xmlns:a16="http://schemas.microsoft.com/office/drawing/2014/main" id="{4EA967A1-1360-70C1-7BF5-BAE73C6549B4}"/>
-              </a:ext>
-            </a:extLst>
-          </p:cNvPr>
+            <a:endParaRPr lang="en-US" dirty="0"/>
+          </a:p>
+        </p:txBody>
+      </p:sp>
+      <p:sp>
+        <p:nvSpPr>
+          <p:cNvPr id="3" name="Content Placeholder 2"/>
           <p:cNvSpPr>
             <a:spLocks noGrp="1"/>
           </p:cNvSpPr>
@@ -2438,8 +2635,8 @@
         </p:nvSpPr>
         <p:spPr>
           <a:xfrm>
-            <a:off x="5183188" y="987425"/>
-            <a:ext cx="6172200" cy="4873625"/>
+            <a:off x="3887391" y="987426"/>
+            <a:ext cx="4629150" cy="4873625"/>
           </a:xfrm>
         </p:spPr>
         <p:txBody>
@@ -2476,81 +2673,76 @@
           <a:p>
             <a:pPr lvl="0"/>
             <a:r>
-              <a:rPr kumimoji="1" lang="ja-JP" altLang="en-US"/>
+              <a:rPr lang="ja-JP" altLang="en-US"/>
               <a:t>マスター テキストの書式設定</a:t>
             </a:r>
           </a:p>
           <a:p>
             <a:pPr lvl="1"/>
             <a:r>
-              <a:rPr kumimoji="1" lang="ja-JP" altLang="en-US"/>
+              <a:rPr lang="ja-JP" altLang="en-US"/>
               <a:t>第 </a:t>
             </a:r>
             <a:r>
-              <a:rPr kumimoji="1" lang="en-US" altLang="ja-JP"/>
+              <a:rPr lang="en-US" altLang="ja-JP"/>
               <a:t>2 </a:t>
             </a:r>
             <a:r>
-              <a:rPr kumimoji="1" lang="ja-JP" altLang="en-US"/>
+              <a:rPr lang="ja-JP" altLang="en-US"/>
               <a:t>レベル</a:t>
             </a:r>
           </a:p>
           <a:p>
             <a:pPr lvl="2"/>
             <a:r>
-              <a:rPr kumimoji="1" lang="ja-JP" altLang="en-US"/>
+              <a:rPr lang="ja-JP" altLang="en-US"/>
               <a:t>第 </a:t>
             </a:r>
             <a:r>
-              <a:rPr kumimoji="1" lang="en-US" altLang="ja-JP"/>
+              <a:rPr lang="en-US" altLang="ja-JP"/>
               <a:t>3 </a:t>
             </a:r>
             <a:r>
-              <a:rPr kumimoji="1" lang="ja-JP" altLang="en-US"/>
+              <a:rPr lang="ja-JP" altLang="en-US"/>
               <a:t>レベル</a:t>
             </a:r>
           </a:p>
           <a:p>
             <a:pPr lvl="3"/>
             <a:r>
-              <a:rPr kumimoji="1" lang="ja-JP" altLang="en-US"/>
+              <a:rPr lang="ja-JP" altLang="en-US"/>
               <a:t>第 </a:t>
             </a:r>
             <a:r>
-              <a:rPr kumimoji="1" lang="en-US" altLang="ja-JP"/>
+              <a:rPr lang="en-US" altLang="ja-JP"/>
               <a:t>4 </a:t>
             </a:r>
             <a:r>
-              <a:rPr kumimoji="1" lang="ja-JP" altLang="en-US"/>
+              <a:rPr lang="ja-JP" altLang="en-US"/>
               <a:t>レベル</a:t>
             </a:r>
           </a:p>
           <a:p>
             <a:pPr lvl="4"/>
             <a:r>
-              <a:rPr kumimoji="1" lang="ja-JP" altLang="en-US"/>
+              <a:rPr lang="ja-JP" altLang="en-US"/>
               <a:t>第 </a:t>
             </a:r>
             <a:r>
-              <a:rPr kumimoji="1" lang="en-US" altLang="ja-JP"/>
+              <a:rPr lang="en-US" altLang="ja-JP"/>
               <a:t>5 </a:t>
             </a:r>
             <a:r>
-              <a:rPr kumimoji="1" lang="ja-JP" altLang="en-US"/>
+              <a:rPr lang="ja-JP" altLang="en-US"/>
               <a:t>レベル</a:t>
             </a:r>
-          </a:p>
-        </p:txBody>
-      </p:sp>
-      <p:sp>
-        <p:nvSpPr>
-          <p:cNvPr id="4" name="テキスト プレースホルダー 3">
-            <a:extLst>
-              <a:ext uri="{FF2B5EF4-FFF2-40B4-BE49-F238E27FC236}">
-                <a16:creationId xmlns:a16="http://schemas.microsoft.com/office/drawing/2014/main" id="{88BA6E33-6934-CD20-78F0-D4C6B30EB5D3}"/>
-              </a:ext>
-            </a:extLst>
-          </p:cNvPr>
+            <a:endParaRPr lang="en-US" dirty="0"/>
+          </a:p>
+        </p:txBody>
+      </p:sp>
+      <p:sp>
+        <p:nvSpPr>
+          <p:cNvPr id="4" name="Text Placeholder 3"/>
           <p:cNvSpPr>
             <a:spLocks noGrp="1"/>
           </p:cNvSpPr>
@@ -2560,8 +2752,8 @@
         </p:nvSpPr>
         <p:spPr>
           <a:xfrm>
-            <a:off x="839788" y="2057400"/>
-            <a:ext cx="3932237" cy="3811588"/>
+            <a:off x="629841" y="2057400"/>
+            <a:ext cx="2949178" cy="3811588"/>
           </a:xfrm>
         </p:spPr>
         <p:txBody>
@@ -2607,7 +2799,7 @@
           <a:p>
             <a:pPr lvl="0"/>
             <a:r>
-              <a:rPr kumimoji="1" lang="ja-JP" altLang="en-US"/>
+              <a:rPr lang="ja-JP" altLang="en-US"/>
               <a:t>マスター テキストの書式設定</a:t>
             </a:r>
           </a:p>
@@ -2615,13 +2807,7 @@
       </p:sp>
       <p:sp>
         <p:nvSpPr>
-          <p:cNvPr id="5" name="日付プレースホルダー 4">
-            <a:extLst>
-              <a:ext uri="{FF2B5EF4-FFF2-40B4-BE49-F238E27FC236}">
-                <a16:creationId xmlns:a16="http://schemas.microsoft.com/office/drawing/2014/main" id="{D660329B-2CA6-8032-9842-48BC065A3290}"/>
-              </a:ext>
-            </a:extLst>
-          </p:cNvPr>
+          <p:cNvPr id="5" name="Date Placeholder 4"/>
           <p:cNvSpPr>
             <a:spLocks noGrp="1"/>
           </p:cNvSpPr>
@@ -2636,7 +2822,7 @@
           <a:p>
             <a:fld id="{60C89CFB-3BD4-45D4-8FCC-79850387BF7C}" type="datetimeFigureOut">
               <a:rPr kumimoji="1" lang="ja-JP" altLang="en-US" smtClean="0"/>
-              <a:t>2025/10/27</a:t>
+              <a:t>2025/10/28</a:t>
             </a:fld>
             <a:endParaRPr kumimoji="1" lang="ja-JP" altLang="en-US"/>
           </a:p>
@@ -2644,13 +2830,7 @@
       </p:sp>
       <p:sp>
         <p:nvSpPr>
-          <p:cNvPr id="6" name="フッター プレースホルダー 5">
-            <a:extLst>
-              <a:ext uri="{FF2B5EF4-FFF2-40B4-BE49-F238E27FC236}">
-                <a16:creationId xmlns:a16="http://schemas.microsoft.com/office/drawing/2014/main" id="{06552F78-A1B7-259F-1585-EE7B4770C00E}"/>
-              </a:ext>
-            </a:extLst>
-          </p:cNvPr>
+          <p:cNvPr id="6" name="Footer Placeholder 5"/>
           <p:cNvSpPr>
             <a:spLocks noGrp="1"/>
           </p:cNvSpPr>
@@ -2669,13 +2849,7 @@
       </p:sp>
       <p:sp>
         <p:nvSpPr>
-          <p:cNvPr id="7" name="スライド番号プレースホルダー 6">
-            <a:extLst>
-              <a:ext uri="{FF2B5EF4-FFF2-40B4-BE49-F238E27FC236}">
-                <a16:creationId xmlns:a16="http://schemas.microsoft.com/office/drawing/2014/main" id="{4628A7D6-B75E-1E6E-BB9A-B138FE131296}"/>
-              </a:ext>
-            </a:extLst>
-          </p:cNvPr>
+          <p:cNvPr id="7" name="Slide Number Placeholder 6"/>
           <p:cNvSpPr>
             <a:spLocks noGrp="1"/>
           </p:cNvSpPr>
@@ -2699,7 +2873,7 @@
     </p:spTree>
     <p:extLst>
       <p:ext uri="{BB962C8B-B14F-4D97-AF65-F5344CB8AC3E}">
-        <p14:creationId xmlns:p14="http://schemas.microsoft.com/office/powerpoint/2010/main" val="2149143302"/>
+        <p14:creationId xmlns:p14="http://schemas.microsoft.com/office/powerpoint/2010/main" val="4176478775"/>
       </p:ext>
     </p:extLst>
   </p:cSld>
@@ -2728,13 +2902,7 @@
       </p:grpSpPr>
       <p:sp>
         <p:nvSpPr>
-          <p:cNvPr id="2" name="タイトル 1">
-            <a:extLst>
-              <a:ext uri="{FF2B5EF4-FFF2-40B4-BE49-F238E27FC236}">
-                <a16:creationId xmlns:a16="http://schemas.microsoft.com/office/drawing/2014/main" id="{DB66A30F-D8F9-C87B-B4D8-71C037603271}"/>
-              </a:ext>
-            </a:extLst>
-          </p:cNvPr>
+          <p:cNvPr id="2" name="Title 1"/>
           <p:cNvSpPr>
             <a:spLocks noGrp="1"/>
           </p:cNvSpPr>
@@ -2744,8 +2912,8 @@
         </p:nvSpPr>
         <p:spPr>
           <a:xfrm>
-            <a:off x="839788" y="457200"/>
-            <a:ext cx="3932237" cy="1600200"/>
+            <a:off x="629841" y="457200"/>
+            <a:ext cx="2949178" cy="1600200"/>
           </a:xfrm>
         </p:spPr>
         <p:txBody>
@@ -2757,23 +2925,18 @@
           </a:lstStyle>
           <a:p>
             <a:r>
-              <a:rPr kumimoji="1" lang="ja-JP" altLang="en-US"/>
+              <a:rPr lang="ja-JP" altLang="en-US"/>
               <a:t>マスター タイトルの書式設定</a:t>
             </a:r>
-          </a:p>
-        </p:txBody>
-      </p:sp>
-      <p:sp>
-        <p:nvSpPr>
-          <p:cNvPr id="3" name="図プレースホルダー 2">
-            <a:extLst>
-              <a:ext uri="{FF2B5EF4-FFF2-40B4-BE49-F238E27FC236}">
-                <a16:creationId xmlns:a16="http://schemas.microsoft.com/office/drawing/2014/main" id="{9B10BEDB-3175-F653-EF21-6110E1363401}"/>
-              </a:ext>
-            </a:extLst>
-          </p:cNvPr>
-          <p:cNvSpPr>
-            <a:spLocks noGrp="1"/>
+            <a:endParaRPr lang="en-US" dirty="0"/>
+          </a:p>
+        </p:txBody>
+      </p:sp>
+      <p:sp>
+        <p:nvSpPr>
+          <p:cNvPr id="3" name="Picture Placeholder 2"/>
+          <p:cNvSpPr>
+            <a:spLocks noGrp="1" noChangeAspect="1"/>
           </p:cNvSpPr>
           <p:nvPr>
             <p:ph type="pic" idx="1"/>
@@ -2781,8 +2944,73 @@
         </p:nvSpPr>
         <p:spPr>
           <a:xfrm>
-            <a:off x="5183188" y="987425"/>
-            <a:ext cx="6172200" cy="4873625"/>
+            <a:off x="3887391" y="987426"/>
+            <a:ext cx="4629150" cy="4873625"/>
+          </a:xfrm>
+        </p:spPr>
+        <p:txBody>
+          <a:bodyPr anchor="t"/>
+          <a:lstStyle>
+            <a:lvl1pPr marL="0" indent="0">
+              <a:buNone/>
+              <a:defRPr sz="3200"/>
+            </a:lvl1pPr>
+            <a:lvl2pPr marL="457200" indent="0">
+              <a:buNone/>
+              <a:defRPr sz="2800"/>
+            </a:lvl2pPr>
+            <a:lvl3pPr marL="914400" indent="0">
+              <a:buNone/>
+              <a:defRPr sz="2400"/>
+            </a:lvl3pPr>
+            <a:lvl4pPr marL="1371600" indent="0">
+              <a:buNone/>
+              <a:defRPr sz="2000"/>
+            </a:lvl4pPr>
+            <a:lvl5pPr marL="1828800" indent="0">
+              <a:buNone/>
+              <a:defRPr sz="2000"/>
+            </a:lvl5pPr>
+            <a:lvl6pPr marL="2286000" indent="0">
+              <a:buNone/>
+              <a:defRPr sz="2000"/>
+            </a:lvl6pPr>
+            <a:lvl7pPr marL="2743200" indent="0">
+              <a:buNone/>
+              <a:defRPr sz="2000"/>
+            </a:lvl7pPr>
+            <a:lvl8pPr marL="3200400" indent="0">
+              <a:buNone/>
+              <a:defRPr sz="2000"/>
+            </a:lvl8pPr>
+            <a:lvl9pPr marL="3657600" indent="0">
+              <a:buNone/>
+              <a:defRPr sz="2000"/>
+            </a:lvl9pPr>
+          </a:lstStyle>
+          <a:p>
+            <a:r>
+              <a:rPr lang="ja-JP" altLang="en-US"/>
+              <a:t>アイコンをクリックして図を追加</a:t>
+            </a:r>
+            <a:endParaRPr lang="en-US" dirty="0"/>
+          </a:p>
+        </p:txBody>
+      </p:sp>
+      <p:sp>
+        <p:nvSpPr>
+          <p:cNvPr id="4" name="Text Placeholder 3"/>
+          <p:cNvSpPr>
+            <a:spLocks noGrp="1"/>
+          </p:cNvSpPr>
+          <p:nvPr>
+            <p:ph type="body" sz="half" idx="2"/>
+          </p:nvPr>
+        </p:nvSpPr>
+        <p:spPr>
+          <a:xfrm>
+            <a:off x="629841" y="2057400"/>
+            <a:ext cx="2949178" cy="3811588"/>
           </a:xfrm>
         </p:spPr>
         <p:txBody>
@@ -2790,73 +3018,6 @@
           <a:lstStyle>
             <a:lvl1pPr marL="0" indent="0">
               <a:buNone/>
-              <a:defRPr sz="3200"/>
-            </a:lvl1pPr>
-            <a:lvl2pPr marL="457200" indent="0">
-              <a:buNone/>
-              <a:defRPr sz="2800"/>
-            </a:lvl2pPr>
-            <a:lvl3pPr marL="914400" indent="0">
-              <a:buNone/>
-              <a:defRPr sz="2400"/>
-            </a:lvl3pPr>
-            <a:lvl4pPr marL="1371600" indent="0">
-              <a:buNone/>
-              <a:defRPr sz="2000"/>
-            </a:lvl4pPr>
-            <a:lvl5pPr marL="1828800" indent="0">
-              <a:buNone/>
-              <a:defRPr sz="2000"/>
-            </a:lvl5pPr>
-            <a:lvl6pPr marL="2286000" indent="0">
-              <a:buNone/>
-              <a:defRPr sz="2000"/>
-            </a:lvl6pPr>
-            <a:lvl7pPr marL="2743200" indent="0">
-              <a:buNone/>
-              <a:defRPr sz="2000"/>
-            </a:lvl7pPr>
-            <a:lvl8pPr marL="3200400" indent="0">
-              <a:buNone/>
-              <a:defRPr sz="2000"/>
-            </a:lvl8pPr>
-            <a:lvl9pPr marL="3657600" indent="0">
-              <a:buNone/>
-              <a:defRPr sz="2000"/>
-            </a:lvl9pPr>
-          </a:lstStyle>
-          <a:p>
-            <a:endParaRPr kumimoji="1" lang="ja-JP" altLang="en-US"/>
-          </a:p>
-        </p:txBody>
-      </p:sp>
-      <p:sp>
-        <p:nvSpPr>
-          <p:cNvPr id="4" name="テキスト プレースホルダー 3">
-            <a:extLst>
-              <a:ext uri="{FF2B5EF4-FFF2-40B4-BE49-F238E27FC236}">
-                <a16:creationId xmlns:a16="http://schemas.microsoft.com/office/drawing/2014/main" id="{A843083D-8C3B-4C8B-B2E4-EEAA56DB2F2F}"/>
-              </a:ext>
-            </a:extLst>
-          </p:cNvPr>
-          <p:cNvSpPr>
-            <a:spLocks noGrp="1"/>
-          </p:cNvSpPr>
-          <p:nvPr>
-            <p:ph type="body" sz="half" idx="2"/>
-          </p:nvPr>
-        </p:nvSpPr>
-        <p:spPr>
-          <a:xfrm>
-            <a:off x="839788" y="2057400"/>
-            <a:ext cx="3932237" cy="3811588"/>
-          </a:xfrm>
-        </p:spPr>
-        <p:txBody>
-          <a:bodyPr/>
-          <a:lstStyle>
-            <a:lvl1pPr marL="0" indent="0">
-              <a:buNone/>
               <a:defRPr sz="1600"/>
             </a:lvl1pPr>
             <a:lvl2pPr marL="457200" indent="0">
@@ -2895,7 +3056,7 @@
           <a:p>
             <a:pPr lvl="0"/>
             <a:r>
-              <a:rPr kumimoji="1" lang="ja-JP" altLang="en-US"/>
+              <a:rPr lang="ja-JP" altLang="en-US"/>
               <a:t>マスター テキストの書式設定</a:t>
             </a:r>
           </a:p>
@@ -2903,13 +3064,7 @@
       </p:sp>
       <p:sp>
         <p:nvSpPr>
-          <p:cNvPr id="5" name="日付プレースホルダー 4">
-            <a:extLst>
-              <a:ext uri="{FF2B5EF4-FFF2-40B4-BE49-F238E27FC236}">
-                <a16:creationId xmlns:a16="http://schemas.microsoft.com/office/drawing/2014/main" id="{2E0F4059-0247-D99C-DFDD-4057FC3AB189}"/>
-              </a:ext>
-            </a:extLst>
-          </p:cNvPr>
+          <p:cNvPr id="5" name="Date Placeholder 4"/>
           <p:cNvSpPr>
             <a:spLocks noGrp="1"/>
           </p:cNvSpPr>
@@ -2924,7 +3079,7 @@
           <a:p>
             <a:fld id="{60C89CFB-3BD4-45D4-8FCC-79850387BF7C}" type="datetimeFigureOut">
               <a:rPr kumimoji="1" lang="ja-JP" altLang="en-US" smtClean="0"/>
-              <a:t>2025/10/27</a:t>
+              <a:t>2025/10/28</a:t>
             </a:fld>
             <a:endParaRPr kumimoji="1" lang="ja-JP" altLang="en-US"/>
           </a:p>
@@ -2932,13 +3087,7 @@
       </p:sp>
       <p:sp>
         <p:nvSpPr>
-          <p:cNvPr id="6" name="フッター プレースホルダー 5">
-            <a:extLst>
-              <a:ext uri="{FF2B5EF4-FFF2-40B4-BE49-F238E27FC236}">
-                <a16:creationId xmlns:a16="http://schemas.microsoft.com/office/drawing/2014/main" id="{07D518ED-4ECE-D086-4494-C013B4B3EE5F}"/>
-              </a:ext>
-            </a:extLst>
-          </p:cNvPr>
+          <p:cNvPr id="6" name="Footer Placeholder 5"/>
           <p:cNvSpPr>
             <a:spLocks noGrp="1"/>
           </p:cNvSpPr>
@@ -2957,13 +3106,7 @@
       </p:sp>
       <p:sp>
         <p:nvSpPr>
-          <p:cNvPr id="7" name="スライド番号プレースホルダー 6">
-            <a:extLst>
-              <a:ext uri="{FF2B5EF4-FFF2-40B4-BE49-F238E27FC236}">
-                <a16:creationId xmlns:a16="http://schemas.microsoft.com/office/drawing/2014/main" id="{73B092BC-4BB5-59A9-0AF1-F42CB05A5BEF}"/>
-              </a:ext>
-            </a:extLst>
-          </p:cNvPr>
+          <p:cNvPr id="7" name="Slide Number Placeholder 6"/>
           <p:cNvSpPr>
             <a:spLocks noGrp="1"/>
           </p:cNvSpPr>
@@ -2987,7 +3130,7 @@
     </p:spTree>
     <p:extLst>
       <p:ext uri="{BB962C8B-B14F-4D97-AF65-F5344CB8AC3E}">
-        <p14:creationId xmlns:p14="http://schemas.microsoft.com/office/powerpoint/2010/main" val="4050756995"/>
+        <p14:creationId xmlns:p14="http://schemas.microsoft.com/office/powerpoint/2010/main" val="863789431"/>
       </p:ext>
     </p:extLst>
   </p:cSld>
@@ -3021,13 +3164,7 @@
       </p:grpSpPr>
       <p:sp>
         <p:nvSpPr>
-          <p:cNvPr id="2" name="タイトル プレースホルダー 1">
-            <a:extLst>
-              <a:ext uri="{FF2B5EF4-FFF2-40B4-BE49-F238E27FC236}">
-                <a16:creationId xmlns:a16="http://schemas.microsoft.com/office/drawing/2014/main" id="{DFA18D64-5868-232D-26C0-4734DE71AFE9}"/>
-              </a:ext>
-            </a:extLst>
-          </p:cNvPr>
+          <p:cNvPr id="2" name="Title Placeholder 1"/>
           <p:cNvSpPr>
             <a:spLocks noGrp="1"/>
           </p:cNvSpPr>
@@ -3037,8 +3174,8 @@
         </p:nvSpPr>
         <p:spPr>
           <a:xfrm>
-            <a:off x="838200" y="365125"/>
-            <a:ext cx="10515600" cy="1325563"/>
+            <a:off x="628650" y="365126"/>
+            <a:ext cx="7886700" cy="1325563"/>
           </a:xfrm>
           <a:prstGeom prst="rect">
             <a:avLst/>
@@ -3051,21 +3188,16 @@
           <a:lstStyle/>
           <a:p>
             <a:r>
-              <a:rPr kumimoji="1" lang="ja-JP" altLang="en-US"/>
+              <a:rPr lang="ja-JP" altLang="en-US"/>
               <a:t>マスター タイトルの書式設定</a:t>
             </a:r>
-          </a:p>
-        </p:txBody>
-      </p:sp>
-      <p:sp>
-        <p:nvSpPr>
-          <p:cNvPr id="3" name="テキスト プレースホルダー 2">
-            <a:extLst>
-              <a:ext uri="{FF2B5EF4-FFF2-40B4-BE49-F238E27FC236}">
-                <a16:creationId xmlns:a16="http://schemas.microsoft.com/office/drawing/2014/main" id="{1EB8EF06-D01B-7B0C-89F7-0A5B249A2631}"/>
-              </a:ext>
-            </a:extLst>
-          </p:cNvPr>
+            <a:endParaRPr lang="en-US" dirty="0"/>
+          </a:p>
+        </p:txBody>
+      </p:sp>
+      <p:sp>
+        <p:nvSpPr>
+          <p:cNvPr id="3" name="Text Placeholder 2"/>
           <p:cNvSpPr>
             <a:spLocks noGrp="1"/>
           </p:cNvSpPr>
@@ -3075,8 +3207,8 @@
         </p:nvSpPr>
         <p:spPr>
           <a:xfrm>
-            <a:off x="838200" y="1825625"/>
-            <a:ext cx="10515600" cy="4351338"/>
+            <a:off x="628650" y="1825625"/>
+            <a:ext cx="7886700" cy="4351338"/>
           </a:xfrm>
           <a:prstGeom prst="rect">
             <a:avLst/>
@@ -3090,81 +3222,76 @@
           <a:p>
             <a:pPr lvl="0"/>
             <a:r>
-              <a:rPr kumimoji="1" lang="ja-JP" altLang="en-US"/>
+              <a:rPr lang="ja-JP" altLang="en-US"/>
               <a:t>マスター テキストの書式設定</a:t>
             </a:r>
           </a:p>
           <a:p>
             <a:pPr lvl="1"/>
             <a:r>
-              <a:rPr kumimoji="1" lang="ja-JP" altLang="en-US"/>
+              <a:rPr lang="ja-JP" altLang="en-US"/>
               <a:t>第 </a:t>
             </a:r>
             <a:r>
-              <a:rPr kumimoji="1" lang="en-US" altLang="ja-JP"/>
+              <a:rPr lang="en-US" altLang="ja-JP"/>
               <a:t>2 </a:t>
             </a:r>
             <a:r>
-              <a:rPr kumimoji="1" lang="ja-JP" altLang="en-US"/>
+              <a:rPr lang="ja-JP" altLang="en-US"/>
               <a:t>レベル</a:t>
             </a:r>
           </a:p>
           <a:p>
             <a:pPr lvl="2"/>
             <a:r>
-              <a:rPr kumimoji="1" lang="ja-JP" altLang="en-US"/>
+              <a:rPr lang="ja-JP" altLang="en-US"/>
               <a:t>第 </a:t>
             </a:r>
             <a:r>
-              <a:rPr kumimoji="1" lang="en-US" altLang="ja-JP"/>
+              <a:rPr lang="en-US" altLang="ja-JP"/>
               <a:t>3 </a:t>
             </a:r>
             <a:r>
-              <a:rPr kumimoji="1" lang="ja-JP" altLang="en-US"/>
+              <a:rPr lang="ja-JP" altLang="en-US"/>
               <a:t>レベル</a:t>
             </a:r>
           </a:p>
           <a:p>
             <a:pPr lvl="3"/>
             <a:r>
-              <a:rPr kumimoji="1" lang="ja-JP" altLang="en-US"/>
+              <a:rPr lang="ja-JP" altLang="en-US"/>
               <a:t>第 </a:t>
             </a:r>
             <a:r>
-              <a:rPr kumimoji="1" lang="en-US" altLang="ja-JP"/>
+              <a:rPr lang="en-US" altLang="ja-JP"/>
               <a:t>4 </a:t>
             </a:r>
             <a:r>
-              <a:rPr kumimoji="1" lang="ja-JP" altLang="en-US"/>
+              <a:rPr lang="ja-JP" altLang="en-US"/>
               <a:t>レベル</a:t>
             </a:r>
           </a:p>
           <a:p>
             <a:pPr lvl="4"/>
             <a:r>
-              <a:rPr kumimoji="1" lang="ja-JP" altLang="en-US"/>
+              <a:rPr lang="ja-JP" altLang="en-US"/>
               <a:t>第 </a:t>
             </a:r>
             <a:r>
-              <a:rPr kumimoji="1" lang="en-US" altLang="ja-JP"/>
+              <a:rPr lang="en-US" altLang="ja-JP"/>
               <a:t>5 </a:t>
             </a:r>
             <a:r>
-              <a:rPr kumimoji="1" lang="ja-JP" altLang="en-US"/>
+              <a:rPr lang="ja-JP" altLang="en-US"/>
               <a:t>レベル</a:t>
             </a:r>
-          </a:p>
-        </p:txBody>
-      </p:sp>
-      <p:sp>
-        <p:nvSpPr>
-          <p:cNvPr id="4" name="日付プレースホルダー 3">
-            <a:extLst>
-              <a:ext uri="{FF2B5EF4-FFF2-40B4-BE49-F238E27FC236}">
-                <a16:creationId xmlns:a16="http://schemas.microsoft.com/office/drawing/2014/main" id="{85DAFF62-052E-9173-9FBC-DA13908EF9F7}"/>
-              </a:ext>
-            </a:extLst>
-          </p:cNvPr>
+            <a:endParaRPr lang="en-US" dirty="0"/>
+          </a:p>
+        </p:txBody>
+      </p:sp>
+      <p:sp>
+        <p:nvSpPr>
+          <p:cNvPr id="4" name="Date Placeholder 3"/>
           <p:cNvSpPr>
             <a:spLocks noGrp="1"/>
           </p:cNvSpPr>
@@ -3174,8 +3301,8 @@
         </p:nvSpPr>
         <p:spPr>
           <a:xfrm>
-            <a:off x="838200" y="6356350"/>
-            <a:ext cx="2743200" cy="365125"/>
+            <a:off x="628650" y="6356351"/>
+            <a:ext cx="2057400" cy="365125"/>
           </a:xfrm>
           <a:prstGeom prst="rect">
             <a:avLst/>
@@ -3197,7 +3324,7 @@
           <a:p>
             <a:fld id="{60C89CFB-3BD4-45D4-8FCC-79850387BF7C}" type="datetimeFigureOut">
               <a:rPr kumimoji="1" lang="ja-JP" altLang="en-US" smtClean="0"/>
-              <a:t>2025/10/27</a:t>
+              <a:t>2025/10/28</a:t>
             </a:fld>
             <a:endParaRPr kumimoji="1" lang="ja-JP" altLang="en-US"/>
           </a:p>
@@ -3205,13 +3332,7 @@
       </p:sp>
       <p:sp>
         <p:nvSpPr>
-          <p:cNvPr id="5" name="フッター プレースホルダー 4">
-            <a:extLst>
-              <a:ext uri="{FF2B5EF4-FFF2-40B4-BE49-F238E27FC236}">
-                <a16:creationId xmlns:a16="http://schemas.microsoft.com/office/drawing/2014/main" id="{7D6025BD-1AD6-564C-BBE6-37020D1CA56D}"/>
-              </a:ext>
-            </a:extLst>
-          </p:cNvPr>
+          <p:cNvPr id="5" name="Footer Placeholder 4"/>
           <p:cNvSpPr>
             <a:spLocks noGrp="1"/>
           </p:cNvSpPr>
@@ -3221,8 +3342,8 @@
         </p:nvSpPr>
         <p:spPr>
           <a:xfrm>
-            <a:off x="4038600" y="6356350"/>
-            <a:ext cx="4114800" cy="365125"/>
+            <a:off x="3028950" y="6356351"/>
+            <a:ext cx="3086100" cy="365125"/>
           </a:xfrm>
           <a:prstGeom prst="rect">
             <a:avLst/>
@@ -3248,13 +3369,7 @@
       </p:sp>
       <p:sp>
         <p:nvSpPr>
-          <p:cNvPr id="6" name="スライド番号プレースホルダー 5">
-            <a:extLst>
-              <a:ext uri="{FF2B5EF4-FFF2-40B4-BE49-F238E27FC236}">
-                <a16:creationId xmlns:a16="http://schemas.microsoft.com/office/drawing/2014/main" id="{DA216F42-E9FA-2C4A-75A5-CFE21ED7F0DB}"/>
-              </a:ext>
-            </a:extLst>
-          </p:cNvPr>
+          <p:cNvPr id="6" name="Slide Number Placeholder 5"/>
           <p:cNvSpPr>
             <a:spLocks noGrp="1"/>
           </p:cNvSpPr>
@@ -3264,8 +3379,8 @@
         </p:nvSpPr>
         <p:spPr>
           <a:xfrm>
-            <a:off x="8610600" y="6356350"/>
-            <a:ext cx="2743200" cy="365125"/>
+            <a:off x="6457950" y="6356351"/>
+            <a:ext cx="2057400" cy="365125"/>
           </a:xfrm>
           <a:prstGeom prst="rect">
             <a:avLst/>
@@ -3296,23 +3411,23 @@
     </p:spTree>
     <p:extLst>
       <p:ext uri="{BB962C8B-B14F-4D97-AF65-F5344CB8AC3E}">
-        <p14:creationId xmlns:p14="http://schemas.microsoft.com/office/powerpoint/2010/main" val="2456470507"/>
+        <p14:creationId xmlns:p14="http://schemas.microsoft.com/office/powerpoint/2010/main" val="2999156330"/>
       </p:ext>
     </p:extLst>
   </p:cSld>
   <p:clrMap bg1="lt1" tx1="dk1" bg2="lt2" tx2="dk2" accent1="accent1" accent2="accent2" accent3="accent3" accent4="accent4" accent5="accent5" accent6="accent6" hlink="hlink" folHlink="folHlink"/>
   <p:sldLayoutIdLst>
-    <p:sldLayoutId id="2147483649" r:id="rId1"/>
-    <p:sldLayoutId id="2147483650" r:id="rId2"/>
-    <p:sldLayoutId id="2147483651" r:id="rId3"/>
-    <p:sldLayoutId id="2147483652" r:id="rId4"/>
-    <p:sldLayoutId id="2147483653" r:id="rId5"/>
-    <p:sldLayoutId id="2147483654" r:id="rId6"/>
-    <p:sldLayoutId id="2147483655" r:id="rId7"/>
-    <p:sldLayoutId id="2147483656" r:id="rId8"/>
-    <p:sldLayoutId id="2147483657" r:id="rId9"/>
-    <p:sldLayoutId id="2147483658" r:id="rId10"/>
-    <p:sldLayoutId id="2147483659" r:id="rId11"/>
+    <p:sldLayoutId id="2147483661" r:id="rId1"/>
+    <p:sldLayoutId id="2147483662" r:id="rId2"/>
+    <p:sldLayoutId id="2147483663" r:id="rId3"/>
+    <p:sldLayoutId id="2147483664" r:id="rId4"/>
+    <p:sldLayoutId id="2147483665" r:id="rId5"/>
+    <p:sldLayoutId id="2147483666" r:id="rId6"/>
+    <p:sldLayoutId id="2147483667" r:id="rId7"/>
+    <p:sldLayoutId id="2147483668" r:id="rId8"/>
+    <p:sldLayoutId id="2147483669" r:id="rId9"/>
+    <p:sldLayoutId id="2147483670" r:id="rId10"/>
+    <p:sldLayoutId id="2147483671" r:id="rId11"/>
   </p:sldLayoutIdLst>
   <p:txStyles>
     <p:titleStyle>
@@ -3500,7 +3615,7 @@
     </p:bodyStyle>
     <p:otherStyle>
       <a:defPPr>
-        <a:defRPr lang="ja-JP"/>
+        <a:defRPr lang="en-US"/>
       </a:defPPr>
       <a:lvl1pPr marL="0" algn="l" defTabSz="914400" rtl="0" eaLnBrk="1" latinLnBrk="0" hangingPunct="1">
         <a:defRPr kumimoji="1" sz="1800" kern="1200">
@@ -3616,10 +3731,10 @@
       </p:grpSpPr>
       <p:grpSp>
         <p:nvGrpSpPr>
-          <p:cNvPr id="44" name="グループ化 43">
+          <p:cNvPr id="109" name="グループ化 108">
             <a:extLst>
               <a:ext uri="{FF2B5EF4-FFF2-40B4-BE49-F238E27FC236}">
-                <a16:creationId xmlns:a16="http://schemas.microsoft.com/office/drawing/2014/main" id="{4AC4D6AA-5A73-50D6-809B-24D1F694A6F1}"/>
+                <a16:creationId xmlns:a16="http://schemas.microsoft.com/office/drawing/2014/main" id="{8C680029-3AC6-C51F-2BD4-4AA88DAB25CF}"/>
               </a:ext>
             </a:extLst>
           </p:cNvPr>
@@ -3628,10 +3743,10 @@
         </p:nvGrpSpPr>
         <p:grpSpPr>
           <a:xfrm>
-            <a:off x="766011" y="395035"/>
-            <a:ext cx="10659978" cy="6067929"/>
-            <a:chOff x="581527" y="128337"/>
-            <a:chExt cx="10659978" cy="6067929"/>
+            <a:off x="280799" y="212437"/>
+            <a:ext cx="8672398" cy="6416108"/>
+            <a:chOff x="280799" y="212437"/>
+            <a:chExt cx="8672398" cy="6416108"/>
           </a:xfrm>
         </p:grpSpPr>
         <p:sp>
@@ -3648,18 +3763,16 @@
           </p:nvSpPr>
           <p:spPr>
             <a:xfrm>
-              <a:off x="581527" y="1199148"/>
-              <a:ext cx="10659978" cy="713874"/>
+              <a:off x="280802" y="1151296"/>
+              <a:ext cx="5168266" cy="716315"/>
             </a:xfrm>
             <a:prstGeom prst="roundRect">
               <a:avLst/>
             </a:prstGeom>
             <a:solidFill>
-              <a:schemeClr val="bg2">
-                <a:lumMod val="90000"/>
-              </a:schemeClr>
+              <a:schemeClr val="bg2"/>
             </a:solidFill>
-            <a:ln>
+            <a:ln w="12700">
               <a:solidFill>
                 <a:schemeClr val="tx1"/>
               </a:solidFill>
@@ -3687,27 +3800,27 @@
             <a:p>
               <a:pPr algn="ctr"/>
               <a:r>
-                <a:rPr lang="en-US" altLang="ja-JP" dirty="0">
+                <a:rPr lang="en-US" altLang="ja-JP" sz="1350" b="1" dirty="0">
                   <a:solidFill>
                     <a:schemeClr val="tx1"/>
                   </a:solidFill>
                   <a:latin typeface="Times New Roman" panose="02020603050405020304" pitchFamily="18" charset="0"/>
                   <a:cs typeface="Times New Roman" panose="02020603050405020304" pitchFamily="18" charset="0"/>
                 </a:rPr>
-                <a:t>The JMDP office sent out 11,049 HLA match letters to matched donors from September 2021 to February 2022.</a:t>
+                <a:t>Experimental Subjects (N = 11,154)</a:t>
               </a:r>
             </a:p>
             <a:p>
               <a:pPr algn="ctr"/>
               <a:r>
-                <a:rPr lang="en-US" altLang="ja-JP" dirty="0">
+                <a:rPr lang="en-US" altLang="ja-JP" sz="1350" dirty="0">
                   <a:solidFill>
                     <a:schemeClr val="tx1"/>
                   </a:solidFill>
                   <a:latin typeface="Times New Roman" panose="02020603050405020304" pitchFamily="18" charset="0"/>
                   <a:cs typeface="Times New Roman" panose="02020603050405020304" pitchFamily="18" charset="0"/>
                 </a:rPr>
-                <a:t>(Experimental subjects)</a:t>
+                <a:t>The JMDP office sent out an HLA match letter to matched donors from September 2021 to February 2022.</a:t>
               </a:r>
             </a:p>
           </p:txBody>
@@ -3726,16 +3839,16 @@
           </p:nvSpPr>
           <p:spPr>
             <a:xfrm>
-              <a:off x="581527" y="2269959"/>
-              <a:ext cx="10659978" cy="713874"/>
+              <a:off x="280799" y="3274101"/>
+              <a:ext cx="5168267" cy="535406"/>
             </a:xfrm>
             <a:prstGeom prst="roundRect">
               <a:avLst/>
             </a:prstGeom>
             <a:solidFill>
-              <a:schemeClr val="bg1"/>
+              <a:schemeClr val="bg2"/>
             </a:solidFill>
-            <a:ln>
+            <a:ln w="12700">
               <a:solidFill>
                 <a:schemeClr val="tx1"/>
               </a:solidFill>
@@ -3763,65 +3876,41 @@
             <a:p>
               <a:pPr algn="ctr"/>
               <a:r>
-                <a:rPr lang="en-US" altLang="ja-JP" dirty="0">
+                <a:rPr lang="en-US" altLang="ja-JP" sz="1350" b="1" dirty="0">
                   <a:solidFill>
                     <a:schemeClr val="tx1"/>
                   </a:solidFill>
                   <a:latin typeface="Times New Roman" panose="02020603050405020304" pitchFamily="18" charset="0"/>
                   <a:cs typeface="Times New Roman" panose="02020603050405020304" pitchFamily="18" charset="0"/>
                 </a:rPr>
-                <a:t>9,738 coordination cases where matched donors responded to HLA match letters.</a:t>
+                <a:t>Response (N = 6,142)</a:t>
+              </a:r>
+            </a:p>
+            <a:p>
+              <a:pPr algn="ctr"/>
+              <a:r>
+                <a:rPr lang="en-US" altLang="ja-JP" sz="1350" dirty="0">
+                  <a:solidFill>
+                    <a:schemeClr val="tx1"/>
+                  </a:solidFill>
+                  <a:latin typeface="Times New Roman" panose="02020603050405020304" pitchFamily="18" charset="0"/>
+                  <a:cs typeface="Times New Roman" panose="02020603050405020304" pitchFamily="18" charset="0"/>
+                </a:rPr>
+                <a:t>A matched donor responded to the letter with the willingness to donate.</a:t>
+              </a:r>
+              <a:r>
+                <a:rPr lang="en-US" altLang="ja-JP" sz="1350" b="1" dirty="0">
+                  <a:solidFill>
+                    <a:schemeClr val="tx1"/>
+                  </a:solidFill>
+                  <a:latin typeface="Times New Roman" panose="02020603050405020304" pitchFamily="18" charset="0"/>
+                  <a:cs typeface="Times New Roman" panose="02020603050405020304" pitchFamily="18" charset="0"/>
+                </a:rPr>
+                <a:t> </a:t>
               </a:r>
             </a:p>
           </p:txBody>
         </p:sp>
-        <p:cxnSp>
-          <p:nvCxnSpPr>
-            <p:cNvPr id="7" name="直線矢印コネクタ 6">
-              <a:extLst>
-                <a:ext uri="{FF2B5EF4-FFF2-40B4-BE49-F238E27FC236}">
-                  <a16:creationId xmlns:a16="http://schemas.microsoft.com/office/drawing/2014/main" id="{A9CBA9C4-08F4-97E9-4B7C-A7A152F3E7B7}"/>
-                </a:ext>
-              </a:extLst>
-            </p:cNvPr>
-            <p:cNvCxnSpPr>
-              <a:cxnSpLocks/>
-              <a:stCxn id="4" idx="2"/>
-              <a:endCxn id="5" idx="0"/>
-            </p:cNvCxnSpPr>
-            <p:nvPr/>
-          </p:nvCxnSpPr>
-          <p:spPr>
-            <a:xfrm>
-              <a:off x="5911516" y="1913022"/>
-              <a:ext cx="0" cy="356937"/>
-            </a:xfrm>
-            <a:prstGeom prst="straightConnector1">
-              <a:avLst/>
-            </a:prstGeom>
-            <a:ln>
-              <a:solidFill>
-                <a:schemeClr val="tx1"/>
-              </a:solidFill>
-              <a:headEnd type="none" w="med" len="med"/>
-              <a:tailEnd type="arrow" w="med" len="med"/>
-            </a:ln>
-          </p:spPr>
-          <p:style>
-            <a:lnRef idx="2">
-              <a:schemeClr val="accent1"/>
-            </a:lnRef>
-            <a:fillRef idx="0">
-              <a:schemeClr val="accent1"/>
-            </a:fillRef>
-            <a:effectRef idx="1">
-              <a:schemeClr val="accent1"/>
-            </a:effectRef>
-            <a:fontRef idx="minor">
-              <a:schemeClr val="tx1"/>
-            </a:fontRef>
-          </p:style>
-        </p:cxnSp>
         <p:sp>
           <p:nvSpPr>
             <p:cNvPr id="9" name="四角形: 角を丸くする 8">
@@ -3836,16 +3925,16 @@
           </p:nvSpPr>
           <p:spPr>
             <a:xfrm>
-              <a:off x="581527" y="128337"/>
-              <a:ext cx="10659978" cy="713874"/>
+              <a:off x="280802" y="212437"/>
+              <a:ext cx="5168266" cy="716314"/>
             </a:xfrm>
             <a:prstGeom prst="roundRect">
               <a:avLst/>
             </a:prstGeom>
             <a:solidFill>
-              <a:schemeClr val="bg1"/>
+              <a:schemeClr val="bg2"/>
             </a:solidFill>
-            <a:ln>
+            <a:ln w="12700">
               <a:solidFill>
                 <a:schemeClr val="tx1"/>
               </a:solidFill>
@@ -3873,7 +3962,20 @@
             <a:p>
               <a:pPr algn="ctr"/>
               <a:r>
-                <a:rPr lang="en-US" altLang="ja-JP" dirty="0">
+                <a:rPr lang="en-US" altLang="ja-JP" sz="1350" b="1" dirty="0">
+                  <a:solidFill>
+                    <a:schemeClr val="tx1"/>
+                  </a:solidFill>
+                  <a:latin typeface="Times New Roman" panose="02020603050405020304" pitchFamily="18" charset="0"/>
+                  <a:cs typeface="Times New Roman" panose="02020603050405020304" pitchFamily="18" charset="0"/>
+                </a:rPr>
+                <a:t>Initial Selection (N = 11,154)</a:t>
+              </a:r>
+            </a:p>
+            <a:p>
+              <a:pPr algn="ctr"/>
+              <a:r>
+                <a:rPr lang="en-US" altLang="ja-JP" sz="1350" dirty="0">
                   <a:solidFill>
                     <a:schemeClr val="tx1"/>
                   </a:solidFill>
@@ -3883,7 +3985,7 @@
                 <a:t>A physician selected up to 10 matched donors</a:t>
               </a:r>
               <a:r>
-                <a:rPr lang="ja-JP" altLang="en-US" dirty="0">
+                <a:rPr lang="ja-JP" altLang="en-US" sz="1350" dirty="0">
                   <a:solidFill>
                     <a:schemeClr val="tx1"/>
                   </a:solidFill>
@@ -3893,7 +3995,7 @@
                 <a:t> </a:t>
               </a:r>
               <a:r>
-                <a:rPr lang="en-US" altLang="ja-JP" dirty="0">
+                <a:rPr lang="en-US" altLang="ja-JP" sz="1350" dirty="0">
                   <a:solidFill>
                     <a:schemeClr val="tx1"/>
                   </a:solidFill>
@@ -3923,13 +4025,13 @@
           </p:nvCxnSpPr>
           <p:spPr>
             <a:xfrm>
-              <a:off x="5911516" y="842211"/>
-              <a:ext cx="0" cy="356937"/>
+              <a:off x="2864935" y="928751"/>
+              <a:ext cx="0" cy="222545"/>
             </a:xfrm>
             <a:prstGeom prst="straightConnector1">
               <a:avLst/>
             </a:prstGeom>
-            <a:ln>
+            <a:ln w="12700">
               <a:solidFill>
                 <a:schemeClr val="tx1"/>
               </a:solidFill>
@@ -3966,16 +4068,16 @@
           </p:nvSpPr>
           <p:spPr>
             <a:xfrm>
-              <a:off x="581527" y="3340770"/>
-              <a:ext cx="10659978" cy="713874"/>
+              <a:off x="280801" y="4166062"/>
+              <a:ext cx="5168265" cy="535406"/>
             </a:xfrm>
             <a:prstGeom prst="roundRect">
               <a:avLst/>
             </a:prstGeom>
             <a:solidFill>
-              <a:schemeClr val="bg1"/>
+              <a:schemeClr val="bg2"/>
             </a:solidFill>
-            <a:ln>
+            <a:ln w="12700">
               <a:solidFill>
                 <a:schemeClr val="tx1"/>
               </a:solidFill>
@@ -4003,65 +4105,31 @@
             <a:p>
               <a:pPr algn="ctr"/>
               <a:r>
-                <a:rPr lang="en-US" altLang="ja-JP" dirty="0">
+                <a:rPr lang="en-US" altLang="ja-JP" sz="1350" b="1" dirty="0">
                   <a:solidFill>
                     <a:schemeClr val="tx1"/>
                   </a:solidFill>
                   <a:latin typeface="Times New Roman" panose="02020603050405020304" pitchFamily="18" charset="0"/>
                   <a:cs typeface="Times New Roman" panose="02020603050405020304" pitchFamily="18" charset="0"/>
                 </a:rPr>
-                <a:t>2,651 coordination cases where matched donors completed confirmatory typing (CT stage).</a:t>
+                <a:t>CT (N = 2,651)</a:t>
+              </a:r>
+            </a:p>
+            <a:p>
+              <a:pPr algn="ctr"/>
+              <a:r>
+                <a:rPr lang="en-US" altLang="ja-JP" sz="1350" dirty="0">
+                  <a:solidFill>
+                    <a:schemeClr val="tx1"/>
+                  </a:solidFill>
+                  <a:latin typeface="Times New Roman" panose="02020603050405020304" pitchFamily="18" charset="0"/>
+                  <a:cs typeface="Times New Roman" panose="02020603050405020304" pitchFamily="18" charset="0"/>
+                </a:rPr>
+                <a:t>A matched donors completed confirmatory typing.</a:t>
               </a:r>
             </a:p>
           </p:txBody>
         </p:sp>
-        <p:cxnSp>
-          <p:nvCxnSpPr>
-            <p:cNvPr id="17" name="直線矢印コネクタ 16">
-              <a:extLst>
-                <a:ext uri="{FF2B5EF4-FFF2-40B4-BE49-F238E27FC236}">
-                  <a16:creationId xmlns:a16="http://schemas.microsoft.com/office/drawing/2014/main" id="{C2158755-2AC7-22BD-1723-55EDF7CB70B2}"/>
-                </a:ext>
-              </a:extLst>
-            </p:cNvPr>
-            <p:cNvCxnSpPr>
-              <a:cxnSpLocks/>
-              <a:stCxn id="5" idx="2"/>
-              <a:endCxn id="16" idx="0"/>
-            </p:cNvCxnSpPr>
-            <p:nvPr/>
-          </p:nvCxnSpPr>
-          <p:spPr>
-            <a:xfrm>
-              <a:off x="5911516" y="2983833"/>
-              <a:ext cx="0" cy="356937"/>
-            </a:xfrm>
-            <a:prstGeom prst="straightConnector1">
-              <a:avLst/>
-            </a:prstGeom>
-            <a:ln>
-              <a:solidFill>
-                <a:schemeClr val="tx1"/>
-              </a:solidFill>
-              <a:headEnd type="none" w="med" len="med"/>
-              <a:tailEnd type="arrow" w="med" len="med"/>
-            </a:ln>
-          </p:spPr>
-          <p:style>
-            <a:lnRef idx="2">
-              <a:schemeClr val="accent1"/>
-            </a:lnRef>
-            <a:fillRef idx="0">
-              <a:schemeClr val="accent1"/>
-            </a:fillRef>
-            <a:effectRef idx="1">
-              <a:schemeClr val="accent1"/>
-            </a:effectRef>
-            <a:fontRef idx="minor">
-              <a:schemeClr val="tx1"/>
-            </a:fontRef>
-          </p:style>
-        </p:cxnSp>
         <p:sp>
           <p:nvSpPr>
             <p:cNvPr id="21" name="四角形: 角を丸くする 20">
@@ -4076,16 +4144,16 @@
           </p:nvSpPr>
           <p:spPr>
             <a:xfrm>
-              <a:off x="581527" y="4411581"/>
-              <a:ext cx="10659978" cy="713874"/>
+              <a:off x="280799" y="5058024"/>
+              <a:ext cx="5168267" cy="692191"/>
             </a:xfrm>
             <a:prstGeom prst="roundRect">
               <a:avLst/>
             </a:prstGeom>
             <a:solidFill>
-              <a:schemeClr val="bg1"/>
+              <a:schemeClr val="bg2"/>
             </a:solidFill>
-            <a:ln>
+            <a:ln w="12700">
               <a:solidFill>
                 <a:schemeClr val="tx1"/>
               </a:solidFill>
@@ -4113,65 +4181,31 @@
             <a:p>
               <a:pPr algn="ctr"/>
               <a:r>
-                <a:rPr lang="en-US" altLang="ja-JP" dirty="0">
+                <a:rPr lang="en-US" altLang="ja-JP" sz="1350" b="1" dirty="0">
                   <a:solidFill>
                     <a:schemeClr val="tx1"/>
                   </a:solidFill>
                   <a:latin typeface="Times New Roman" panose="02020603050405020304" pitchFamily="18" charset="0"/>
                   <a:cs typeface="Times New Roman" panose="02020603050405020304" pitchFamily="18" charset="0"/>
                 </a:rPr>
-                <a:t>701 coordination cases where matched donors were selected by physicians and proceeded to final consent. </a:t>
+                <a:t>Final Selection (N = 701)</a:t>
+              </a:r>
+            </a:p>
+            <a:p>
+              <a:pPr algn="ctr"/>
+              <a:r>
+                <a:rPr lang="en-US" altLang="ja-JP" sz="1350" dirty="0">
+                  <a:solidFill>
+                    <a:schemeClr val="tx1"/>
+                  </a:solidFill>
+                  <a:latin typeface="Times New Roman" panose="02020603050405020304" pitchFamily="18" charset="0"/>
+                  <a:cs typeface="Times New Roman" panose="02020603050405020304" pitchFamily="18" charset="0"/>
+                </a:rPr>
+                <a:t>A matched donors were selected by physicians and proceeded to final consent and donation. </a:t>
               </a:r>
             </a:p>
           </p:txBody>
         </p:sp>
-        <p:cxnSp>
-          <p:nvCxnSpPr>
-            <p:cNvPr id="34" name="直線矢印コネクタ 33">
-              <a:extLst>
-                <a:ext uri="{FF2B5EF4-FFF2-40B4-BE49-F238E27FC236}">
-                  <a16:creationId xmlns:a16="http://schemas.microsoft.com/office/drawing/2014/main" id="{23A24C6E-1C1B-D197-96E3-6F9401863424}"/>
-                </a:ext>
-              </a:extLst>
-            </p:cNvPr>
-            <p:cNvCxnSpPr>
-              <a:cxnSpLocks/>
-              <a:stCxn id="16" idx="2"/>
-              <a:endCxn id="21" idx="0"/>
-            </p:cNvCxnSpPr>
-            <p:nvPr/>
-          </p:nvCxnSpPr>
-          <p:spPr>
-            <a:xfrm>
-              <a:off x="5911516" y="4054644"/>
-              <a:ext cx="0" cy="356937"/>
-            </a:xfrm>
-            <a:prstGeom prst="straightConnector1">
-              <a:avLst/>
-            </a:prstGeom>
-            <a:ln>
-              <a:solidFill>
-                <a:schemeClr val="tx1"/>
-              </a:solidFill>
-              <a:headEnd type="none" w="med" len="med"/>
-              <a:tailEnd type="arrow" w="med" len="med"/>
-            </a:ln>
-          </p:spPr>
-          <p:style>
-            <a:lnRef idx="2">
-              <a:schemeClr val="accent1"/>
-            </a:lnRef>
-            <a:fillRef idx="0">
-              <a:schemeClr val="accent1"/>
-            </a:fillRef>
-            <a:effectRef idx="1">
-              <a:schemeClr val="accent1"/>
-            </a:effectRef>
-            <a:fontRef idx="minor">
-              <a:schemeClr val="tx1"/>
-            </a:fontRef>
-          </p:style>
-        </p:cxnSp>
         <p:sp>
           <p:nvSpPr>
             <p:cNvPr id="40" name="四角形: 角を丸くする 39">
@@ -4186,16 +4220,16 @@
           </p:nvSpPr>
           <p:spPr>
             <a:xfrm>
-              <a:off x="581527" y="5482392"/>
-              <a:ext cx="10659978" cy="713874"/>
+              <a:off x="280799" y="6093139"/>
+              <a:ext cx="5168268" cy="535406"/>
             </a:xfrm>
             <a:prstGeom prst="roundRect">
               <a:avLst/>
             </a:prstGeom>
             <a:solidFill>
-              <a:schemeClr val="bg1"/>
+              <a:schemeClr val="bg2"/>
             </a:solidFill>
-            <a:ln>
+            <a:ln w="12700">
               <a:solidFill>
                 <a:schemeClr val="tx1"/>
               </a:solidFill>
@@ -4223,24 +4257,442 @@
             <a:p>
               <a:pPr algn="ctr"/>
               <a:r>
-                <a:rPr lang="en-US" altLang="ja-JP" dirty="0">
+                <a:rPr lang="en-US" altLang="ja-JP" sz="1350" b="1" dirty="0">
                   <a:solidFill>
                     <a:schemeClr val="tx1"/>
                   </a:solidFill>
                   <a:latin typeface="Times New Roman" panose="02020603050405020304" pitchFamily="18" charset="0"/>
                   <a:cs typeface="Times New Roman" panose="02020603050405020304" pitchFamily="18" charset="0"/>
                 </a:rPr>
-                <a:t>503 coordination cases where stem cells were collected from matched donors. </a:t>
+                <a:t>Donation (N = 503)</a:t>
+              </a:r>
+            </a:p>
+            <a:p>
+              <a:pPr algn="ctr"/>
+              <a:r>
+                <a:rPr lang="en-US" altLang="ja-JP" sz="1350" dirty="0">
+                  <a:solidFill>
+                    <a:schemeClr val="tx1"/>
+                  </a:solidFill>
+                  <a:latin typeface="Times New Roman" panose="02020603050405020304" pitchFamily="18" charset="0"/>
+                  <a:cs typeface="Times New Roman" panose="02020603050405020304" pitchFamily="18" charset="0"/>
+                </a:rPr>
+                <a:t>Stem cells were collected from a matched donor. </a:t>
+              </a:r>
+            </a:p>
+          </p:txBody>
+        </p:sp>
+        <p:sp>
+          <p:nvSpPr>
+            <p:cNvPr id="25" name="四角形: 角を丸くする 24">
+              <a:extLst>
+                <a:ext uri="{FF2B5EF4-FFF2-40B4-BE49-F238E27FC236}">
+                  <a16:creationId xmlns:a16="http://schemas.microsoft.com/office/drawing/2014/main" id="{0B0AE75D-0534-052A-472A-3A533759D735}"/>
+                </a:ext>
+              </a:extLst>
+            </p:cNvPr>
+            <p:cNvSpPr/>
+            <p:nvPr/>
+          </p:nvSpPr>
+          <p:spPr>
+            <a:xfrm>
+              <a:off x="5610707" y="1419580"/>
+              <a:ext cx="3317289" cy="1047201"/>
+            </a:xfrm>
+            <a:prstGeom prst="roundRect">
+              <a:avLst/>
+            </a:prstGeom>
+            <a:solidFill>
+              <a:schemeClr val="bg1"/>
+            </a:solidFill>
+            <a:ln w="12700">
+              <a:solidFill>
+                <a:schemeClr val="tx1"/>
+              </a:solidFill>
+            </a:ln>
+          </p:spPr>
+          <p:style>
+            <a:lnRef idx="2">
+              <a:schemeClr val="accent1">
+                <a:shade val="15000"/>
+              </a:schemeClr>
+            </a:lnRef>
+            <a:fillRef idx="1">
+              <a:schemeClr val="accent1"/>
+            </a:fillRef>
+            <a:effectRef idx="0">
+              <a:schemeClr val="accent1"/>
+            </a:effectRef>
+            <a:fontRef idx="minor">
+              <a:schemeClr val="lt1"/>
+            </a:fontRef>
+          </p:style>
+          <p:txBody>
+            <a:bodyPr rtlCol="0" anchor="ctr"/>
+            <a:lstStyle/>
+            <a:p>
+              <a:pPr algn="ctr"/>
+              <a:r>
+                <a:rPr lang="en-US" altLang="ja-JP" sz="1350" b="1" dirty="0">
+                  <a:solidFill>
+                    <a:schemeClr val="tx1"/>
+                  </a:solidFill>
+                  <a:latin typeface="Times New Roman" panose="02020603050405020304" pitchFamily="18" charset="0"/>
+                  <a:cs typeface="Times New Roman" panose="02020603050405020304" pitchFamily="18" charset="0"/>
+                </a:rPr>
+                <a:t>Excluded (N = 105)</a:t>
+              </a:r>
+            </a:p>
+            <a:p>
+              <a:pPr marL="214313" indent="-214313">
+                <a:buFont typeface="Arial" panose="020B0604020202020204" pitchFamily="34" charset="0"/>
+                <a:buChar char="•"/>
+              </a:pPr>
+              <a:r>
+                <a:rPr lang="en-US" altLang="ja-JP" sz="1350" dirty="0">
+                  <a:solidFill>
+                    <a:schemeClr val="tx1"/>
+                  </a:solidFill>
+                  <a:latin typeface="Times New Roman" panose="02020603050405020304" pitchFamily="18" charset="0"/>
+                  <a:cs typeface="Times New Roman" panose="02020603050405020304" pitchFamily="18" charset="0"/>
+                </a:rPr>
+                <a:t>Coordination involving a matched donor lived abroad (N = 1)</a:t>
+              </a:r>
+            </a:p>
+            <a:p>
+              <a:pPr marL="214313" indent="-214313">
+                <a:buFont typeface="Arial" panose="020B0604020202020204" pitchFamily="34" charset="0"/>
+                <a:buChar char="•"/>
+              </a:pPr>
+              <a:r>
+                <a:rPr lang="en-US" altLang="ja-JP" sz="1350" dirty="0">
+                  <a:solidFill>
+                    <a:schemeClr val="tx1"/>
+                  </a:solidFill>
+                  <a:latin typeface="Times New Roman" panose="02020603050405020304" pitchFamily="18" charset="0"/>
+                  <a:cs typeface="Times New Roman" panose="02020603050405020304" pitchFamily="18" charset="0"/>
+                </a:rPr>
+                <a:t>Ongoing coordination at the time of data collection (N = 104)</a:t>
+              </a:r>
+            </a:p>
+          </p:txBody>
+        </p:sp>
+        <p:sp>
+          <p:nvSpPr>
+            <p:cNvPr id="33" name="四角形: 角を丸くする 32">
+              <a:extLst>
+                <a:ext uri="{FF2B5EF4-FFF2-40B4-BE49-F238E27FC236}">
+                  <a16:creationId xmlns:a16="http://schemas.microsoft.com/office/drawing/2014/main" id="{51F47837-B9FD-C825-EE73-D3F9BFFEB919}"/>
+                </a:ext>
+              </a:extLst>
+            </p:cNvPr>
+            <p:cNvSpPr/>
+            <p:nvPr/>
+          </p:nvSpPr>
+          <p:spPr>
+            <a:xfrm>
+              <a:off x="280799" y="2083863"/>
+              <a:ext cx="5168267" cy="716696"/>
+            </a:xfrm>
+            <a:prstGeom prst="roundRect">
+              <a:avLst/>
+            </a:prstGeom>
+            <a:solidFill>
+              <a:schemeClr val="bg2"/>
+            </a:solidFill>
+            <a:ln w="12700">
+              <a:solidFill>
+                <a:schemeClr val="tx1"/>
+              </a:solidFill>
+            </a:ln>
+          </p:spPr>
+          <p:style>
+            <a:lnRef idx="2">
+              <a:schemeClr val="accent1">
+                <a:shade val="15000"/>
+              </a:schemeClr>
+            </a:lnRef>
+            <a:fillRef idx="1">
+              <a:schemeClr val="accent1"/>
+            </a:fillRef>
+            <a:effectRef idx="0">
+              <a:schemeClr val="accent1"/>
+            </a:effectRef>
+            <a:fontRef idx="minor">
+              <a:schemeClr val="lt1"/>
+            </a:fontRef>
+          </p:style>
+          <p:txBody>
+            <a:bodyPr rtlCol="0" anchor="ctr"/>
+            <a:lstStyle/>
+            <a:p>
+              <a:pPr algn="ctr"/>
+              <a:r>
+                <a:rPr lang="en-US" altLang="ja-JP" sz="1350" b="1" dirty="0">
+                  <a:solidFill>
+                    <a:schemeClr val="tx1"/>
+                  </a:solidFill>
+                  <a:latin typeface="Times New Roman" panose="02020603050405020304" pitchFamily="18" charset="0"/>
+                  <a:cs typeface="Times New Roman" panose="02020603050405020304" pitchFamily="18" charset="0"/>
+                </a:rPr>
+                <a:t>Analysis Sample (N = 11,049)</a:t>
+              </a:r>
+            </a:p>
+            <a:p>
+              <a:pPr algn="ctr"/>
+              <a:r>
+                <a:rPr lang="en-US" altLang="ja-JP" sz="1350" dirty="0">
+                  <a:solidFill>
+                    <a:schemeClr val="tx1"/>
+                  </a:solidFill>
+                  <a:latin typeface="Times New Roman" panose="02020603050405020304" pitchFamily="18" charset="0"/>
+                  <a:cs typeface="Times New Roman" panose="02020603050405020304" pitchFamily="18" charset="0"/>
+                </a:rPr>
+                <a:t>Completed or interrupted coordination involving a matched donor who lived in Japan.</a:t>
               </a:r>
             </a:p>
           </p:txBody>
         </p:sp>
         <p:cxnSp>
           <p:nvCxnSpPr>
-            <p:cNvPr id="41" name="直線矢印コネクタ 40">
+            <p:cNvPr id="51" name="直線矢印コネクタ 50">
               <a:extLst>
                 <a:ext uri="{FF2B5EF4-FFF2-40B4-BE49-F238E27FC236}">
-                  <a16:creationId xmlns:a16="http://schemas.microsoft.com/office/drawing/2014/main" id="{120F2294-3EE4-C30A-91DC-54253DB8925F}"/>
+                  <a16:creationId xmlns:a16="http://schemas.microsoft.com/office/drawing/2014/main" id="{6F99A2E3-0190-D0A4-8560-D905E0990411}"/>
+                </a:ext>
+              </a:extLst>
+            </p:cNvPr>
+            <p:cNvCxnSpPr>
+              <a:cxnSpLocks/>
+              <a:stCxn id="4" idx="2"/>
+              <a:endCxn id="33" idx="0"/>
+            </p:cNvCxnSpPr>
+            <p:nvPr/>
+          </p:nvCxnSpPr>
+          <p:spPr>
+            <a:xfrm flipH="1">
+              <a:off x="2864933" y="1867611"/>
+              <a:ext cx="2" cy="216252"/>
+            </a:xfrm>
+            <a:prstGeom prst="straightConnector1">
+              <a:avLst/>
+            </a:prstGeom>
+            <a:ln w="12700">
+              <a:solidFill>
+                <a:schemeClr val="tx1"/>
+              </a:solidFill>
+              <a:headEnd type="none" w="med" len="med"/>
+              <a:tailEnd type="arrow" w="med" len="med"/>
+            </a:ln>
+          </p:spPr>
+          <p:style>
+            <a:lnRef idx="2">
+              <a:schemeClr val="accent1"/>
+            </a:lnRef>
+            <a:fillRef idx="0">
+              <a:schemeClr val="accent1"/>
+            </a:fillRef>
+            <a:effectRef idx="1">
+              <a:schemeClr val="accent1"/>
+            </a:effectRef>
+            <a:fontRef idx="minor">
+              <a:schemeClr val="tx1"/>
+            </a:fontRef>
+          </p:style>
+        </p:cxnSp>
+        <p:cxnSp>
+          <p:nvCxnSpPr>
+            <p:cNvPr id="54" name="直線矢印コネクタ 53">
+              <a:extLst>
+                <a:ext uri="{FF2B5EF4-FFF2-40B4-BE49-F238E27FC236}">
+                  <a16:creationId xmlns:a16="http://schemas.microsoft.com/office/drawing/2014/main" id="{3AB16172-137D-6A44-4715-FE8E2DE17C6D}"/>
+                </a:ext>
+              </a:extLst>
+            </p:cNvPr>
+            <p:cNvCxnSpPr>
+              <a:cxnSpLocks/>
+              <a:endCxn id="25" idx="1"/>
+            </p:cNvCxnSpPr>
+            <p:nvPr/>
+          </p:nvCxnSpPr>
+          <p:spPr>
+            <a:xfrm flipV="1">
+              <a:off x="2864932" y="1943181"/>
+              <a:ext cx="2745775" cy="1472"/>
+            </a:xfrm>
+            <a:prstGeom prst="straightConnector1">
+              <a:avLst/>
+            </a:prstGeom>
+            <a:ln w="12700">
+              <a:solidFill>
+                <a:schemeClr val="tx1"/>
+              </a:solidFill>
+              <a:headEnd type="none" w="med" len="med"/>
+              <a:tailEnd type="arrow" w="med" len="med"/>
+            </a:ln>
+          </p:spPr>
+          <p:style>
+            <a:lnRef idx="2">
+              <a:schemeClr val="accent1"/>
+            </a:lnRef>
+            <a:fillRef idx="0">
+              <a:schemeClr val="accent1"/>
+            </a:fillRef>
+            <a:effectRef idx="1">
+              <a:schemeClr val="accent1"/>
+            </a:effectRef>
+            <a:fontRef idx="minor">
+              <a:schemeClr val="tx1"/>
+            </a:fontRef>
+          </p:style>
+        </p:cxnSp>
+        <p:cxnSp>
+          <p:nvCxnSpPr>
+            <p:cNvPr id="58" name="直線矢印コネクタ 57">
+              <a:extLst>
+                <a:ext uri="{FF2B5EF4-FFF2-40B4-BE49-F238E27FC236}">
+                  <a16:creationId xmlns:a16="http://schemas.microsoft.com/office/drawing/2014/main" id="{64CEF9B8-A21B-2A7C-3023-2DBCFD12B232}"/>
+                </a:ext>
+              </a:extLst>
+            </p:cNvPr>
+            <p:cNvCxnSpPr>
+              <a:cxnSpLocks/>
+              <a:stCxn id="33" idx="2"/>
+              <a:endCxn id="5" idx="0"/>
+            </p:cNvCxnSpPr>
+            <p:nvPr/>
+          </p:nvCxnSpPr>
+          <p:spPr>
+            <a:xfrm>
+              <a:off x="2864933" y="2800559"/>
+              <a:ext cx="0" cy="473542"/>
+            </a:xfrm>
+            <a:prstGeom prst="straightConnector1">
+              <a:avLst/>
+            </a:prstGeom>
+            <a:ln w="12700">
+              <a:solidFill>
+                <a:schemeClr val="tx1"/>
+              </a:solidFill>
+              <a:headEnd type="none" w="med" len="med"/>
+              <a:tailEnd type="arrow" w="med" len="med"/>
+            </a:ln>
+          </p:spPr>
+          <p:style>
+            <a:lnRef idx="2">
+              <a:schemeClr val="accent1"/>
+            </a:lnRef>
+            <a:fillRef idx="0">
+              <a:schemeClr val="accent1"/>
+            </a:fillRef>
+            <a:effectRef idx="1">
+              <a:schemeClr val="accent1"/>
+            </a:effectRef>
+            <a:fontRef idx="minor">
+              <a:schemeClr val="tx1"/>
+            </a:fontRef>
+          </p:style>
+        </p:cxnSp>
+        <p:cxnSp>
+          <p:nvCxnSpPr>
+            <p:cNvPr id="61" name="直線矢印コネクタ 60">
+              <a:extLst>
+                <a:ext uri="{FF2B5EF4-FFF2-40B4-BE49-F238E27FC236}">
+                  <a16:creationId xmlns:a16="http://schemas.microsoft.com/office/drawing/2014/main" id="{829E5E65-467D-4EB3-2548-094CFC9D2534}"/>
+                </a:ext>
+              </a:extLst>
+            </p:cNvPr>
+            <p:cNvCxnSpPr>
+              <a:cxnSpLocks/>
+              <a:stCxn id="5" idx="2"/>
+              <a:endCxn id="16" idx="0"/>
+            </p:cNvCxnSpPr>
+            <p:nvPr/>
+          </p:nvCxnSpPr>
+          <p:spPr>
+            <a:xfrm>
+              <a:off x="2864933" y="3809507"/>
+              <a:ext cx="1" cy="356555"/>
+            </a:xfrm>
+            <a:prstGeom prst="straightConnector1">
+              <a:avLst/>
+            </a:prstGeom>
+            <a:ln w="12700">
+              <a:solidFill>
+                <a:schemeClr val="tx1"/>
+              </a:solidFill>
+              <a:headEnd type="none" w="med" len="med"/>
+              <a:tailEnd type="arrow" w="med" len="med"/>
+            </a:ln>
+          </p:spPr>
+          <p:style>
+            <a:lnRef idx="2">
+              <a:schemeClr val="accent1"/>
+            </a:lnRef>
+            <a:fillRef idx="0">
+              <a:schemeClr val="accent1"/>
+            </a:fillRef>
+            <a:effectRef idx="1">
+              <a:schemeClr val="accent1"/>
+            </a:effectRef>
+            <a:fontRef idx="minor">
+              <a:schemeClr val="tx1"/>
+            </a:fontRef>
+          </p:style>
+        </p:cxnSp>
+        <p:cxnSp>
+          <p:nvCxnSpPr>
+            <p:cNvPr id="64" name="直線矢印コネクタ 63">
+              <a:extLst>
+                <a:ext uri="{FF2B5EF4-FFF2-40B4-BE49-F238E27FC236}">
+                  <a16:creationId xmlns:a16="http://schemas.microsoft.com/office/drawing/2014/main" id="{0E95743F-0C2D-4665-3C91-58314C2A2003}"/>
+                </a:ext>
+              </a:extLst>
+            </p:cNvPr>
+            <p:cNvCxnSpPr>
+              <a:cxnSpLocks/>
+              <a:stCxn id="16" idx="2"/>
+              <a:endCxn id="21" idx="0"/>
+            </p:cNvCxnSpPr>
+            <p:nvPr/>
+          </p:nvCxnSpPr>
+          <p:spPr>
+            <a:xfrm flipH="1">
+              <a:off x="2864933" y="4701468"/>
+              <a:ext cx="1" cy="356556"/>
+            </a:xfrm>
+            <a:prstGeom prst="straightConnector1">
+              <a:avLst/>
+            </a:prstGeom>
+            <a:ln w="12700">
+              <a:solidFill>
+                <a:schemeClr val="tx1"/>
+              </a:solidFill>
+              <a:headEnd type="none" w="med" len="med"/>
+              <a:tailEnd type="arrow" w="med" len="med"/>
+            </a:ln>
+          </p:spPr>
+          <p:style>
+            <a:lnRef idx="2">
+              <a:schemeClr val="accent1"/>
+            </a:lnRef>
+            <a:fillRef idx="0">
+              <a:schemeClr val="accent1"/>
+            </a:fillRef>
+            <a:effectRef idx="1">
+              <a:schemeClr val="accent1"/>
+            </a:effectRef>
+            <a:fontRef idx="minor">
+              <a:schemeClr val="tx1"/>
+            </a:fontRef>
+          </p:style>
+        </p:cxnSp>
+        <p:cxnSp>
+          <p:nvCxnSpPr>
+            <p:cNvPr id="67" name="直線矢印コネクタ 66">
+              <a:extLst>
+                <a:ext uri="{FF2B5EF4-FFF2-40B4-BE49-F238E27FC236}">
+                  <a16:creationId xmlns:a16="http://schemas.microsoft.com/office/drawing/2014/main" id="{1B6EBE48-5D4F-8B57-C4CF-EBF265B8BAD2}"/>
                 </a:ext>
               </a:extLst>
             </p:cNvPr>
@@ -4253,13 +4705,605 @@
           </p:nvCxnSpPr>
           <p:spPr>
             <a:xfrm>
-              <a:off x="5911516" y="5125455"/>
-              <a:ext cx="0" cy="356937"/>
+              <a:off x="2864933" y="5750215"/>
+              <a:ext cx="0" cy="342924"/>
             </a:xfrm>
             <a:prstGeom prst="straightConnector1">
               <a:avLst/>
             </a:prstGeom>
-            <a:ln>
+            <a:ln w="12700">
+              <a:solidFill>
+                <a:schemeClr val="tx1"/>
+              </a:solidFill>
+              <a:headEnd type="none" w="med" len="med"/>
+              <a:tailEnd type="arrow" w="med" len="med"/>
+            </a:ln>
+          </p:spPr>
+          <p:style>
+            <a:lnRef idx="2">
+              <a:schemeClr val="accent1"/>
+            </a:lnRef>
+            <a:fillRef idx="0">
+              <a:schemeClr val="accent1"/>
+            </a:fillRef>
+            <a:effectRef idx="1">
+              <a:schemeClr val="accent1"/>
+            </a:effectRef>
+            <a:fontRef idx="minor">
+              <a:schemeClr val="tx1"/>
+            </a:fontRef>
+          </p:style>
+        </p:cxnSp>
+        <p:sp>
+          <p:nvSpPr>
+            <p:cNvPr id="71" name="四角形: 角を丸くする 70">
+              <a:extLst>
+                <a:ext uri="{FF2B5EF4-FFF2-40B4-BE49-F238E27FC236}">
+                  <a16:creationId xmlns:a16="http://schemas.microsoft.com/office/drawing/2014/main" id="{F731286D-3F97-0F6C-80B9-259E319F8825}"/>
+                </a:ext>
+              </a:extLst>
+            </p:cNvPr>
+            <p:cNvSpPr/>
+            <p:nvPr/>
+          </p:nvSpPr>
+          <p:spPr>
+            <a:xfrm>
+              <a:off x="5610707" y="2542351"/>
+              <a:ext cx="3342490" cy="1150997"/>
+            </a:xfrm>
+            <a:prstGeom prst="roundRect">
+              <a:avLst/>
+            </a:prstGeom>
+            <a:solidFill>
+              <a:schemeClr val="bg1"/>
+            </a:solidFill>
+            <a:ln w="12700">
+              <a:solidFill>
+                <a:schemeClr val="tx1"/>
+              </a:solidFill>
+            </a:ln>
+          </p:spPr>
+          <p:style>
+            <a:lnRef idx="2">
+              <a:schemeClr val="accent1">
+                <a:shade val="15000"/>
+              </a:schemeClr>
+            </a:lnRef>
+            <a:fillRef idx="1">
+              <a:schemeClr val="accent1"/>
+            </a:fillRef>
+            <a:effectRef idx="0">
+              <a:schemeClr val="accent1"/>
+            </a:effectRef>
+            <a:fontRef idx="minor">
+              <a:schemeClr val="lt1"/>
+            </a:fontRef>
+          </p:style>
+          <p:txBody>
+            <a:bodyPr rtlCol="0" anchor="ctr"/>
+            <a:lstStyle/>
+            <a:p>
+              <a:pPr algn="ctr"/>
+              <a:r>
+                <a:rPr lang="en-US" altLang="ja-JP" sz="1350" b="1" dirty="0">
+                  <a:solidFill>
+                    <a:schemeClr val="tx1"/>
+                  </a:solidFill>
+                  <a:latin typeface="Times New Roman" panose="02020603050405020304" pitchFamily="18" charset="0"/>
+                  <a:cs typeface="Times New Roman" panose="02020603050405020304" pitchFamily="18" charset="0"/>
+                </a:rPr>
+                <a:t>Dropout (N = 4,907)</a:t>
+              </a:r>
+            </a:p>
+            <a:p>
+              <a:pPr marL="214313" indent="-214313">
+                <a:buFont typeface="Arial" panose="020B0604020202020204" pitchFamily="34" charset="0"/>
+                <a:buChar char="•"/>
+              </a:pPr>
+              <a:r>
+                <a:rPr lang="en-US" altLang="ja-JP" sz="1350" dirty="0">
+                  <a:solidFill>
+                    <a:schemeClr val="tx1"/>
+                  </a:solidFill>
+                  <a:latin typeface="Times New Roman" panose="02020603050405020304" pitchFamily="18" charset="0"/>
+                  <a:cs typeface="Times New Roman" panose="02020603050405020304" pitchFamily="18" charset="0"/>
+                </a:rPr>
+                <a:t>A matched donor did not respond</a:t>
+              </a:r>
+              <a:br>
+                <a:rPr lang="en-US" altLang="ja-JP" sz="1350" dirty="0">
+                  <a:solidFill>
+                    <a:schemeClr val="tx1"/>
+                  </a:solidFill>
+                  <a:latin typeface="Times New Roman" panose="02020603050405020304" pitchFamily="18" charset="0"/>
+                  <a:cs typeface="Times New Roman" panose="02020603050405020304" pitchFamily="18" charset="0"/>
+                </a:rPr>
+              </a:br>
+              <a:r>
+                <a:rPr lang="en-US" altLang="ja-JP" sz="1350" dirty="0">
+                  <a:solidFill>
+                    <a:schemeClr val="tx1"/>
+                  </a:solidFill>
+                  <a:latin typeface="Times New Roman" panose="02020603050405020304" pitchFamily="18" charset="0"/>
+                  <a:cs typeface="Times New Roman" panose="02020603050405020304" pitchFamily="18" charset="0"/>
+                </a:rPr>
+                <a:t>(N = 1,311)</a:t>
+              </a:r>
+            </a:p>
+            <a:p>
+              <a:pPr marL="214313" indent="-214313">
+                <a:buFont typeface="Arial" panose="020B0604020202020204" pitchFamily="34" charset="0"/>
+                <a:buChar char="•"/>
+              </a:pPr>
+              <a:r>
+                <a:rPr lang="en-US" altLang="ja-JP" sz="1350" dirty="0">
+                  <a:solidFill>
+                    <a:schemeClr val="tx1"/>
+                  </a:solidFill>
+                  <a:latin typeface="Times New Roman" panose="02020603050405020304" pitchFamily="18" charset="0"/>
+                  <a:cs typeface="Times New Roman" panose="02020603050405020304" pitchFamily="18" charset="0"/>
+                </a:rPr>
+                <a:t>A matched donor responded to the letter but refused donation (N = 3,596)</a:t>
+              </a:r>
+            </a:p>
+          </p:txBody>
+        </p:sp>
+        <p:cxnSp>
+          <p:nvCxnSpPr>
+            <p:cNvPr id="93" name="直線矢印コネクタ 92">
+              <a:extLst>
+                <a:ext uri="{FF2B5EF4-FFF2-40B4-BE49-F238E27FC236}">
+                  <a16:creationId xmlns:a16="http://schemas.microsoft.com/office/drawing/2014/main" id="{842F1DDA-BFD6-6B5C-7A20-049B5D00645A}"/>
+                </a:ext>
+              </a:extLst>
+            </p:cNvPr>
+            <p:cNvCxnSpPr>
+              <a:cxnSpLocks/>
+            </p:cNvCxnSpPr>
+            <p:nvPr/>
+          </p:nvCxnSpPr>
+          <p:spPr>
+            <a:xfrm flipV="1">
+              <a:off x="2864931" y="3023814"/>
+              <a:ext cx="2745775" cy="1472"/>
+            </a:xfrm>
+            <a:prstGeom prst="straightConnector1">
+              <a:avLst/>
+            </a:prstGeom>
+            <a:ln w="12700">
+              <a:solidFill>
+                <a:schemeClr val="tx1"/>
+              </a:solidFill>
+              <a:headEnd type="none" w="med" len="med"/>
+              <a:tailEnd type="arrow" w="med" len="med"/>
+            </a:ln>
+          </p:spPr>
+          <p:style>
+            <a:lnRef idx="2">
+              <a:schemeClr val="accent1"/>
+            </a:lnRef>
+            <a:fillRef idx="0">
+              <a:schemeClr val="accent1"/>
+            </a:fillRef>
+            <a:effectRef idx="1">
+              <a:schemeClr val="accent1"/>
+            </a:effectRef>
+            <a:fontRef idx="minor">
+              <a:schemeClr val="tx1"/>
+            </a:fontRef>
+          </p:style>
+        </p:cxnSp>
+        <p:sp>
+          <p:nvSpPr>
+            <p:cNvPr id="96" name="四角形: 角を丸くする 95">
+              <a:extLst>
+                <a:ext uri="{FF2B5EF4-FFF2-40B4-BE49-F238E27FC236}">
+                  <a16:creationId xmlns:a16="http://schemas.microsoft.com/office/drawing/2014/main" id="{A058E6B9-24BA-9A25-6F12-79B127C61166}"/>
+                </a:ext>
+              </a:extLst>
+            </p:cNvPr>
+            <p:cNvSpPr/>
+            <p:nvPr/>
+          </p:nvSpPr>
+          <p:spPr>
+            <a:xfrm>
+              <a:off x="5610707" y="3767347"/>
+              <a:ext cx="1906092" cy="440874"/>
+            </a:xfrm>
+            <a:prstGeom prst="roundRect">
+              <a:avLst/>
+            </a:prstGeom>
+            <a:solidFill>
+              <a:schemeClr val="bg1"/>
+            </a:solidFill>
+            <a:ln w="12700">
+              <a:solidFill>
+                <a:schemeClr val="tx1"/>
+              </a:solidFill>
+            </a:ln>
+          </p:spPr>
+          <p:style>
+            <a:lnRef idx="2">
+              <a:schemeClr val="accent1">
+                <a:shade val="15000"/>
+              </a:schemeClr>
+            </a:lnRef>
+            <a:fillRef idx="1">
+              <a:schemeClr val="accent1"/>
+            </a:fillRef>
+            <a:effectRef idx="0">
+              <a:schemeClr val="accent1"/>
+            </a:effectRef>
+            <a:fontRef idx="minor">
+              <a:schemeClr val="lt1"/>
+            </a:fontRef>
+          </p:style>
+          <p:txBody>
+            <a:bodyPr rtlCol="0" anchor="ctr"/>
+            <a:lstStyle/>
+            <a:p>
+              <a:pPr algn="ctr"/>
+              <a:r>
+                <a:rPr lang="en-US" altLang="ja-JP" sz="1350" b="1" dirty="0">
+                  <a:solidFill>
+                    <a:schemeClr val="tx1"/>
+                  </a:solidFill>
+                  <a:latin typeface="Times New Roman" panose="02020603050405020304" pitchFamily="18" charset="0"/>
+                  <a:cs typeface="Times New Roman" panose="02020603050405020304" pitchFamily="18" charset="0"/>
+                </a:rPr>
+                <a:t>Dropout (N = 3,491)</a:t>
+              </a:r>
+              <a:endParaRPr lang="en-US" altLang="ja-JP" sz="1350" dirty="0">
+                <a:solidFill>
+                  <a:schemeClr val="tx1"/>
+                </a:solidFill>
+                <a:latin typeface="Times New Roman" panose="02020603050405020304" pitchFamily="18" charset="0"/>
+                <a:cs typeface="Times New Roman" panose="02020603050405020304" pitchFamily="18" charset="0"/>
+              </a:endParaRPr>
+            </a:p>
+          </p:txBody>
+        </p:sp>
+        <p:cxnSp>
+          <p:nvCxnSpPr>
+            <p:cNvPr id="97" name="直線矢印コネクタ 96">
+              <a:extLst>
+                <a:ext uri="{FF2B5EF4-FFF2-40B4-BE49-F238E27FC236}">
+                  <a16:creationId xmlns:a16="http://schemas.microsoft.com/office/drawing/2014/main" id="{FF0A1ECC-928B-7614-E28A-E43B69C670B7}"/>
+                </a:ext>
+              </a:extLst>
+            </p:cNvPr>
+            <p:cNvCxnSpPr>
+              <a:cxnSpLocks/>
+              <a:endCxn id="96" idx="1"/>
+            </p:cNvCxnSpPr>
+            <p:nvPr/>
+          </p:nvCxnSpPr>
+          <p:spPr>
+            <a:xfrm>
+              <a:off x="2864931" y="3982214"/>
+              <a:ext cx="2745776" cy="5570"/>
+            </a:xfrm>
+            <a:prstGeom prst="straightConnector1">
+              <a:avLst/>
+            </a:prstGeom>
+            <a:ln w="12700">
+              <a:solidFill>
+                <a:schemeClr val="tx1"/>
+              </a:solidFill>
+              <a:headEnd type="none" w="med" len="med"/>
+              <a:tailEnd type="arrow" w="med" len="med"/>
+            </a:ln>
+          </p:spPr>
+          <p:style>
+            <a:lnRef idx="2">
+              <a:schemeClr val="accent1"/>
+            </a:lnRef>
+            <a:fillRef idx="0">
+              <a:schemeClr val="accent1"/>
+            </a:fillRef>
+            <a:effectRef idx="1">
+              <a:schemeClr val="accent1"/>
+            </a:effectRef>
+            <a:fontRef idx="minor">
+              <a:schemeClr val="tx1"/>
+            </a:fontRef>
+          </p:style>
+        </p:cxnSp>
+        <p:sp>
+          <p:nvSpPr>
+            <p:cNvPr id="101" name="四角形: 角を丸くする 100">
+              <a:extLst>
+                <a:ext uri="{FF2B5EF4-FFF2-40B4-BE49-F238E27FC236}">
+                  <a16:creationId xmlns:a16="http://schemas.microsoft.com/office/drawing/2014/main" id="{9EDE82BF-C28C-23F6-EAB2-688779ADE6FA}"/>
+                </a:ext>
+              </a:extLst>
+            </p:cNvPr>
+            <p:cNvSpPr/>
+            <p:nvPr/>
+          </p:nvSpPr>
+          <p:spPr>
+            <a:xfrm>
+              <a:off x="5610706" y="4650276"/>
+              <a:ext cx="1906092" cy="440874"/>
+            </a:xfrm>
+            <a:prstGeom prst="roundRect">
+              <a:avLst/>
+            </a:prstGeom>
+            <a:solidFill>
+              <a:schemeClr val="bg1"/>
+            </a:solidFill>
+            <a:ln w="12700">
+              <a:solidFill>
+                <a:schemeClr val="tx1"/>
+              </a:solidFill>
+            </a:ln>
+          </p:spPr>
+          <p:style>
+            <a:lnRef idx="2">
+              <a:schemeClr val="accent1">
+                <a:shade val="15000"/>
+              </a:schemeClr>
+            </a:lnRef>
+            <a:fillRef idx="1">
+              <a:schemeClr val="accent1"/>
+            </a:fillRef>
+            <a:effectRef idx="0">
+              <a:schemeClr val="accent1"/>
+            </a:effectRef>
+            <a:fontRef idx="minor">
+              <a:schemeClr val="lt1"/>
+            </a:fontRef>
+          </p:style>
+          <p:txBody>
+            <a:bodyPr rtlCol="0" anchor="ctr"/>
+            <a:lstStyle/>
+            <a:p>
+              <a:pPr algn="ctr"/>
+              <a:r>
+                <a:rPr lang="en-US" altLang="ja-JP" sz="1350" b="1" dirty="0">
+                  <a:solidFill>
+                    <a:schemeClr val="tx1"/>
+                  </a:solidFill>
+                  <a:latin typeface="Times New Roman" panose="02020603050405020304" pitchFamily="18" charset="0"/>
+                  <a:cs typeface="Times New Roman" panose="02020603050405020304" pitchFamily="18" charset="0"/>
+                </a:rPr>
+                <a:t>Dropout (N = 1,950)</a:t>
+              </a:r>
+              <a:endParaRPr lang="en-US" altLang="ja-JP" sz="1350" dirty="0">
+                <a:solidFill>
+                  <a:schemeClr val="tx1"/>
+                </a:solidFill>
+                <a:latin typeface="Times New Roman" panose="02020603050405020304" pitchFamily="18" charset="0"/>
+                <a:cs typeface="Times New Roman" panose="02020603050405020304" pitchFamily="18" charset="0"/>
+              </a:endParaRPr>
+            </a:p>
+          </p:txBody>
+        </p:sp>
+        <p:cxnSp>
+          <p:nvCxnSpPr>
+            <p:cNvPr id="102" name="直線矢印コネクタ 101">
+              <a:extLst>
+                <a:ext uri="{FF2B5EF4-FFF2-40B4-BE49-F238E27FC236}">
+                  <a16:creationId xmlns:a16="http://schemas.microsoft.com/office/drawing/2014/main" id="{C137A6CF-DCD9-C5DE-58C7-9A0824A19F04}"/>
+                </a:ext>
+              </a:extLst>
+            </p:cNvPr>
+            <p:cNvCxnSpPr>
+              <a:cxnSpLocks/>
+              <a:endCxn id="101" idx="1"/>
+            </p:cNvCxnSpPr>
+            <p:nvPr/>
+          </p:nvCxnSpPr>
+          <p:spPr>
+            <a:xfrm flipV="1">
+              <a:off x="2860313" y="4870713"/>
+              <a:ext cx="2750393" cy="9033"/>
+            </a:xfrm>
+            <a:prstGeom prst="straightConnector1">
+              <a:avLst/>
+            </a:prstGeom>
+            <a:ln w="12700">
+              <a:solidFill>
+                <a:schemeClr val="tx1"/>
+              </a:solidFill>
+              <a:headEnd type="none" w="med" len="med"/>
+              <a:tailEnd type="arrow" w="med" len="med"/>
+            </a:ln>
+          </p:spPr>
+          <p:style>
+            <a:lnRef idx="2">
+              <a:schemeClr val="accent1"/>
+            </a:lnRef>
+            <a:fillRef idx="0">
+              <a:schemeClr val="accent1"/>
+            </a:fillRef>
+            <a:effectRef idx="1">
+              <a:schemeClr val="accent1"/>
+            </a:effectRef>
+            <a:fontRef idx="minor">
+              <a:schemeClr val="tx1"/>
+            </a:fontRef>
+          </p:style>
+        </p:cxnSp>
+        <p:sp>
+          <p:nvSpPr>
+            <p:cNvPr id="105" name="四角形: 角を丸くする 104">
+              <a:extLst>
+                <a:ext uri="{FF2B5EF4-FFF2-40B4-BE49-F238E27FC236}">
+                  <a16:creationId xmlns:a16="http://schemas.microsoft.com/office/drawing/2014/main" id="{BE0460C9-C97F-702B-B630-92A7DDFC29E5}"/>
+                </a:ext>
+              </a:extLst>
+            </p:cNvPr>
+            <p:cNvSpPr/>
+            <p:nvPr/>
+          </p:nvSpPr>
+          <p:spPr>
+            <a:xfrm>
+              <a:off x="5610706" y="5536437"/>
+              <a:ext cx="3317290" cy="749960"/>
+            </a:xfrm>
+            <a:prstGeom prst="roundRect">
+              <a:avLst/>
+            </a:prstGeom>
+            <a:solidFill>
+              <a:schemeClr val="bg1"/>
+            </a:solidFill>
+            <a:ln w="12700">
+              <a:solidFill>
+                <a:schemeClr val="tx1"/>
+              </a:solidFill>
+            </a:ln>
+          </p:spPr>
+          <p:style>
+            <a:lnRef idx="2">
+              <a:schemeClr val="accent1">
+                <a:shade val="15000"/>
+              </a:schemeClr>
+            </a:lnRef>
+            <a:fillRef idx="1">
+              <a:schemeClr val="accent1"/>
+            </a:fillRef>
+            <a:effectRef idx="0">
+              <a:schemeClr val="accent1"/>
+            </a:effectRef>
+            <a:fontRef idx="minor">
+              <a:schemeClr val="lt1"/>
+            </a:fontRef>
+          </p:style>
+          <p:txBody>
+            <a:bodyPr rtlCol="0" anchor="ctr"/>
+            <a:lstStyle/>
+            <a:p>
+              <a:pPr algn="ctr"/>
+              <a:r>
+                <a:rPr lang="en-US" altLang="ja-JP" sz="1350" b="1" dirty="0">
+                  <a:solidFill>
+                    <a:schemeClr val="tx1"/>
+                  </a:solidFill>
+                  <a:latin typeface="Times New Roman" panose="02020603050405020304" pitchFamily="18" charset="0"/>
+                  <a:cs typeface="Times New Roman" panose="02020603050405020304" pitchFamily="18" charset="0"/>
+                </a:rPr>
+                <a:t>Dropout (N = 198)</a:t>
+              </a:r>
+            </a:p>
+            <a:p>
+              <a:pPr marL="285750" indent="-285750" algn="ctr">
+                <a:buFont typeface="Arial" panose="020B0604020202020204" pitchFamily="34" charset="0"/>
+                <a:buChar char="•"/>
+              </a:pPr>
+              <a:r>
+                <a:rPr lang="en-US" altLang="ja-JP" sz="1350" dirty="0">
+                  <a:solidFill>
+                    <a:schemeClr val="tx1"/>
+                  </a:solidFill>
+                  <a:latin typeface="Times New Roman" panose="02020603050405020304" pitchFamily="18" charset="0"/>
+                  <a:cs typeface="Times New Roman" panose="02020603050405020304" pitchFamily="18" charset="0"/>
+                </a:rPr>
+                <a:t>Dropout before final consent</a:t>
+              </a:r>
+              <a:r>
+                <a:rPr lang="ja-JP" altLang="en-US" sz="1350" dirty="0">
+                  <a:solidFill>
+                    <a:schemeClr val="tx1"/>
+                  </a:solidFill>
+                  <a:latin typeface="Times New Roman" panose="02020603050405020304" pitchFamily="18" charset="0"/>
+                  <a:cs typeface="Times New Roman" panose="02020603050405020304" pitchFamily="18" charset="0"/>
+                </a:rPr>
+                <a:t> </a:t>
+              </a:r>
+              <a:r>
+                <a:rPr lang="en-US" altLang="ja-JP" sz="1350" dirty="0">
+                  <a:solidFill>
+                    <a:schemeClr val="tx1"/>
+                  </a:solidFill>
+                  <a:latin typeface="Times New Roman" panose="02020603050405020304" pitchFamily="18" charset="0"/>
+                  <a:cs typeface="Times New Roman" panose="02020603050405020304" pitchFamily="18" charset="0"/>
+                </a:rPr>
+                <a:t>(N</a:t>
+              </a:r>
+              <a:r>
+                <a:rPr lang="ja-JP" altLang="en-US" sz="1350" dirty="0">
+                  <a:solidFill>
+                    <a:schemeClr val="tx1"/>
+                  </a:solidFill>
+                  <a:latin typeface="Times New Roman" panose="02020603050405020304" pitchFamily="18" charset="0"/>
+                  <a:cs typeface="Times New Roman" panose="02020603050405020304" pitchFamily="18" charset="0"/>
+                </a:rPr>
+                <a:t> </a:t>
+              </a:r>
+              <a:r>
+                <a:rPr lang="en-US" altLang="ja-JP" sz="1350" dirty="0">
+                  <a:solidFill>
+                    <a:schemeClr val="tx1"/>
+                  </a:solidFill>
+                  <a:latin typeface="Times New Roman" panose="02020603050405020304" pitchFamily="18" charset="0"/>
+                  <a:cs typeface="Times New Roman" panose="02020603050405020304" pitchFamily="18" charset="0"/>
+                </a:rPr>
+                <a:t>=</a:t>
+              </a:r>
+              <a:r>
+                <a:rPr lang="ja-JP" altLang="en-US" sz="1350" dirty="0">
+                  <a:solidFill>
+                    <a:schemeClr val="tx1"/>
+                  </a:solidFill>
+                  <a:latin typeface="Times New Roman" panose="02020603050405020304" pitchFamily="18" charset="0"/>
+                  <a:cs typeface="Times New Roman" panose="02020603050405020304" pitchFamily="18" charset="0"/>
+                </a:rPr>
+                <a:t> </a:t>
+              </a:r>
+              <a:r>
+                <a:rPr lang="en-US" altLang="ja-JP" sz="1350" dirty="0">
+                  <a:solidFill>
+                    <a:schemeClr val="tx1"/>
+                  </a:solidFill>
+                  <a:latin typeface="Times New Roman" panose="02020603050405020304" pitchFamily="18" charset="0"/>
+                  <a:cs typeface="Times New Roman" panose="02020603050405020304" pitchFamily="18" charset="0"/>
+                </a:rPr>
+                <a:t>74)</a:t>
+              </a:r>
+            </a:p>
+            <a:p>
+              <a:pPr marL="285750" indent="-285750" algn="ctr">
+                <a:buFont typeface="Arial" panose="020B0604020202020204" pitchFamily="34" charset="0"/>
+                <a:buChar char="•"/>
+              </a:pPr>
+              <a:r>
+                <a:rPr lang="en-US" altLang="ja-JP" sz="1350" dirty="0">
+                  <a:solidFill>
+                    <a:schemeClr val="tx1"/>
+                  </a:solidFill>
+                  <a:latin typeface="Times New Roman" panose="02020603050405020304" pitchFamily="18" charset="0"/>
+                  <a:cs typeface="Times New Roman" panose="02020603050405020304" pitchFamily="18" charset="0"/>
+                </a:rPr>
+                <a:t>Dropout after final consent (N = 124)</a:t>
+              </a:r>
+            </a:p>
+          </p:txBody>
+        </p:sp>
+        <p:cxnSp>
+          <p:nvCxnSpPr>
+            <p:cNvPr id="106" name="直線矢印コネクタ 105">
+              <a:extLst>
+                <a:ext uri="{FF2B5EF4-FFF2-40B4-BE49-F238E27FC236}">
+                  <a16:creationId xmlns:a16="http://schemas.microsoft.com/office/drawing/2014/main" id="{6F020345-7104-9D17-39C6-E35DC5BFEE42}"/>
+                </a:ext>
+              </a:extLst>
+            </p:cNvPr>
+            <p:cNvCxnSpPr>
+              <a:cxnSpLocks/>
+              <a:endCxn id="105" idx="1"/>
+            </p:cNvCxnSpPr>
+            <p:nvPr/>
+          </p:nvCxnSpPr>
+          <p:spPr>
+            <a:xfrm>
+              <a:off x="2860313" y="5911417"/>
+              <a:ext cx="2750393" cy="0"/>
+            </a:xfrm>
+            <a:prstGeom prst="straightConnector1">
+              <a:avLst/>
+            </a:prstGeom>
+            <a:ln w="12700">
               <a:solidFill>
                 <a:schemeClr val="tx1"/>
               </a:solidFill>
@@ -4297,6 +5341,321 @@
 </file>
 
 <file path=ppt/theme/theme1.xml><?xml version="1.0" encoding="utf-8"?>
+<a:theme xmlns:a="http://schemas.openxmlformats.org/drawingml/2006/main" name="Office テーマ">
+  <a:themeElements>
+    <a:clrScheme name="Office テーマ">
+      <a:dk1>
+        <a:sysClr val="windowText" lastClr="000000"/>
+      </a:dk1>
+      <a:lt1>
+        <a:sysClr val="window" lastClr="FFFFFF"/>
+      </a:lt1>
+      <a:dk2>
+        <a:srgbClr val="0E2841"/>
+      </a:dk2>
+      <a:lt2>
+        <a:srgbClr val="E8E8E8"/>
+      </a:lt2>
+      <a:accent1>
+        <a:srgbClr val="156082"/>
+      </a:accent1>
+      <a:accent2>
+        <a:srgbClr val="E97132"/>
+      </a:accent2>
+      <a:accent3>
+        <a:srgbClr val="196B24"/>
+      </a:accent3>
+      <a:accent4>
+        <a:srgbClr val="0F9ED5"/>
+      </a:accent4>
+      <a:accent5>
+        <a:srgbClr val="A02B93"/>
+      </a:accent5>
+      <a:accent6>
+        <a:srgbClr val="4EA72E"/>
+      </a:accent6>
+      <a:hlink>
+        <a:srgbClr val="467886"/>
+      </a:hlink>
+      <a:folHlink>
+        <a:srgbClr val="96607D"/>
+      </a:folHlink>
+    </a:clrScheme>
+    <a:fontScheme name="Office テーマ">
+      <a:majorFont>
+        <a:latin typeface="Aptos Display" panose="02110004020202020204"/>
+        <a:ea typeface=""/>
+        <a:cs typeface=""/>
+        <a:font script="Jpan" typeface="游ゴシック Light"/>
+        <a:font script="Hang" typeface="맑은 고딕"/>
+        <a:font script="Hans" typeface="等线 Light"/>
+        <a:font script="Hant" typeface="新細明體"/>
+        <a:font script="Arab" typeface="Times New Roman"/>
+        <a:font script="Hebr" typeface="Times New Roman"/>
+        <a:font script="Thai" typeface="Angsana New"/>
+        <a:font script="Ethi" typeface="Nyala"/>
+        <a:font script="Beng" typeface="Vrinda"/>
+        <a:font script="Gujr" typeface="Shruti"/>
+        <a:font script="Khmr" typeface="MoolBoran"/>
+        <a:font script="Knda" typeface="Tunga"/>
+        <a:font script="Guru" typeface="Raavi"/>
+        <a:font script="Cans" typeface="Euphemia"/>
+        <a:font script="Cher" typeface="Plantagenet Cherokee"/>
+        <a:font script="Yiii" typeface="Microsoft Yi Baiti"/>
+        <a:font script="Tibt" typeface="Microsoft Himalaya"/>
+        <a:font script="Thaa" typeface="MV Boli"/>
+        <a:font script="Deva" typeface="Mangal"/>
+        <a:font script="Telu" typeface="Gautami"/>
+        <a:font script="Taml" typeface="Latha"/>
+        <a:font script="Syrc" typeface="Estrangelo Edessa"/>
+        <a:font script="Orya" typeface="Kalinga"/>
+        <a:font script="Mlym" typeface="Kartika"/>
+        <a:font script="Laoo" typeface="DokChampa"/>
+        <a:font script="Sinh" typeface="Iskoola Pota"/>
+        <a:font script="Mong" typeface="Mongolian Baiti"/>
+        <a:font script="Viet" typeface="Times New Roman"/>
+        <a:font script="Uigh" typeface="Microsoft Uighur"/>
+        <a:font script="Geor" typeface="Sylfaen"/>
+        <a:font script="Armn" typeface="Arial"/>
+        <a:font script="Bugi" typeface="Leelawadee UI"/>
+        <a:font script="Bopo" typeface="Microsoft JhengHei"/>
+        <a:font script="Java" typeface="Javanese Text"/>
+        <a:font script="Lisu" typeface="Segoe UI"/>
+        <a:font script="Mymr" typeface="Myanmar Text"/>
+        <a:font script="Nkoo" typeface="Ebrima"/>
+        <a:font script="Olck" typeface="Nirmala UI"/>
+        <a:font script="Osma" typeface="Ebrima"/>
+        <a:font script="Phag" typeface="Phagspa"/>
+        <a:font script="Syrn" typeface="Estrangelo Edessa"/>
+        <a:font script="Syrj" typeface="Estrangelo Edessa"/>
+        <a:font script="Syre" typeface="Estrangelo Edessa"/>
+        <a:font script="Sora" typeface="Nirmala UI"/>
+        <a:font script="Tale" typeface="Microsoft Tai Le"/>
+        <a:font script="Talu" typeface="Microsoft New Tai Lue"/>
+        <a:font script="Tfng" typeface="Ebrima"/>
+      </a:majorFont>
+      <a:minorFont>
+        <a:latin typeface="Aptos" panose="02110004020202020204"/>
+        <a:ea typeface=""/>
+        <a:cs typeface=""/>
+        <a:font script="Jpan" typeface="游ゴシック"/>
+        <a:font script="Hang" typeface="맑은 고딕"/>
+        <a:font script="Hans" typeface="等线"/>
+        <a:font script="Hant" typeface="新細明體"/>
+        <a:font script="Arab" typeface="Arial"/>
+        <a:font script="Hebr" typeface="Arial"/>
+        <a:font script="Thai" typeface="Cordia New"/>
+        <a:font script="Ethi" typeface="Nyala"/>
+        <a:font script="Beng" typeface="Vrinda"/>
+        <a:font script="Gujr" typeface="Shruti"/>
+        <a:font script="Khmr" typeface="DaunPenh"/>
+        <a:font script="Knda" typeface="Tunga"/>
+        <a:font script="Guru" typeface="Raavi"/>
+        <a:font script="Cans" typeface="Euphemia"/>
+        <a:font script="Cher" typeface="Plantagenet Cherokee"/>
+        <a:font script="Yiii" typeface="Microsoft Yi Baiti"/>
+        <a:font script="Tibt" typeface="Microsoft Himalaya"/>
+        <a:font script="Thaa" typeface="MV Boli"/>
+        <a:font script="Deva" typeface="Mangal"/>
+        <a:font script="Telu" typeface="Gautami"/>
+        <a:font script="Taml" typeface="Latha"/>
+        <a:font script="Syrc" typeface="Estrangelo Edessa"/>
+        <a:font script="Orya" typeface="Kalinga"/>
+        <a:font script="Mlym" typeface="Kartika"/>
+        <a:font script="Laoo" typeface="DokChampa"/>
+        <a:font script="Sinh" typeface="Iskoola Pota"/>
+        <a:font script="Mong" typeface="Mongolian Baiti"/>
+        <a:font script="Viet" typeface="Arial"/>
+        <a:font script="Uigh" typeface="Microsoft Uighur"/>
+        <a:font script="Geor" typeface="Sylfaen"/>
+        <a:font script="Armn" typeface="Arial"/>
+        <a:font script="Bugi" typeface="Leelawadee UI"/>
+        <a:font script="Bopo" typeface="Microsoft JhengHei"/>
+        <a:font script="Java" typeface="Javanese Text"/>
+        <a:font script="Lisu" typeface="Segoe UI"/>
+        <a:font script="Mymr" typeface="Myanmar Text"/>
+        <a:font script="Nkoo" typeface="Ebrima"/>
+        <a:font script="Olck" typeface="Nirmala UI"/>
+        <a:font script="Osma" typeface="Ebrima"/>
+        <a:font script="Phag" typeface="Phagspa"/>
+        <a:font script="Syrn" typeface="Estrangelo Edessa"/>
+        <a:font script="Syrj" typeface="Estrangelo Edessa"/>
+        <a:font script="Syre" typeface="Estrangelo Edessa"/>
+        <a:font script="Sora" typeface="Nirmala UI"/>
+        <a:font script="Tale" typeface="Microsoft Tai Le"/>
+        <a:font script="Talu" typeface="Microsoft New Tai Lue"/>
+        <a:font script="Tfng" typeface="Ebrima"/>
+      </a:minorFont>
+    </a:fontScheme>
+    <a:fmtScheme name="Office テーマ">
+      <a:fillStyleLst>
+        <a:solidFill>
+          <a:schemeClr val="phClr"/>
+        </a:solidFill>
+        <a:gradFill rotWithShape="1">
+          <a:gsLst>
+            <a:gs pos="0">
+              <a:schemeClr val="phClr">
+                <a:lumMod val="110000"/>
+                <a:satMod val="105000"/>
+                <a:tint val="67000"/>
+              </a:schemeClr>
+            </a:gs>
+            <a:gs pos="50000">
+              <a:schemeClr val="phClr">
+                <a:lumMod val="105000"/>
+                <a:satMod val="103000"/>
+                <a:tint val="73000"/>
+              </a:schemeClr>
+            </a:gs>
+            <a:gs pos="100000">
+              <a:schemeClr val="phClr">
+                <a:lumMod val="105000"/>
+                <a:satMod val="109000"/>
+                <a:tint val="81000"/>
+              </a:schemeClr>
+            </a:gs>
+          </a:gsLst>
+          <a:lin ang="5400000" scaled="0"/>
+        </a:gradFill>
+        <a:gradFill rotWithShape="1">
+          <a:gsLst>
+            <a:gs pos="0">
+              <a:schemeClr val="phClr">
+                <a:satMod val="103000"/>
+                <a:lumMod val="102000"/>
+                <a:tint val="94000"/>
+              </a:schemeClr>
+            </a:gs>
+            <a:gs pos="50000">
+              <a:schemeClr val="phClr">
+                <a:satMod val="110000"/>
+                <a:lumMod val="100000"/>
+                <a:shade val="100000"/>
+              </a:schemeClr>
+            </a:gs>
+            <a:gs pos="100000">
+              <a:schemeClr val="phClr">
+                <a:lumMod val="99000"/>
+                <a:satMod val="120000"/>
+                <a:shade val="78000"/>
+              </a:schemeClr>
+            </a:gs>
+          </a:gsLst>
+          <a:lin ang="5400000" scaled="0"/>
+        </a:gradFill>
+      </a:fillStyleLst>
+      <a:lnStyleLst>
+        <a:ln w="12700" cap="flat" cmpd="sng" algn="ctr">
+          <a:solidFill>
+            <a:schemeClr val="phClr"/>
+          </a:solidFill>
+          <a:prstDash val="solid"/>
+          <a:miter lim="800000"/>
+        </a:ln>
+        <a:ln w="19050" cap="flat" cmpd="sng" algn="ctr">
+          <a:solidFill>
+            <a:schemeClr val="phClr"/>
+          </a:solidFill>
+          <a:prstDash val="solid"/>
+          <a:miter lim="800000"/>
+        </a:ln>
+        <a:ln w="25400" cap="flat" cmpd="sng" algn="ctr">
+          <a:solidFill>
+            <a:schemeClr val="phClr"/>
+          </a:solidFill>
+          <a:prstDash val="solid"/>
+          <a:miter lim="800000"/>
+        </a:ln>
+      </a:lnStyleLst>
+      <a:effectStyleLst>
+        <a:effectStyle>
+          <a:effectLst/>
+        </a:effectStyle>
+        <a:effectStyle>
+          <a:effectLst/>
+        </a:effectStyle>
+        <a:effectStyle>
+          <a:effectLst>
+            <a:outerShdw blurRad="57150" dist="19050" dir="5400000" algn="ctr" rotWithShape="0">
+              <a:srgbClr val="000000">
+                <a:alpha val="63000"/>
+              </a:srgbClr>
+            </a:outerShdw>
+          </a:effectLst>
+        </a:effectStyle>
+      </a:effectStyleLst>
+      <a:bgFillStyleLst>
+        <a:solidFill>
+          <a:schemeClr val="phClr"/>
+        </a:solidFill>
+        <a:solidFill>
+          <a:schemeClr val="phClr">
+            <a:tint val="95000"/>
+            <a:satMod val="170000"/>
+          </a:schemeClr>
+        </a:solidFill>
+        <a:gradFill rotWithShape="1">
+          <a:gsLst>
+            <a:gs pos="0">
+              <a:schemeClr val="phClr">
+                <a:tint val="93000"/>
+                <a:satMod val="150000"/>
+                <a:shade val="98000"/>
+                <a:lumMod val="102000"/>
+              </a:schemeClr>
+            </a:gs>
+            <a:gs pos="50000">
+              <a:schemeClr val="phClr">
+                <a:tint val="98000"/>
+                <a:satMod val="130000"/>
+                <a:shade val="90000"/>
+                <a:lumMod val="103000"/>
+              </a:schemeClr>
+            </a:gs>
+            <a:gs pos="100000">
+              <a:schemeClr val="phClr">
+                <a:shade val="63000"/>
+                <a:satMod val="120000"/>
+              </a:schemeClr>
+            </a:gs>
+          </a:gsLst>
+          <a:lin ang="5400000" scaled="0"/>
+        </a:gradFill>
+      </a:bgFillStyleLst>
+    </a:fmtScheme>
+  </a:themeElements>
+  <a:objectDefaults>
+    <a:lnDef>
+      <a:spPr/>
+      <a:bodyPr/>
+      <a:lstStyle/>
+      <a:style>
+        <a:lnRef idx="2">
+          <a:schemeClr val="accent1"/>
+        </a:lnRef>
+        <a:fillRef idx="0">
+          <a:schemeClr val="accent1"/>
+        </a:fillRef>
+        <a:effectRef idx="1">
+          <a:schemeClr val="accent1"/>
+        </a:effectRef>
+        <a:fontRef idx="minor">
+          <a:schemeClr val="tx1"/>
+        </a:fontRef>
+      </a:style>
+    </a:lnDef>
+  </a:objectDefaults>
+  <a:extraClrSchemeLst/>
+  <a:extLst>
+    <a:ext uri="{05A4C25C-085E-4340-85A3-A5531E510DB2}">
+      <thm15:themeFamily xmlns:thm15="http://schemas.microsoft.com/office/thememl/2012/main" name="Office Theme" id="{2E142A2C-CD16-42D6-873A-C26D2A0506FA}" vid="{1BDDFF52-6CD6-40A5-AB3C-68EB2F1E4D0A}"/>
+    </a:ext>
+  </a:extLst>
+</a:theme>
+</file>
+
+<file path=ppt/theme/theme2.xml><?xml version="1.0" encoding="utf-8"?>
 <a:theme xmlns:a="http://schemas.openxmlformats.org/drawingml/2006/main" name="Office テーマ">
   <a:themeElements>
     <a:clrScheme name="Office">

--- a/image/flowchart.pptx
+++ b/image/flowchart.pptx
@@ -197,7 +197,7 @@
           <a:p>
             <a:fld id="{AE391BAF-91F8-4B50-BA74-917754362F3D}" type="datetimeFigureOut">
               <a:rPr kumimoji="1" lang="ja-JP" altLang="en-US" smtClean="0"/>
-              <a:t>2025/10/28</a:t>
+              <a:t>2025/10/29</a:t>
             </a:fld>
             <a:endParaRPr kumimoji="1" lang="ja-JP" altLang="en-US"/>
           </a:p>
@@ -711,7 +711,7 @@
           <a:p>
             <a:fld id="{60C89CFB-3BD4-45D4-8FCC-79850387BF7C}" type="datetimeFigureOut">
               <a:rPr kumimoji="1" lang="ja-JP" altLang="en-US" smtClean="0"/>
-              <a:t>2025/10/28</a:t>
+              <a:t>2025/10/29</a:t>
             </a:fld>
             <a:endParaRPr kumimoji="1" lang="ja-JP" altLang="en-US"/>
           </a:p>
@@ -913,7 +913,7 @@
           <a:p>
             <a:fld id="{60C89CFB-3BD4-45D4-8FCC-79850387BF7C}" type="datetimeFigureOut">
               <a:rPr kumimoji="1" lang="ja-JP" altLang="en-US" smtClean="0"/>
-              <a:t>2025/10/28</a:t>
+              <a:t>2025/10/29</a:t>
             </a:fld>
             <a:endParaRPr kumimoji="1" lang="ja-JP" altLang="en-US"/>
           </a:p>
@@ -1125,7 +1125,7 @@
           <a:p>
             <a:fld id="{60C89CFB-3BD4-45D4-8FCC-79850387BF7C}" type="datetimeFigureOut">
               <a:rPr kumimoji="1" lang="ja-JP" altLang="en-US" smtClean="0"/>
-              <a:t>2025/10/28</a:t>
+              <a:t>2025/10/29</a:t>
             </a:fld>
             <a:endParaRPr kumimoji="1" lang="ja-JP" altLang="en-US"/>
           </a:p>
@@ -1327,7 +1327,7 @@
           <a:p>
             <a:fld id="{60C89CFB-3BD4-45D4-8FCC-79850387BF7C}" type="datetimeFigureOut">
               <a:rPr kumimoji="1" lang="ja-JP" altLang="en-US" smtClean="0"/>
-              <a:t>2025/10/28</a:t>
+              <a:t>2025/10/29</a:t>
             </a:fld>
             <a:endParaRPr kumimoji="1" lang="ja-JP" altLang="en-US"/>
           </a:p>
@@ -1573,7 +1573,7 @@
           <a:p>
             <a:fld id="{60C89CFB-3BD4-45D4-8FCC-79850387BF7C}" type="datetimeFigureOut">
               <a:rPr kumimoji="1" lang="ja-JP" altLang="en-US" smtClean="0"/>
-              <a:t>2025/10/28</a:t>
+              <a:t>2025/10/29</a:t>
             </a:fld>
             <a:endParaRPr kumimoji="1" lang="ja-JP" altLang="en-US"/>
           </a:p>
@@ -1869,7 +1869,7 @@
           <a:p>
             <a:fld id="{60C89CFB-3BD4-45D4-8FCC-79850387BF7C}" type="datetimeFigureOut">
               <a:rPr kumimoji="1" lang="ja-JP" altLang="en-US" smtClean="0"/>
-              <a:t>2025/10/28</a:t>
+              <a:t>2025/10/29</a:t>
             </a:fld>
             <a:endParaRPr kumimoji="1" lang="ja-JP" altLang="en-US"/>
           </a:p>
@@ -2300,7 +2300,7 @@
           <a:p>
             <a:fld id="{60C89CFB-3BD4-45D4-8FCC-79850387BF7C}" type="datetimeFigureOut">
               <a:rPr kumimoji="1" lang="ja-JP" altLang="en-US" smtClean="0"/>
-              <a:t>2025/10/28</a:t>
+              <a:t>2025/10/29</a:t>
             </a:fld>
             <a:endParaRPr kumimoji="1" lang="ja-JP" altLang="en-US"/>
           </a:p>
@@ -2418,7 +2418,7 @@
           <a:p>
             <a:fld id="{60C89CFB-3BD4-45D4-8FCC-79850387BF7C}" type="datetimeFigureOut">
               <a:rPr kumimoji="1" lang="ja-JP" altLang="en-US" smtClean="0"/>
-              <a:t>2025/10/28</a:t>
+              <a:t>2025/10/29</a:t>
             </a:fld>
             <a:endParaRPr kumimoji="1" lang="ja-JP" altLang="en-US"/>
           </a:p>
@@ -2513,7 +2513,7 @@
           <a:p>
             <a:fld id="{60C89CFB-3BD4-45D4-8FCC-79850387BF7C}" type="datetimeFigureOut">
               <a:rPr kumimoji="1" lang="ja-JP" altLang="en-US" smtClean="0"/>
-              <a:t>2025/10/28</a:t>
+              <a:t>2025/10/29</a:t>
             </a:fld>
             <a:endParaRPr kumimoji="1" lang="ja-JP" altLang="en-US"/>
           </a:p>
@@ -2822,7 +2822,7 @@
           <a:p>
             <a:fld id="{60C89CFB-3BD4-45D4-8FCC-79850387BF7C}" type="datetimeFigureOut">
               <a:rPr kumimoji="1" lang="ja-JP" altLang="en-US" smtClean="0"/>
-              <a:t>2025/10/28</a:t>
+              <a:t>2025/10/29</a:t>
             </a:fld>
             <a:endParaRPr kumimoji="1" lang="ja-JP" altLang="en-US"/>
           </a:p>
@@ -3079,7 +3079,7 @@
           <a:p>
             <a:fld id="{60C89CFB-3BD4-45D4-8FCC-79850387BF7C}" type="datetimeFigureOut">
               <a:rPr kumimoji="1" lang="ja-JP" altLang="en-US" smtClean="0"/>
-              <a:t>2025/10/28</a:t>
+              <a:t>2025/10/29</a:t>
             </a:fld>
             <a:endParaRPr kumimoji="1" lang="ja-JP" altLang="en-US"/>
           </a:p>
@@ -3324,7 +3324,7 @@
           <a:p>
             <a:fld id="{60C89CFB-3BD4-45D4-8FCC-79850387BF7C}" type="datetimeFigureOut">
               <a:rPr kumimoji="1" lang="ja-JP" altLang="en-US" smtClean="0"/>
-              <a:t>2025/10/28</a:t>
+              <a:t>2025/10/29</a:t>
             </a:fld>
             <a:endParaRPr kumimoji="1" lang="ja-JP" altLang="en-US"/>
           </a:p>
@@ -3744,9 +3744,9 @@
         <p:grpSpPr>
           <a:xfrm>
             <a:off x="280799" y="212437"/>
-            <a:ext cx="8672398" cy="6416108"/>
+            <a:ext cx="8672397" cy="6416108"/>
             <a:chOff x="280799" y="212437"/>
-            <a:chExt cx="8672398" cy="6416108"/>
+            <a:chExt cx="8672397" cy="6416108"/>
           </a:xfrm>
         </p:grpSpPr>
         <p:sp>
@@ -3763,8 +3763,8 @@
           </p:nvSpPr>
           <p:spPr>
             <a:xfrm>
-              <a:off x="280802" y="1151296"/>
-              <a:ext cx="5168266" cy="716315"/>
+              <a:off x="280800" y="1107785"/>
+              <a:ext cx="5168266" cy="583637"/>
             </a:xfrm>
             <a:prstGeom prst="roundRect">
               <a:avLst/>
@@ -3820,7 +3820,7 @@
                   <a:latin typeface="Times New Roman" panose="02020603050405020304" pitchFamily="18" charset="0"/>
                   <a:cs typeface="Times New Roman" panose="02020603050405020304" pitchFamily="18" charset="0"/>
                 </a:rPr>
-                <a:t>The JMDP office sent out an HLA match letter to matched donors from September 2021 to February 2022.</a:t>
+                <a:t>The JMDP office sent out an HLA match letter to matched donors.</a:t>
               </a:r>
             </a:p>
           </p:txBody>
@@ -4024,9 +4024,9 @@
             <p:nvPr/>
           </p:nvCxnSpPr>
           <p:spPr>
-            <a:xfrm>
-              <a:off x="2864935" y="928751"/>
-              <a:ext cx="0" cy="222545"/>
+            <a:xfrm flipH="1">
+              <a:off x="2864933" y="928751"/>
+              <a:ext cx="2" cy="179034"/>
             </a:xfrm>
             <a:prstGeom prst="straightConnector1">
               <a:avLst/>
@@ -4112,7 +4112,7 @@
                   <a:latin typeface="Times New Roman" panose="02020603050405020304" pitchFamily="18" charset="0"/>
                   <a:cs typeface="Times New Roman" panose="02020603050405020304" pitchFamily="18" charset="0"/>
                 </a:rPr>
-                <a:t>CT (N = 2,651)</a:t>
+                <a:t>CT [Primary Outcome] (N = 2,651)</a:t>
               </a:r>
             </a:p>
             <a:p>
@@ -4296,7 +4296,7 @@
           </p:nvSpPr>
           <p:spPr>
             <a:xfrm>
-              <a:off x="5610707" y="1419580"/>
+              <a:off x="5610707" y="1337007"/>
               <a:ext cx="3317289" cy="1047201"/>
             </a:xfrm>
             <a:prstGeom prst="roundRect">
@@ -4392,7 +4392,7 @@
           <p:spPr>
             <a:xfrm>
               <a:off x="280799" y="2083863"/>
-              <a:ext cx="5168267" cy="716696"/>
+              <a:ext cx="5168267" cy="579221"/>
             </a:xfrm>
             <a:prstGeom prst="roundRect">
               <a:avLst/>
@@ -4448,7 +4448,7 @@
                   <a:latin typeface="Times New Roman" panose="02020603050405020304" pitchFamily="18" charset="0"/>
                   <a:cs typeface="Times New Roman" panose="02020603050405020304" pitchFamily="18" charset="0"/>
                 </a:rPr>
-                <a:t>Completed or interrupted coordination involving a matched donor who lived in Japan.</a:t>
+                <a:t>Coordination involving a matched donor who lived in Japan.</a:t>
               </a:r>
             </a:p>
           </p:txBody>
@@ -4470,9 +4470,9 @@
             <p:nvPr/>
           </p:nvCxnSpPr>
           <p:spPr>
-            <a:xfrm flipH="1">
-              <a:off x="2864933" y="1867611"/>
-              <a:ext cx="2" cy="216252"/>
+            <a:xfrm>
+              <a:off x="2864933" y="1691422"/>
+              <a:ext cx="0" cy="392441"/>
             </a:xfrm>
             <a:prstGeom prst="straightConnector1">
               <a:avLst/>
@@ -4517,7 +4517,7 @@
           </p:nvCxnSpPr>
           <p:spPr>
             <a:xfrm flipV="1">
-              <a:off x="2864932" y="1943181"/>
+              <a:off x="2864932" y="1860608"/>
               <a:ext cx="2745775" cy="1472"/>
             </a:xfrm>
             <a:prstGeom prst="straightConnector1">
@@ -4564,8 +4564,8 @@
           </p:nvCxnSpPr>
           <p:spPr>
             <a:xfrm>
-              <a:off x="2864933" y="2800559"/>
-              <a:ext cx="0" cy="473542"/>
+              <a:off x="2864933" y="2663084"/>
+              <a:ext cx="0" cy="611017"/>
             </a:xfrm>
             <a:prstGeom prst="straightConnector1">
               <a:avLst/>
@@ -4748,7 +4748,7 @@
           </p:nvSpPr>
           <p:spPr>
             <a:xfrm>
-              <a:off x="5610707" y="2542351"/>
+              <a:off x="5610706" y="2498663"/>
               <a:ext cx="3342490" cy="1150997"/>
             </a:xfrm>
             <a:prstGeom prst="roundRect">
@@ -4859,13 +4859,14 @@
             </p:cNvPr>
             <p:cNvCxnSpPr>
               <a:cxnSpLocks/>
+              <a:endCxn id="71" idx="1"/>
             </p:cNvCxnSpPr>
             <p:nvPr/>
           </p:nvCxnSpPr>
           <p:spPr>
-            <a:xfrm flipV="1">
-              <a:off x="2864931" y="3023814"/>
-              <a:ext cx="2745775" cy="1472"/>
+            <a:xfrm>
+              <a:off x="2860313" y="3074162"/>
+              <a:ext cx="2750393" cy="0"/>
             </a:xfrm>
             <a:prstGeom prst="straightConnector1">
               <a:avLst/>
